--- a/presentations/IceFS.pptx
+++ b/presentations/IceFS.pptx
@@ -6,21 +6,26 @@
     <p:sldMasterId id="2147483671" r:id="rId2"/>
   </p:sldMasterIdLst>
   <p:notesMasterIdLst>
-    <p:notesMasterId r:id="rId15"/>
+    <p:notesMasterId r:id="rId20"/>
   </p:notesMasterIdLst>
   <p:sldIdLst>
     <p:sldId id="256" r:id="rId3"/>
     <p:sldId id="257" r:id="rId4"/>
     <p:sldId id="258" r:id="rId5"/>
     <p:sldId id="267" r:id="rId6"/>
-    <p:sldId id="259" r:id="rId7"/>
-    <p:sldId id="260" r:id="rId8"/>
-    <p:sldId id="261" r:id="rId9"/>
-    <p:sldId id="262" r:id="rId10"/>
-    <p:sldId id="263" r:id="rId11"/>
-    <p:sldId id="264" r:id="rId12"/>
-    <p:sldId id="265" r:id="rId13"/>
-    <p:sldId id="266" r:id="rId14"/>
+    <p:sldId id="272" r:id="rId7"/>
+    <p:sldId id="259" r:id="rId8"/>
+    <p:sldId id="269" r:id="rId9"/>
+    <p:sldId id="270" r:id="rId10"/>
+    <p:sldId id="271" r:id="rId11"/>
+    <p:sldId id="261" r:id="rId12"/>
+    <p:sldId id="273" r:id="rId13"/>
+    <p:sldId id="274" r:id="rId14"/>
+    <p:sldId id="275" r:id="rId15"/>
+    <p:sldId id="263" r:id="rId16"/>
+    <p:sldId id="264" r:id="rId17"/>
+    <p:sldId id="265" r:id="rId18"/>
+    <p:sldId id="266" r:id="rId19"/>
   </p:sldIdLst>
   <p:sldSz cx="9144000" cy="5143500" type="screen16x9"/>
   <p:notesSz cx="7019925" cy="9305925"/>
@@ -253,6 +258,11 @@
       </a:defRPr>
     </a:lvl9pPr>
   </p:defaultTextStyle>
+  <p:extLst>
+    <p:ext uri="{EFAFB233-063F-42B5-8137-9DF3F51BA10A}">
+      <p15:sldGuideLst xmlns:p15="http://schemas.microsoft.com/office/powerpoint/2012/main"/>
+    </p:ext>
+  </p:extLst>
 </p:presentation>
 </file>
 
@@ -1550,6 +1560,541 @@
   <p:cSld>
     <p:spTree>
       <p:nvGrpSpPr>
+        <p:cNvPr id="1" name="Shape 126"/>
+        <p:cNvGrpSpPr/>
+        <p:nvPr/>
+      </p:nvGrpSpPr>
+      <p:grpSpPr>
+        <a:xfrm>
+          <a:off x="0" y="0"/>
+          <a:ext cx="0" cy="0"/>
+          <a:chOff x="0" y="0"/>
+          <a:chExt cx="0" cy="0"/>
+        </a:xfrm>
+      </p:grpSpPr>
+      <p:sp>
+        <p:nvSpPr>
+          <p:cNvPr id="127" name="Shape 127"/>
+          <p:cNvSpPr txBox="1">
+            <a:spLocks noGrp="1"/>
+          </p:cNvSpPr>
+          <p:nvPr>
+            <p:ph type="body" idx="1"/>
+          </p:nvPr>
+        </p:nvSpPr>
+        <p:spPr>
+          <a:xfrm>
+            <a:off x="701993" y="4420315"/>
+            <a:ext cx="5616000" cy="4187700"/>
+          </a:xfrm>
+          <a:prstGeom prst="rect">
+            <a:avLst/>
+          </a:prstGeom>
+        </p:spPr>
+        <p:txBody>
+          <a:bodyPr spcFirstLastPara="1" wrap="square" lIns="91425" tIns="91425" rIns="91425" bIns="91425" anchor="t" anchorCtr="0">
+            <a:noAutofit/>
+          </a:bodyPr>
+          <a:lstStyle/>
+          <a:p>
+            <a:pPr marL="0" lvl="0" indent="0" rtl="0">
+              <a:spcBef>
+                <a:spcPts val="0"/>
+              </a:spcBef>
+              <a:spcAft>
+                <a:spcPts val="0"/>
+              </a:spcAft>
+              <a:buNone/>
+            </a:pPr>
+            <a:endParaRPr/>
+          </a:p>
+        </p:txBody>
+      </p:sp>
+      <p:sp>
+        <p:nvSpPr>
+          <p:cNvPr id="128" name="Shape 128"/>
+          <p:cNvSpPr>
+            <a:spLocks noGrp="1" noRot="1" noChangeAspect="1"/>
+          </p:cNvSpPr>
+          <p:nvPr>
+            <p:ph type="sldImg" idx="2"/>
+          </p:nvPr>
+        </p:nvSpPr>
+        <p:spPr>
+          <a:xfrm>
+            <a:off x="409575" y="698500"/>
+            <a:ext cx="6200775" cy="3489325"/>
+          </a:xfrm>
+          <a:custGeom>
+            <a:avLst/>
+            <a:gdLst/>
+            <a:ahLst/>
+            <a:cxnLst/>
+            <a:rect l="0" t="0" r="0" b="0"/>
+            <a:pathLst>
+              <a:path w="120000" h="120000" extrusionOk="0">
+                <a:moveTo>
+                  <a:pt x="0" y="0"/>
+                </a:moveTo>
+                <a:lnTo>
+                  <a:pt x="120000" y="0"/>
+                </a:lnTo>
+                <a:lnTo>
+                  <a:pt x="120000" y="120000"/>
+                </a:lnTo>
+                <a:lnTo>
+                  <a:pt x="0" y="120000"/>
+                </a:lnTo>
+                <a:close/>
+              </a:path>
+            </a:pathLst>
+          </a:custGeom>
+        </p:spPr>
+      </p:sp>
+    </p:spTree>
+  </p:cSld>
+  <p:clrMapOvr>
+    <a:masterClrMapping/>
+  </p:clrMapOvr>
+</p:notes>
+</file>
+
+<file path=ppt/notesSlides/notesSlide11.xml><?xml version="1.0" encoding="utf-8"?>
+<p:notes xmlns:a="http://schemas.openxmlformats.org/drawingml/2006/main" xmlns:r="http://schemas.openxmlformats.org/officeDocument/2006/relationships" xmlns:p="http://schemas.openxmlformats.org/presentationml/2006/main" showMasterSp="0" showMasterPhAnim="0">
+  <p:cSld>
+    <p:spTree>
+      <p:nvGrpSpPr>
+        <p:cNvPr id="1" name="Shape 126"/>
+        <p:cNvGrpSpPr/>
+        <p:nvPr/>
+      </p:nvGrpSpPr>
+      <p:grpSpPr>
+        <a:xfrm>
+          <a:off x="0" y="0"/>
+          <a:ext cx="0" cy="0"/>
+          <a:chOff x="0" y="0"/>
+          <a:chExt cx="0" cy="0"/>
+        </a:xfrm>
+      </p:grpSpPr>
+      <p:sp>
+        <p:nvSpPr>
+          <p:cNvPr id="127" name="Shape 127"/>
+          <p:cNvSpPr txBox="1">
+            <a:spLocks noGrp="1"/>
+          </p:cNvSpPr>
+          <p:nvPr>
+            <p:ph type="body" idx="1"/>
+          </p:nvPr>
+        </p:nvSpPr>
+        <p:spPr>
+          <a:xfrm>
+            <a:off x="701993" y="4420315"/>
+            <a:ext cx="5616000" cy="4187700"/>
+          </a:xfrm>
+          <a:prstGeom prst="rect">
+            <a:avLst/>
+          </a:prstGeom>
+        </p:spPr>
+        <p:txBody>
+          <a:bodyPr spcFirstLastPara="1" wrap="square" lIns="91425" tIns="91425" rIns="91425" bIns="91425" anchor="t" anchorCtr="0">
+            <a:noAutofit/>
+          </a:bodyPr>
+          <a:lstStyle/>
+          <a:p>
+            <a:pPr marL="0" lvl="0" indent="0" rtl="0">
+              <a:spcBef>
+                <a:spcPts val="0"/>
+              </a:spcBef>
+              <a:spcAft>
+                <a:spcPts val="0"/>
+              </a:spcAft>
+              <a:buNone/>
+            </a:pPr>
+            <a:endParaRPr/>
+          </a:p>
+        </p:txBody>
+      </p:sp>
+      <p:sp>
+        <p:nvSpPr>
+          <p:cNvPr id="128" name="Shape 128"/>
+          <p:cNvSpPr>
+            <a:spLocks noGrp="1" noRot="1" noChangeAspect="1"/>
+          </p:cNvSpPr>
+          <p:nvPr>
+            <p:ph type="sldImg" idx="2"/>
+          </p:nvPr>
+        </p:nvSpPr>
+        <p:spPr>
+          <a:xfrm>
+            <a:off x="409575" y="698500"/>
+            <a:ext cx="6200775" cy="3489325"/>
+          </a:xfrm>
+          <a:custGeom>
+            <a:avLst/>
+            <a:gdLst/>
+            <a:ahLst/>
+            <a:cxnLst/>
+            <a:rect l="0" t="0" r="0" b="0"/>
+            <a:pathLst>
+              <a:path w="120000" h="120000" extrusionOk="0">
+                <a:moveTo>
+                  <a:pt x="0" y="0"/>
+                </a:moveTo>
+                <a:lnTo>
+                  <a:pt x="120000" y="0"/>
+                </a:lnTo>
+                <a:lnTo>
+                  <a:pt x="120000" y="120000"/>
+                </a:lnTo>
+                <a:lnTo>
+                  <a:pt x="0" y="120000"/>
+                </a:lnTo>
+                <a:close/>
+              </a:path>
+            </a:pathLst>
+          </a:custGeom>
+        </p:spPr>
+      </p:sp>
+    </p:spTree>
+    <p:extLst>
+      <p:ext uri="{BB962C8B-B14F-4D97-AF65-F5344CB8AC3E}">
+        <p14:creationId xmlns:p14="http://schemas.microsoft.com/office/powerpoint/2010/main" val="28836934"/>
+      </p:ext>
+    </p:extLst>
+  </p:cSld>
+  <p:clrMapOvr>
+    <a:masterClrMapping/>
+  </p:clrMapOvr>
+</p:notes>
+</file>
+
+<file path=ppt/notesSlides/notesSlide12.xml><?xml version="1.0" encoding="utf-8"?>
+<p:notes xmlns:a="http://schemas.openxmlformats.org/drawingml/2006/main" xmlns:r="http://schemas.openxmlformats.org/officeDocument/2006/relationships" xmlns:p="http://schemas.openxmlformats.org/presentationml/2006/main" showMasterSp="0" showMasterPhAnim="0">
+  <p:cSld>
+    <p:spTree>
+      <p:nvGrpSpPr>
+        <p:cNvPr id="1" name="Shape 126"/>
+        <p:cNvGrpSpPr/>
+        <p:nvPr/>
+      </p:nvGrpSpPr>
+      <p:grpSpPr>
+        <a:xfrm>
+          <a:off x="0" y="0"/>
+          <a:ext cx="0" cy="0"/>
+          <a:chOff x="0" y="0"/>
+          <a:chExt cx="0" cy="0"/>
+        </a:xfrm>
+      </p:grpSpPr>
+      <p:sp>
+        <p:nvSpPr>
+          <p:cNvPr id="127" name="Shape 127"/>
+          <p:cNvSpPr txBox="1">
+            <a:spLocks noGrp="1"/>
+          </p:cNvSpPr>
+          <p:nvPr>
+            <p:ph type="body" idx="1"/>
+          </p:nvPr>
+        </p:nvSpPr>
+        <p:spPr>
+          <a:xfrm>
+            <a:off x="701993" y="4420315"/>
+            <a:ext cx="5616000" cy="4187700"/>
+          </a:xfrm>
+          <a:prstGeom prst="rect">
+            <a:avLst/>
+          </a:prstGeom>
+        </p:spPr>
+        <p:txBody>
+          <a:bodyPr spcFirstLastPara="1" wrap="square" lIns="91425" tIns="91425" rIns="91425" bIns="91425" anchor="t" anchorCtr="0">
+            <a:noAutofit/>
+          </a:bodyPr>
+          <a:lstStyle/>
+          <a:p>
+            <a:pPr marL="0" lvl="0" indent="0" rtl="0">
+              <a:spcBef>
+                <a:spcPts val="0"/>
+              </a:spcBef>
+              <a:spcAft>
+                <a:spcPts val="0"/>
+              </a:spcAft>
+              <a:buNone/>
+            </a:pPr>
+            <a:endParaRPr/>
+          </a:p>
+        </p:txBody>
+      </p:sp>
+      <p:sp>
+        <p:nvSpPr>
+          <p:cNvPr id="128" name="Shape 128"/>
+          <p:cNvSpPr>
+            <a:spLocks noGrp="1" noRot="1" noChangeAspect="1"/>
+          </p:cNvSpPr>
+          <p:nvPr>
+            <p:ph type="sldImg" idx="2"/>
+          </p:nvPr>
+        </p:nvSpPr>
+        <p:spPr>
+          <a:xfrm>
+            <a:off x="409575" y="698500"/>
+            <a:ext cx="6200775" cy="3489325"/>
+          </a:xfrm>
+          <a:custGeom>
+            <a:avLst/>
+            <a:gdLst/>
+            <a:ahLst/>
+            <a:cxnLst/>
+            <a:rect l="0" t="0" r="0" b="0"/>
+            <a:pathLst>
+              <a:path w="120000" h="120000" extrusionOk="0">
+                <a:moveTo>
+                  <a:pt x="0" y="0"/>
+                </a:moveTo>
+                <a:lnTo>
+                  <a:pt x="120000" y="0"/>
+                </a:lnTo>
+                <a:lnTo>
+                  <a:pt x="120000" y="120000"/>
+                </a:lnTo>
+                <a:lnTo>
+                  <a:pt x="0" y="120000"/>
+                </a:lnTo>
+                <a:close/>
+              </a:path>
+            </a:pathLst>
+          </a:custGeom>
+        </p:spPr>
+      </p:sp>
+    </p:spTree>
+    <p:extLst>
+      <p:ext uri="{BB962C8B-B14F-4D97-AF65-F5344CB8AC3E}">
+        <p14:creationId xmlns:p14="http://schemas.microsoft.com/office/powerpoint/2010/main" val="798451542"/>
+      </p:ext>
+    </p:extLst>
+  </p:cSld>
+  <p:clrMapOvr>
+    <a:masterClrMapping/>
+  </p:clrMapOvr>
+</p:notes>
+</file>
+
+<file path=ppt/notesSlides/notesSlide13.xml><?xml version="1.0" encoding="utf-8"?>
+<p:notes xmlns:a="http://schemas.openxmlformats.org/drawingml/2006/main" xmlns:r="http://schemas.openxmlformats.org/officeDocument/2006/relationships" xmlns:p="http://schemas.openxmlformats.org/presentationml/2006/main" showMasterSp="0" showMasterPhAnim="0">
+  <p:cSld>
+    <p:spTree>
+      <p:nvGrpSpPr>
+        <p:cNvPr id="1" name="Shape 126"/>
+        <p:cNvGrpSpPr/>
+        <p:nvPr/>
+      </p:nvGrpSpPr>
+      <p:grpSpPr>
+        <a:xfrm>
+          <a:off x="0" y="0"/>
+          <a:ext cx="0" cy="0"/>
+          <a:chOff x="0" y="0"/>
+          <a:chExt cx="0" cy="0"/>
+        </a:xfrm>
+      </p:grpSpPr>
+      <p:sp>
+        <p:nvSpPr>
+          <p:cNvPr id="127" name="Shape 127"/>
+          <p:cNvSpPr txBox="1">
+            <a:spLocks noGrp="1"/>
+          </p:cNvSpPr>
+          <p:nvPr>
+            <p:ph type="body" idx="1"/>
+          </p:nvPr>
+        </p:nvSpPr>
+        <p:spPr>
+          <a:xfrm>
+            <a:off x="701993" y="4420315"/>
+            <a:ext cx="5616000" cy="4187700"/>
+          </a:xfrm>
+          <a:prstGeom prst="rect">
+            <a:avLst/>
+          </a:prstGeom>
+        </p:spPr>
+        <p:txBody>
+          <a:bodyPr spcFirstLastPara="1" wrap="square" lIns="91425" tIns="91425" rIns="91425" bIns="91425" anchor="t" anchorCtr="0">
+            <a:noAutofit/>
+          </a:bodyPr>
+          <a:lstStyle/>
+          <a:p>
+            <a:pPr marL="0" lvl="0" indent="0" rtl="0">
+              <a:spcBef>
+                <a:spcPts val="0"/>
+              </a:spcBef>
+              <a:spcAft>
+                <a:spcPts val="0"/>
+              </a:spcAft>
+              <a:buNone/>
+            </a:pPr>
+            <a:endParaRPr/>
+          </a:p>
+        </p:txBody>
+      </p:sp>
+      <p:sp>
+        <p:nvSpPr>
+          <p:cNvPr id="128" name="Shape 128"/>
+          <p:cNvSpPr>
+            <a:spLocks noGrp="1" noRot="1" noChangeAspect="1"/>
+          </p:cNvSpPr>
+          <p:nvPr>
+            <p:ph type="sldImg" idx="2"/>
+          </p:nvPr>
+        </p:nvSpPr>
+        <p:spPr>
+          <a:xfrm>
+            <a:off x="409575" y="698500"/>
+            <a:ext cx="6200775" cy="3489325"/>
+          </a:xfrm>
+          <a:custGeom>
+            <a:avLst/>
+            <a:gdLst/>
+            <a:ahLst/>
+            <a:cxnLst/>
+            <a:rect l="0" t="0" r="0" b="0"/>
+            <a:pathLst>
+              <a:path w="120000" h="120000" extrusionOk="0">
+                <a:moveTo>
+                  <a:pt x="0" y="0"/>
+                </a:moveTo>
+                <a:lnTo>
+                  <a:pt x="120000" y="0"/>
+                </a:lnTo>
+                <a:lnTo>
+                  <a:pt x="120000" y="120000"/>
+                </a:lnTo>
+                <a:lnTo>
+                  <a:pt x="0" y="120000"/>
+                </a:lnTo>
+                <a:close/>
+              </a:path>
+            </a:pathLst>
+          </a:custGeom>
+        </p:spPr>
+      </p:sp>
+    </p:spTree>
+    <p:extLst>
+      <p:ext uri="{BB962C8B-B14F-4D97-AF65-F5344CB8AC3E}">
+        <p14:creationId xmlns:p14="http://schemas.microsoft.com/office/powerpoint/2010/main" val="2842892952"/>
+      </p:ext>
+    </p:extLst>
+  </p:cSld>
+  <p:clrMapOvr>
+    <a:masterClrMapping/>
+  </p:clrMapOvr>
+</p:notes>
+</file>
+
+<file path=ppt/notesSlides/notesSlide14.xml><?xml version="1.0" encoding="utf-8"?>
+<p:notes xmlns:a="http://schemas.openxmlformats.org/drawingml/2006/main" xmlns:r="http://schemas.openxmlformats.org/officeDocument/2006/relationships" xmlns:p="http://schemas.openxmlformats.org/presentationml/2006/main" showMasterSp="0" showMasterPhAnim="0">
+  <p:cSld>
+    <p:spTree>
+      <p:nvGrpSpPr>
+        <p:cNvPr id="1" name="Shape 139"/>
+        <p:cNvGrpSpPr/>
+        <p:nvPr/>
+      </p:nvGrpSpPr>
+      <p:grpSpPr>
+        <a:xfrm>
+          <a:off x="0" y="0"/>
+          <a:ext cx="0" cy="0"/>
+          <a:chOff x="0" y="0"/>
+          <a:chExt cx="0" cy="0"/>
+        </a:xfrm>
+      </p:grpSpPr>
+      <p:sp>
+        <p:nvSpPr>
+          <p:cNvPr id="140" name="Shape 140"/>
+          <p:cNvSpPr txBox="1">
+            <a:spLocks noGrp="1"/>
+          </p:cNvSpPr>
+          <p:nvPr>
+            <p:ph type="body" idx="1"/>
+          </p:nvPr>
+        </p:nvSpPr>
+        <p:spPr>
+          <a:xfrm>
+            <a:off x="701993" y="4420315"/>
+            <a:ext cx="5616000" cy="4187700"/>
+          </a:xfrm>
+          <a:prstGeom prst="rect">
+            <a:avLst/>
+          </a:prstGeom>
+        </p:spPr>
+        <p:txBody>
+          <a:bodyPr spcFirstLastPara="1" wrap="square" lIns="91425" tIns="91425" rIns="91425" bIns="91425" anchor="t" anchorCtr="0">
+            <a:noAutofit/>
+          </a:bodyPr>
+          <a:lstStyle/>
+          <a:p>
+            <a:pPr marL="0" lvl="0" indent="0" rtl="0">
+              <a:spcBef>
+                <a:spcPts val="0"/>
+              </a:spcBef>
+              <a:spcAft>
+                <a:spcPts val="0"/>
+              </a:spcAft>
+              <a:buNone/>
+            </a:pPr>
+            <a:endParaRPr/>
+          </a:p>
+        </p:txBody>
+      </p:sp>
+      <p:sp>
+        <p:nvSpPr>
+          <p:cNvPr id="141" name="Shape 141"/>
+          <p:cNvSpPr>
+            <a:spLocks noGrp="1" noRot="1" noChangeAspect="1"/>
+          </p:cNvSpPr>
+          <p:nvPr>
+            <p:ph type="sldImg" idx="2"/>
+          </p:nvPr>
+        </p:nvSpPr>
+        <p:spPr>
+          <a:xfrm>
+            <a:off x="409575" y="698500"/>
+            <a:ext cx="6200775" cy="3489325"/>
+          </a:xfrm>
+          <a:custGeom>
+            <a:avLst/>
+            <a:gdLst/>
+            <a:ahLst/>
+            <a:cxnLst/>
+            <a:rect l="0" t="0" r="0" b="0"/>
+            <a:pathLst>
+              <a:path w="120000" h="120000" extrusionOk="0">
+                <a:moveTo>
+                  <a:pt x="0" y="0"/>
+                </a:moveTo>
+                <a:lnTo>
+                  <a:pt x="120000" y="0"/>
+                </a:lnTo>
+                <a:lnTo>
+                  <a:pt x="120000" y="120000"/>
+                </a:lnTo>
+                <a:lnTo>
+                  <a:pt x="0" y="120000"/>
+                </a:lnTo>
+                <a:close/>
+              </a:path>
+            </a:pathLst>
+          </a:custGeom>
+        </p:spPr>
+      </p:sp>
+    </p:spTree>
+  </p:cSld>
+  <p:clrMapOvr>
+    <a:masterClrMapping/>
+  </p:clrMapOvr>
+</p:notes>
+</file>
+
+<file path=ppt/notesSlides/notesSlide15.xml><?xml version="1.0" encoding="utf-8"?>
+<p:notes xmlns:a="http://schemas.openxmlformats.org/drawingml/2006/main" xmlns:r="http://schemas.openxmlformats.org/officeDocument/2006/relationships" xmlns:p="http://schemas.openxmlformats.org/presentationml/2006/main" showMasterSp="0" showMasterPhAnim="0">
+  <p:cSld>
+    <p:spTree>
+      <p:nvGrpSpPr>
         <p:cNvPr id="1" name="Shape 145"/>
         <p:cNvGrpSpPr/>
         <p:nvPr/>
@@ -1649,7 +2194,7 @@
 </p:notes>
 </file>
 
-<file path=ppt/notesSlides/notesSlide11.xml><?xml version="1.0" encoding="utf-8"?>
+<file path=ppt/notesSlides/notesSlide16.xml><?xml version="1.0" encoding="utf-8"?>
 <p:notes xmlns:a="http://schemas.openxmlformats.org/drawingml/2006/main" xmlns:r="http://schemas.openxmlformats.org/officeDocument/2006/relationships" xmlns:p="http://schemas.openxmlformats.org/presentationml/2006/main" showMasterSp="0" showMasterPhAnim="0">
   <p:cSld>
     <p:spTree>
@@ -1753,7 +2298,7 @@
 </p:notes>
 </file>
 
-<file path=ppt/notesSlides/notesSlide12.xml><?xml version="1.0" encoding="utf-8"?>
+<file path=ppt/notesSlides/notesSlide17.xml><?xml version="1.0" encoding="utf-8"?>
 <p:notes xmlns:a="http://schemas.openxmlformats.org/drawingml/2006/main" xmlns:r="http://schemas.openxmlformats.org/officeDocument/2006/relationships" xmlns:p="http://schemas.openxmlformats.org/presentationml/2006/main" showMasterSp="0" showMasterPhAnim="0">
   <p:cSld>
     <p:spTree>
@@ -2179,6 +2724,115 @@
   <p:cSld>
     <p:spTree>
       <p:nvGrpSpPr>
+        <p:cNvPr id="1" name="Shape 107"/>
+        <p:cNvGrpSpPr/>
+        <p:nvPr/>
+      </p:nvGrpSpPr>
+      <p:grpSpPr>
+        <a:xfrm>
+          <a:off x="0" y="0"/>
+          <a:ext cx="0" cy="0"/>
+          <a:chOff x="0" y="0"/>
+          <a:chExt cx="0" cy="0"/>
+        </a:xfrm>
+      </p:grpSpPr>
+      <p:sp>
+        <p:nvSpPr>
+          <p:cNvPr id="108" name="Shape 108"/>
+          <p:cNvSpPr txBox="1">
+            <a:spLocks noGrp="1"/>
+          </p:cNvSpPr>
+          <p:nvPr>
+            <p:ph type="body" idx="1"/>
+          </p:nvPr>
+        </p:nvSpPr>
+        <p:spPr>
+          <a:xfrm>
+            <a:off x="701993" y="4420315"/>
+            <a:ext cx="5616000" cy="4187700"/>
+          </a:xfrm>
+          <a:prstGeom prst="rect">
+            <a:avLst/>
+          </a:prstGeom>
+        </p:spPr>
+        <p:txBody>
+          <a:bodyPr spcFirstLastPara="1" wrap="square" lIns="91425" tIns="91425" rIns="91425" bIns="91425" anchor="t" anchorCtr="0">
+            <a:noAutofit/>
+          </a:bodyPr>
+          <a:lstStyle/>
+          <a:p>
+            <a:pPr marL="0" lvl="0" indent="0" rtl="0">
+              <a:spcBef>
+                <a:spcPts val="0"/>
+              </a:spcBef>
+              <a:spcAft>
+                <a:spcPts val="0"/>
+              </a:spcAft>
+              <a:buNone/>
+            </a:pPr>
+            <a:endParaRPr/>
+          </a:p>
+        </p:txBody>
+      </p:sp>
+      <p:sp>
+        <p:nvSpPr>
+          <p:cNvPr id="109" name="Shape 109"/>
+          <p:cNvSpPr>
+            <a:spLocks noGrp="1" noRot="1" noChangeAspect="1"/>
+          </p:cNvSpPr>
+          <p:nvPr>
+            <p:ph type="sldImg" idx="2"/>
+          </p:nvPr>
+        </p:nvSpPr>
+        <p:spPr>
+          <a:xfrm>
+            <a:off x="409575" y="698500"/>
+            <a:ext cx="6200775" cy="3489325"/>
+          </a:xfrm>
+          <a:custGeom>
+            <a:avLst/>
+            <a:gdLst/>
+            <a:ahLst/>
+            <a:cxnLst/>
+            <a:rect l="0" t="0" r="0" b="0"/>
+            <a:pathLst>
+              <a:path w="120000" h="120000" extrusionOk="0">
+                <a:moveTo>
+                  <a:pt x="0" y="0"/>
+                </a:moveTo>
+                <a:lnTo>
+                  <a:pt x="120000" y="0"/>
+                </a:lnTo>
+                <a:lnTo>
+                  <a:pt x="120000" y="120000"/>
+                </a:lnTo>
+                <a:lnTo>
+                  <a:pt x="0" y="120000"/>
+                </a:lnTo>
+                <a:close/>
+              </a:path>
+            </a:pathLst>
+          </a:custGeom>
+        </p:spPr>
+      </p:sp>
+    </p:spTree>
+    <p:extLst>
+      <p:ext uri="{BB962C8B-B14F-4D97-AF65-F5344CB8AC3E}">
+        <p14:creationId xmlns:p14="http://schemas.microsoft.com/office/powerpoint/2010/main" val="3765310537"/>
+      </p:ext>
+    </p:extLst>
+  </p:cSld>
+  <p:clrMapOvr>
+    <a:masterClrMapping/>
+  </p:clrMapOvr>
+</p:notes>
+</file>
+
+<file path=ppt/notesSlides/notesSlide6.xml><?xml version="1.0" encoding="utf-8"?>
+<p:notes xmlns:a="http://schemas.openxmlformats.org/drawingml/2006/main" xmlns:r="http://schemas.openxmlformats.org/officeDocument/2006/relationships" xmlns:p="http://schemas.openxmlformats.org/presentationml/2006/main" showMasterSp="0" showMasterPhAnim="0">
+  <p:cSld>
+    <p:spTree>
+      <p:nvGrpSpPr>
         <p:cNvPr id="1" name="Shape 113"/>
         <p:cNvGrpSpPr/>
         <p:nvPr/>
@@ -2278,12 +2932,12 @@
 </p:notes>
 </file>
 
-<file path=ppt/notesSlides/notesSlide6.xml><?xml version="1.0" encoding="utf-8"?>
+<file path=ppt/notesSlides/notesSlide7.xml><?xml version="1.0" encoding="utf-8"?>
 <p:notes xmlns:a="http://schemas.openxmlformats.org/drawingml/2006/main" xmlns:r="http://schemas.openxmlformats.org/officeDocument/2006/relationships" xmlns:p="http://schemas.openxmlformats.org/presentationml/2006/main" showMasterSp="0" showMasterPhAnim="0">
   <p:cSld>
     <p:spTree>
       <p:nvGrpSpPr>
-        <p:cNvPr id="1" name="Shape 119"/>
+        <p:cNvPr id="1" name="Shape 113"/>
         <p:cNvGrpSpPr/>
         <p:nvPr/>
       </p:nvGrpSpPr>
@@ -2297,7 +2951,7 @@
       </p:grpSpPr>
       <p:sp>
         <p:nvSpPr>
-          <p:cNvPr id="120" name="Shape 120"/>
+          <p:cNvPr id="114" name="Shape 114"/>
           <p:cNvSpPr txBox="1">
             <a:spLocks noGrp="1"/>
           </p:cNvSpPr>
@@ -2335,7 +2989,7 @@
       </p:sp>
       <p:sp>
         <p:nvSpPr>
-          <p:cNvPr id="121" name="Shape 121"/>
+          <p:cNvPr id="115" name="Shape 115"/>
           <p:cNvSpPr>
             <a:spLocks noGrp="1" noRot="1" noChangeAspect="1"/>
           </p:cNvSpPr>
@@ -2375,6 +3029,11 @@
         </p:spPr>
       </p:sp>
     </p:spTree>
+    <p:extLst>
+      <p:ext uri="{BB962C8B-B14F-4D97-AF65-F5344CB8AC3E}">
+        <p14:creationId xmlns:p14="http://schemas.microsoft.com/office/powerpoint/2010/main" val="891149678"/>
+      </p:ext>
+    </p:extLst>
   </p:cSld>
   <p:clrMapOvr>
     <a:masterClrMapping/>
@@ -2382,12 +3041,12 @@
 </p:notes>
 </file>
 
-<file path=ppt/notesSlides/notesSlide7.xml><?xml version="1.0" encoding="utf-8"?>
+<file path=ppt/notesSlides/notesSlide8.xml><?xml version="1.0" encoding="utf-8"?>
 <p:notes xmlns:a="http://schemas.openxmlformats.org/drawingml/2006/main" xmlns:r="http://schemas.openxmlformats.org/officeDocument/2006/relationships" xmlns:p="http://schemas.openxmlformats.org/presentationml/2006/main" showMasterSp="0" showMasterPhAnim="0">
   <p:cSld>
     <p:spTree>
       <p:nvGrpSpPr>
-        <p:cNvPr id="1" name="Shape 126"/>
+        <p:cNvPr id="1" name="Shape 113"/>
         <p:cNvGrpSpPr/>
         <p:nvPr/>
       </p:nvGrpSpPr>
@@ -2401,7 +3060,7 @@
       </p:grpSpPr>
       <p:sp>
         <p:nvSpPr>
-          <p:cNvPr id="127" name="Shape 127"/>
+          <p:cNvPr id="114" name="Shape 114"/>
           <p:cNvSpPr txBox="1">
             <a:spLocks noGrp="1"/>
           </p:cNvSpPr>
@@ -2439,7 +3098,7 @@
       </p:sp>
       <p:sp>
         <p:nvSpPr>
-          <p:cNvPr id="128" name="Shape 128"/>
+          <p:cNvPr id="115" name="Shape 115"/>
           <p:cNvSpPr>
             <a:spLocks noGrp="1" noRot="1" noChangeAspect="1"/>
           </p:cNvSpPr>
@@ -2479,6 +3138,11 @@
         </p:spPr>
       </p:sp>
     </p:spTree>
+    <p:extLst>
+      <p:ext uri="{BB962C8B-B14F-4D97-AF65-F5344CB8AC3E}">
+        <p14:creationId xmlns:p14="http://schemas.microsoft.com/office/powerpoint/2010/main" val="3646667136"/>
+      </p:ext>
+    </p:extLst>
   </p:cSld>
   <p:clrMapOvr>
     <a:masterClrMapping/>
@@ -2486,12 +3150,12 @@
 </p:notes>
 </file>
 
-<file path=ppt/notesSlides/notesSlide8.xml><?xml version="1.0" encoding="utf-8"?>
+<file path=ppt/notesSlides/notesSlide9.xml><?xml version="1.0" encoding="utf-8"?>
 <p:notes xmlns:a="http://schemas.openxmlformats.org/drawingml/2006/main" xmlns:r="http://schemas.openxmlformats.org/officeDocument/2006/relationships" xmlns:p="http://schemas.openxmlformats.org/presentationml/2006/main" showMasterSp="0" showMasterPhAnim="0">
   <p:cSld>
     <p:spTree>
       <p:nvGrpSpPr>
-        <p:cNvPr id="1" name="Shape 132"/>
+        <p:cNvPr id="1" name="Shape 113"/>
         <p:cNvGrpSpPr/>
         <p:nvPr/>
       </p:nvGrpSpPr>
@@ -2505,7 +3169,7 @@
       </p:grpSpPr>
       <p:sp>
         <p:nvSpPr>
-          <p:cNvPr id="133" name="Shape 133"/>
+          <p:cNvPr id="114" name="Shape 114"/>
           <p:cNvSpPr txBox="1">
             <a:spLocks noGrp="1"/>
           </p:cNvSpPr>
@@ -2543,7 +3207,7 @@
       </p:sp>
       <p:sp>
         <p:nvSpPr>
-          <p:cNvPr id="134" name="Shape 134"/>
+          <p:cNvPr id="115" name="Shape 115"/>
           <p:cNvSpPr>
             <a:spLocks noGrp="1" noRot="1" noChangeAspect="1"/>
           </p:cNvSpPr>
@@ -2583,110 +3247,11 @@
         </p:spPr>
       </p:sp>
     </p:spTree>
-  </p:cSld>
-  <p:clrMapOvr>
-    <a:masterClrMapping/>
-  </p:clrMapOvr>
-</p:notes>
-</file>
-
-<file path=ppt/notesSlides/notesSlide9.xml><?xml version="1.0" encoding="utf-8"?>
-<p:notes xmlns:a="http://schemas.openxmlformats.org/drawingml/2006/main" xmlns:r="http://schemas.openxmlformats.org/officeDocument/2006/relationships" xmlns:p="http://schemas.openxmlformats.org/presentationml/2006/main" showMasterSp="0" showMasterPhAnim="0">
-  <p:cSld>
-    <p:spTree>
-      <p:nvGrpSpPr>
-        <p:cNvPr id="1" name="Shape 139"/>
-        <p:cNvGrpSpPr/>
-        <p:nvPr/>
-      </p:nvGrpSpPr>
-      <p:grpSpPr>
-        <a:xfrm>
-          <a:off x="0" y="0"/>
-          <a:ext cx="0" cy="0"/>
-          <a:chOff x="0" y="0"/>
-          <a:chExt cx="0" cy="0"/>
-        </a:xfrm>
-      </p:grpSpPr>
-      <p:sp>
-        <p:nvSpPr>
-          <p:cNvPr id="140" name="Shape 140"/>
-          <p:cNvSpPr txBox="1">
-            <a:spLocks noGrp="1"/>
-          </p:cNvSpPr>
-          <p:nvPr>
-            <p:ph type="body" idx="1"/>
-          </p:nvPr>
-        </p:nvSpPr>
-        <p:spPr>
-          <a:xfrm>
-            <a:off x="701993" y="4420315"/>
-            <a:ext cx="5616000" cy="4187700"/>
-          </a:xfrm>
-          <a:prstGeom prst="rect">
-            <a:avLst/>
-          </a:prstGeom>
-        </p:spPr>
-        <p:txBody>
-          <a:bodyPr spcFirstLastPara="1" wrap="square" lIns="91425" tIns="91425" rIns="91425" bIns="91425" anchor="t" anchorCtr="0">
-            <a:noAutofit/>
-          </a:bodyPr>
-          <a:lstStyle/>
-          <a:p>
-            <a:pPr marL="0" lvl="0" indent="0" rtl="0">
-              <a:spcBef>
-                <a:spcPts val="0"/>
-              </a:spcBef>
-              <a:spcAft>
-                <a:spcPts val="0"/>
-              </a:spcAft>
-              <a:buNone/>
-            </a:pPr>
-            <a:endParaRPr/>
-          </a:p>
-        </p:txBody>
-      </p:sp>
-      <p:sp>
-        <p:nvSpPr>
-          <p:cNvPr id="141" name="Shape 141"/>
-          <p:cNvSpPr>
-            <a:spLocks noGrp="1" noRot="1" noChangeAspect="1"/>
-          </p:cNvSpPr>
-          <p:nvPr>
-            <p:ph type="sldImg" idx="2"/>
-          </p:nvPr>
-        </p:nvSpPr>
-        <p:spPr>
-          <a:xfrm>
-            <a:off x="409575" y="698500"/>
-            <a:ext cx="6200775" cy="3489325"/>
-          </a:xfrm>
-          <a:custGeom>
-            <a:avLst/>
-            <a:gdLst/>
-            <a:ahLst/>
-            <a:cxnLst/>
-            <a:rect l="0" t="0" r="0" b="0"/>
-            <a:pathLst>
-              <a:path w="120000" h="120000" extrusionOk="0">
-                <a:moveTo>
-                  <a:pt x="0" y="0"/>
-                </a:moveTo>
-                <a:lnTo>
-                  <a:pt x="120000" y="0"/>
-                </a:lnTo>
-                <a:lnTo>
-                  <a:pt x="120000" y="120000"/>
-                </a:lnTo>
-                <a:lnTo>
-                  <a:pt x="0" y="120000"/>
-                </a:lnTo>
-                <a:close/>
-              </a:path>
-            </a:pathLst>
-          </a:custGeom>
-        </p:spPr>
-      </p:sp>
-    </p:spTree>
+    <p:extLst>
+      <p:ext uri="{BB962C8B-B14F-4D97-AF65-F5344CB8AC3E}">
+        <p14:creationId xmlns:p14="http://schemas.microsoft.com/office/powerpoint/2010/main" val="1328132930"/>
+      </p:ext>
+    </p:extLst>
   </p:cSld>
   <p:clrMapOvr>
     <a:masterClrMapping/>
@@ -16007,6 +16572,877 @@
   <p:cSld>
     <p:spTree>
       <p:nvGrpSpPr>
+        <p:cNvPr id="1" name="Shape 129"/>
+        <p:cNvGrpSpPr/>
+        <p:nvPr/>
+      </p:nvGrpSpPr>
+      <p:grpSpPr>
+        <a:xfrm>
+          <a:off x="0" y="0"/>
+          <a:ext cx="0" cy="0"/>
+          <a:chOff x="0" y="0"/>
+          <a:chExt cx="0" cy="0"/>
+        </a:xfrm>
+      </p:grpSpPr>
+      <p:sp>
+        <p:nvSpPr>
+          <p:cNvPr id="130" name="Shape 130"/>
+          <p:cNvSpPr txBox="1">
+            <a:spLocks noGrp="1"/>
+          </p:cNvSpPr>
+          <p:nvPr>
+            <p:ph type="title"/>
+          </p:nvPr>
+        </p:nvSpPr>
+        <p:spPr>
+          <a:xfrm>
+            <a:off x="457200" y="628650"/>
+            <a:ext cx="8229600" cy="537000"/>
+          </a:xfrm>
+          <a:prstGeom prst="rect">
+            <a:avLst/>
+          </a:prstGeom>
+          <a:noFill/>
+          <a:ln>
+            <a:noFill/>
+          </a:ln>
+        </p:spPr>
+        <p:txBody>
+          <a:bodyPr spcFirstLastPara="1" wrap="square" lIns="91425" tIns="45700" rIns="91425" bIns="45700" anchor="ctr" anchorCtr="0">
+            <a:noAutofit/>
+          </a:bodyPr>
+          <a:lstStyle/>
+          <a:p>
+            <a:pPr marL="0" marR="0" lvl="0" indent="0" algn="ctr" rtl="0">
+              <a:spcBef>
+                <a:spcPts val="0"/>
+              </a:spcBef>
+              <a:spcAft>
+                <a:spcPts val="0"/>
+              </a:spcAft>
+              <a:buClr>
+                <a:srgbClr val="09347A"/>
+              </a:buClr>
+              <a:buSzPts val="3600"/>
+              <a:buFont typeface="Verdana"/>
+              <a:buNone/>
+            </a:pPr>
+            <a:r>
+              <a:rPr lang="en-US" sz="3000" dirty="0"/>
+              <a:t>Motivation</a:t>
+            </a:r>
+            <a:endParaRPr sz="3000" b="0" i="0" u="none" strike="noStrike" cap="none" dirty="0">
+              <a:solidFill>
+                <a:srgbClr val="09347A"/>
+              </a:solidFill>
+              <a:latin typeface="Verdana"/>
+              <a:ea typeface="Verdana"/>
+              <a:cs typeface="Verdana"/>
+              <a:sym typeface="Verdana"/>
+            </a:endParaRPr>
+          </a:p>
+        </p:txBody>
+      </p:sp>
+      <p:sp>
+        <p:nvSpPr>
+          <p:cNvPr id="131" name="Shape 131"/>
+          <p:cNvSpPr txBox="1">
+            <a:spLocks noGrp="1"/>
+          </p:cNvSpPr>
+          <p:nvPr>
+            <p:ph type="body" idx="1"/>
+          </p:nvPr>
+        </p:nvSpPr>
+        <p:spPr>
+          <a:xfrm>
+            <a:off x="457200" y="1200151"/>
+            <a:ext cx="8229600" cy="3394500"/>
+          </a:xfrm>
+          <a:prstGeom prst="rect">
+            <a:avLst/>
+          </a:prstGeom>
+          <a:noFill/>
+          <a:ln>
+            <a:noFill/>
+          </a:ln>
+        </p:spPr>
+        <p:txBody>
+          <a:bodyPr spcFirstLastPara="1" wrap="square" lIns="91425" tIns="45700" rIns="91425" bIns="45700" anchor="t" anchorCtr="0">
+            <a:noAutofit/>
+          </a:bodyPr>
+          <a:lstStyle/>
+          <a:p>
+            <a:pPr marR="0" lvl="0" indent="-457200" algn="l" rtl="0">
+              <a:spcBef>
+                <a:spcPts val="0"/>
+              </a:spcBef>
+              <a:spcAft>
+                <a:spcPts val="0"/>
+              </a:spcAft>
+              <a:buSzPct val="100000"/>
+              <a:buFont typeface="+mj-lt"/>
+              <a:buAutoNum type="arabicPeriod"/>
+            </a:pPr>
+            <a:r>
+              <a:rPr lang="en-US" sz="2400" dirty="0">
+                <a:latin typeface="Times New Roman"/>
+                <a:ea typeface="Times New Roman"/>
+                <a:cs typeface="Times New Roman"/>
+                <a:sym typeface="Times New Roman"/>
+              </a:rPr>
+              <a:t>Virtualized Filesystem</a:t>
+            </a:r>
+          </a:p>
+          <a:p>
+            <a:pPr lvl="1" indent="-457200">
+              <a:spcBef>
+                <a:spcPts val="0"/>
+              </a:spcBef>
+            </a:pPr>
+            <a:r>
+              <a:rPr lang="en-US" sz="2000" dirty="0" err="1">
+                <a:latin typeface="Times New Roman"/>
+                <a:ea typeface="Times New Roman"/>
+                <a:cs typeface="Times New Roman"/>
+                <a:sym typeface="Times New Roman"/>
+              </a:rPr>
+              <a:t>IceFS</a:t>
+            </a:r>
+            <a:r>
+              <a:rPr lang="en-US" sz="2000" dirty="0">
+                <a:latin typeface="Times New Roman"/>
+                <a:ea typeface="Times New Roman"/>
+                <a:cs typeface="Times New Roman"/>
+                <a:sym typeface="Times New Roman"/>
+              </a:rPr>
+              <a:t> as host file system for VMware environment</a:t>
+            </a:r>
+          </a:p>
+          <a:p>
+            <a:pPr marR="0" lvl="0" indent="-457200" algn="l" rtl="0">
+              <a:spcBef>
+                <a:spcPts val="0"/>
+              </a:spcBef>
+              <a:spcAft>
+                <a:spcPts val="0"/>
+              </a:spcAft>
+              <a:buFont typeface="+mj-lt"/>
+              <a:buAutoNum type="arabicPeriod"/>
+            </a:pPr>
+            <a:endParaRPr lang="en-US" sz="2400" dirty="0">
+              <a:latin typeface="Times New Roman"/>
+              <a:ea typeface="Times New Roman"/>
+              <a:cs typeface="Times New Roman"/>
+              <a:sym typeface="Times New Roman"/>
+            </a:endParaRPr>
+          </a:p>
+          <a:p>
+            <a:pPr marR="0" lvl="0" indent="-457200" algn="l" rtl="0">
+              <a:spcBef>
+                <a:spcPts val="0"/>
+              </a:spcBef>
+              <a:spcAft>
+                <a:spcPts val="0"/>
+              </a:spcAft>
+              <a:buFont typeface="+mj-lt"/>
+              <a:buAutoNum type="arabicPeriod"/>
+            </a:pPr>
+            <a:endParaRPr lang="en-US" sz="2400" dirty="0">
+              <a:latin typeface="Times New Roman"/>
+              <a:ea typeface="Times New Roman"/>
+              <a:cs typeface="Times New Roman"/>
+              <a:sym typeface="Times New Roman"/>
+            </a:endParaRPr>
+          </a:p>
+          <a:p>
+            <a:pPr marR="0" lvl="0" indent="-457200" algn="l" rtl="0">
+              <a:spcBef>
+                <a:spcPts val="0"/>
+              </a:spcBef>
+              <a:spcAft>
+                <a:spcPts val="0"/>
+              </a:spcAft>
+              <a:buSzPct val="100000"/>
+              <a:buFont typeface="+mj-lt"/>
+              <a:buAutoNum type="arabicPeriod"/>
+            </a:pPr>
+            <a:r>
+              <a:rPr lang="en-US" sz="2400" dirty="0">
+                <a:latin typeface="Times New Roman"/>
+                <a:ea typeface="Times New Roman"/>
+                <a:cs typeface="Times New Roman"/>
+                <a:sym typeface="Times New Roman"/>
+              </a:rPr>
+              <a:t>Distributed Filesystem</a:t>
+            </a:r>
+          </a:p>
+          <a:p>
+            <a:pPr lvl="1" indent="-457200">
+              <a:spcBef>
+                <a:spcPts val="0"/>
+              </a:spcBef>
+            </a:pPr>
+            <a:r>
+              <a:rPr lang="en-US" sz="2000" dirty="0" err="1">
+                <a:latin typeface="Times New Roman"/>
+                <a:ea typeface="Times New Roman"/>
+                <a:cs typeface="Times New Roman"/>
+                <a:sym typeface="Times New Roman"/>
+              </a:rPr>
+              <a:t>IceFS</a:t>
+            </a:r>
+            <a:r>
+              <a:rPr lang="en-US" sz="2000" dirty="0">
+                <a:latin typeface="Times New Roman"/>
+                <a:ea typeface="Times New Roman"/>
+                <a:cs typeface="Times New Roman"/>
+                <a:sym typeface="Times New Roman"/>
+              </a:rPr>
+              <a:t> as underlying filesystem for HDFS</a:t>
+            </a:r>
+            <a:endParaRPr sz="2000" dirty="0">
+              <a:latin typeface="Times New Roman"/>
+              <a:ea typeface="Times New Roman"/>
+              <a:cs typeface="Times New Roman"/>
+              <a:sym typeface="Times New Roman"/>
+            </a:endParaRPr>
+          </a:p>
+        </p:txBody>
+      </p:sp>
+    </p:spTree>
+  </p:cSld>
+  <p:clrMapOvr>
+    <a:masterClrMapping/>
+  </p:clrMapOvr>
+</p:sld>
+</file>
+
+<file path=ppt/slides/slide11.xml><?xml version="1.0" encoding="utf-8"?>
+<p:sld xmlns:a="http://schemas.openxmlformats.org/drawingml/2006/main" xmlns:r="http://schemas.openxmlformats.org/officeDocument/2006/relationships" xmlns:p="http://schemas.openxmlformats.org/presentationml/2006/main">
+  <p:cSld>
+    <p:spTree>
+      <p:nvGrpSpPr>
+        <p:cNvPr id="1" name="Shape 129"/>
+        <p:cNvGrpSpPr/>
+        <p:nvPr/>
+      </p:nvGrpSpPr>
+      <p:grpSpPr>
+        <a:xfrm>
+          <a:off x="0" y="0"/>
+          <a:ext cx="0" cy="0"/>
+          <a:chOff x="0" y="0"/>
+          <a:chExt cx="0" cy="0"/>
+        </a:xfrm>
+      </p:grpSpPr>
+      <p:sp>
+        <p:nvSpPr>
+          <p:cNvPr id="130" name="Shape 130"/>
+          <p:cNvSpPr txBox="1">
+            <a:spLocks noGrp="1"/>
+          </p:cNvSpPr>
+          <p:nvPr>
+            <p:ph type="title"/>
+          </p:nvPr>
+        </p:nvSpPr>
+        <p:spPr>
+          <a:xfrm>
+            <a:off x="457200" y="628650"/>
+            <a:ext cx="8229600" cy="537000"/>
+          </a:xfrm>
+          <a:prstGeom prst="rect">
+            <a:avLst/>
+          </a:prstGeom>
+          <a:noFill/>
+          <a:ln>
+            <a:noFill/>
+          </a:ln>
+        </p:spPr>
+        <p:txBody>
+          <a:bodyPr spcFirstLastPara="1" wrap="square" lIns="91425" tIns="45700" rIns="91425" bIns="45700" anchor="ctr" anchorCtr="0">
+            <a:noAutofit/>
+          </a:bodyPr>
+          <a:lstStyle/>
+          <a:p>
+            <a:pPr lvl="0">
+              <a:buSzPts val="3600"/>
+            </a:pPr>
+            <a:r>
+              <a:rPr lang="en-US" sz="3000" dirty="0"/>
+              <a:t>Motivation</a:t>
+            </a:r>
+            <a:endParaRPr sz="3000" b="0" i="0" u="none" strike="noStrike" cap="none" dirty="0">
+              <a:solidFill>
+                <a:srgbClr val="09347A"/>
+              </a:solidFill>
+              <a:latin typeface="Verdana"/>
+              <a:ea typeface="Verdana"/>
+              <a:cs typeface="Verdana"/>
+              <a:sym typeface="Verdana"/>
+            </a:endParaRPr>
+          </a:p>
+        </p:txBody>
+      </p:sp>
+      <p:sp>
+        <p:nvSpPr>
+          <p:cNvPr id="131" name="Shape 131"/>
+          <p:cNvSpPr txBox="1">
+            <a:spLocks noGrp="1"/>
+          </p:cNvSpPr>
+          <p:nvPr>
+            <p:ph type="body" idx="1"/>
+          </p:nvPr>
+        </p:nvSpPr>
+        <p:spPr>
+          <a:xfrm>
+            <a:off x="457200" y="1200151"/>
+            <a:ext cx="8229600" cy="3394500"/>
+          </a:xfrm>
+          <a:prstGeom prst="rect">
+            <a:avLst/>
+          </a:prstGeom>
+          <a:noFill/>
+          <a:ln>
+            <a:noFill/>
+          </a:ln>
+        </p:spPr>
+        <p:txBody>
+          <a:bodyPr spcFirstLastPara="1" wrap="square" lIns="91425" tIns="45700" rIns="91425" bIns="45700" anchor="t" anchorCtr="0">
+            <a:noAutofit/>
+          </a:bodyPr>
+          <a:lstStyle/>
+          <a:p>
+            <a:pPr marL="0" marR="0" lvl="0" indent="0" algn="l" rtl="0">
+              <a:spcBef>
+                <a:spcPts val="0"/>
+              </a:spcBef>
+              <a:spcAft>
+                <a:spcPts val="0"/>
+              </a:spcAft>
+              <a:buSzPct val="100000"/>
+              <a:buNone/>
+            </a:pPr>
+            <a:endParaRPr sz="2000" dirty="0">
+              <a:latin typeface="Times New Roman"/>
+              <a:ea typeface="Times New Roman"/>
+              <a:cs typeface="Times New Roman"/>
+              <a:sym typeface="Times New Roman"/>
+            </a:endParaRPr>
+          </a:p>
+        </p:txBody>
+      </p:sp>
+      <p:pic>
+        <p:nvPicPr>
+          <p:cNvPr id="2" name="Picture 1">
+            <a:extLst>
+              <a:ext uri="{FF2B5EF4-FFF2-40B4-BE49-F238E27FC236}">
+                <a16:creationId xmlns:a16="http://schemas.microsoft.com/office/drawing/2014/main" id="{D85A82C7-2D1C-D94D-952F-E7695F88A4CD}"/>
+              </a:ext>
+            </a:extLst>
+          </p:cNvPr>
+          <p:cNvPicPr>
+            <a:picLocks noChangeAspect="1"/>
+          </p:cNvPicPr>
+          <p:nvPr/>
+        </p:nvPicPr>
+        <p:blipFill>
+          <a:blip r:embed="rId3"/>
+          <a:stretch>
+            <a:fillRect/>
+          </a:stretch>
+        </p:blipFill>
+        <p:spPr>
+          <a:xfrm>
+            <a:off x="2438400" y="1301752"/>
+            <a:ext cx="4267200" cy="3327400"/>
+          </a:xfrm>
+          <a:prstGeom prst="rect">
+            <a:avLst/>
+          </a:prstGeom>
+        </p:spPr>
+      </p:pic>
+    </p:spTree>
+    <p:extLst>
+      <p:ext uri="{BB962C8B-B14F-4D97-AF65-F5344CB8AC3E}">
+        <p14:creationId xmlns:p14="http://schemas.microsoft.com/office/powerpoint/2010/main" val="2699449514"/>
+      </p:ext>
+    </p:extLst>
+  </p:cSld>
+  <p:clrMapOvr>
+    <a:masterClrMapping/>
+  </p:clrMapOvr>
+</p:sld>
+</file>
+
+<file path=ppt/slides/slide12.xml><?xml version="1.0" encoding="utf-8"?>
+<p:sld xmlns:a="http://schemas.openxmlformats.org/drawingml/2006/main" xmlns:r="http://schemas.openxmlformats.org/officeDocument/2006/relationships" xmlns:p="http://schemas.openxmlformats.org/presentationml/2006/main">
+  <p:cSld>
+    <p:spTree>
+      <p:nvGrpSpPr>
+        <p:cNvPr id="1" name="Shape 129"/>
+        <p:cNvGrpSpPr/>
+        <p:nvPr/>
+      </p:nvGrpSpPr>
+      <p:grpSpPr>
+        <a:xfrm>
+          <a:off x="0" y="0"/>
+          <a:ext cx="0" cy="0"/>
+          <a:chOff x="0" y="0"/>
+          <a:chExt cx="0" cy="0"/>
+        </a:xfrm>
+      </p:grpSpPr>
+      <p:sp>
+        <p:nvSpPr>
+          <p:cNvPr id="130" name="Shape 130"/>
+          <p:cNvSpPr txBox="1">
+            <a:spLocks noGrp="1"/>
+          </p:cNvSpPr>
+          <p:nvPr>
+            <p:ph type="title"/>
+          </p:nvPr>
+        </p:nvSpPr>
+        <p:spPr>
+          <a:xfrm>
+            <a:off x="457200" y="628650"/>
+            <a:ext cx="8229600" cy="537000"/>
+          </a:xfrm>
+          <a:prstGeom prst="rect">
+            <a:avLst/>
+          </a:prstGeom>
+          <a:noFill/>
+          <a:ln>
+            <a:noFill/>
+          </a:ln>
+        </p:spPr>
+        <p:txBody>
+          <a:bodyPr spcFirstLastPara="1" wrap="square" lIns="91425" tIns="45700" rIns="91425" bIns="45700" anchor="ctr" anchorCtr="0">
+            <a:noAutofit/>
+          </a:bodyPr>
+          <a:lstStyle/>
+          <a:p>
+            <a:pPr lvl="0">
+              <a:buSzPts val="3600"/>
+            </a:pPr>
+            <a:r>
+              <a:rPr lang="en-US" sz="3000" dirty="0"/>
+              <a:t>Motivation</a:t>
+            </a:r>
+            <a:endParaRPr sz="3000" b="0" i="0" u="none" strike="noStrike" cap="none" dirty="0">
+              <a:solidFill>
+                <a:srgbClr val="09347A"/>
+              </a:solidFill>
+              <a:latin typeface="Verdana"/>
+              <a:ea typeface="Verdana"/>
+              <a:cs typeface="Verdana"/>
+              <a:sym typeface="Verdana"/>
+            </a:endParaRPr>
+          </a:p>
+        </p:txBody>
+      </p:sp>
+      <p:sp>
+        <p:nvSpPr>
+          <p:cNvPr id="131" name="Shape 131"/>
+          <p:cNvSpPr txBox="1">
+            <a:spLocks noGrp="1"/>
+          </p:cNvSpPr>
+          <p:nvPr>
+            <p:ph type="body" idx="1"/>
+          </p:nvPr>
+        </p:nvSpPr>
+        <p:spPr>
+          <a:xfrm>
+            <a:off x="457200" y="1200151"/>
+            <a:ext cx="8229600" cy="3394500"/>
+          </a:xfrm>
+          <a:prstGeom prst="rect">
+            <a:avLst/>
+          </a:prstGeom>
+          <a:noFill/>
+          <a:ln>
+            <a:noFill/>
+          </a:ln>
+        </p:spPr>
+        <p:txBody>
+          <a:bodyPr spcFirstLastPara="1" wrap="square" lIns="91425" tIns="45700" rIns="91425" bIns="45700" anchor="t" anchorCtr="0">
+            <a:noAutofit/>
+          </a:bodyPr>
+          <a:lstStyle/>
+          <a:p>
+            <a:pPr marL="0" marR="0" lvl="0" indent="0" algn="l" rtl="0">
+              <a:spcBef>
+                <a:spcPts val="0"/>
+              </a:spcBef>
+              <a:spcAft>
+                <a:spcPts val="0"/>
+              </a:spcAft>
+              <a:buSzPct val="100000"/>
+              <a:buNone/>
+            </a:pPr>
+            <a:endParaRPr sz="2000" dirty="0">
+              <a:latin typeface="Times New Roman"/>
+              <a:ea typeface="Times New Roman"/>
+              <a:cs typeface="Times New Roman"/>
+              <a:sym typeface="Times New Roman"/>
+            </a:endParaRPr>
+          </a:p>
+        </p:txBody>
+      </p:sp>
+      <p:pic>
+        <p:nvPicPr>
+          <p:cNvPr id="3" name="Picture 2">
+            <a:extLst>
+              <a:ext uri="{FF2B5EF4-FFF2-40B4-BE49-F238E27FC236}">
+                <a16:creationId xmlns:a16="http://schemas.microsoft.com/office/drawing/2014/main" id="{CF997F66-AFC4-4543-8D69-B005A336BBDD}"/>
+              </a:ext>
+            </a:extLst>
+          </p:cNvPr>
+          <p:cNvPicPr>
+            <a:picLocks noChangeAspect="1"/>
+          </p:cNvPicPr>
+          <p:nvPr/>
+        </p:nvPicPr>
+        <p:blipFill>
+          <a:blip r:embed="rId3"/>
+          <a:stretch>
+            <a:fillRect/>
+          </a:stretch>
+        </p:blipFill>
+        <p:spPr>
+          <a:xfrm>
+            <a:off x="2489200" y="1445051"/>
+            <a:ext cx="4165600" cy="3149600"/>
+          </a:xfrm>
+          <a:prstGeom prst="rect">
+            <a:avLst/>
+          </a:prstGeom>
+        </p:spPr>
+      </p:pic>
+    </p:spTree>
+    <p:extLst>
+      <p:ext uri="{BB962C8B-B14F-4D97-AF65-F5344CB8AC3E}">
+        <p14:creationId xmlns:p14="http://schemas.microsoft.com/office/powerpoint/2010/main" val="2565598042"/>
+      </p:ext>
+    </p:extLst>
+  </p:cSld>
+  <p:clrMapOvr>
+    <a:masterClrMapping/>
+  </p:clrMapOvr>
+</p:sld>
+</file>
+
+<file path=ppt/slides/slide13.xml><?xml version="1.0" encoding="utf-8"?>
+<p:sld xmlns:a="http://schemas.openxmlformats.org/drawingml/2006/main" xmlns:r="http://schemas.openxmlformats.org/officeDocument/2006/relationships" xmlns:p="http://schemas.openxmlformats.org/presentationml/2006/main">
+  <p:cSld>
+    <p:spTree>
+      <p:nvGrpSpPr>
+        <p:cNvPr id="1" name="Shape 129"/>
+        <p:cNvGrpSpPr/>
+        <p:nvPr/>
+      </p:nvGrpSpPr>
+      <p:grpSpPr>
+        <a:xfrm>
+          <a:off x="0" y="0"/>
+          <a:ext cx="0" cy="0"/>
+          <a:chOff x="0" y="0"/>
+          <a:chExt cx="0" cy="0"/>
+        </a:xfrm>
+      </p:grpSpPr>
+      <p:sp>
+        <p:nvSpPr>
+          <p:cNvPr id="130" name="Shape 130"/>
+          <p:cNvSpPr txBox="1">
+            <a:spLocks noGrp="1"/>
+          </p:cNvSpPr>
+          <p:nvPr>
+            <p:ph type="title"/>
+          </p:nvPr>
+        </p:nvSpPr>
+        <p:spPr>
+          <a:xfrm>
+            <a:off x="457200" y="628650"/>
+            <a:ext cx="8229600" cy="537000"/>
+          </a:xfrm>
+          <a:prstGeom prst="rect">
+            <a:avLst/>
+          </a:prstGeom>
+          <a:noFill/>
+          <a:ln>
+            <a:noFill/>
+          </a:ln>
+        </p:spPr>
+        <p:txBody>
+          <a:bodyPr spcFirstLastPara="1" wrap="square" lIns="91425" tIns="45700" rIns="91425" bIns="45700" anchor="ctr" anchorCtr="0">
+            <a:noAutofit/>
+          </a:bodyPr>
+          <a:lstStyle/>
+          <a:p>
+            <a:pPr lvl="0">
+              <a:buSzPts val="3600"/>
+            </a:pPr>
+            <a:r>
+              <a:rPr lang="en-US" sz="3000" dirty="0"/>
+              <a:t>Cube Abstraction</a:t>
+            </a:r>
+            <a:endParaRPr sz="3000" b="0" i="0" u="none" strike="noStrike" cap="none" dirty="0">
+              <a:solidFill>
+                <a:srgbClr val="09347A"/>
+              </a:solidFill>
+              <a:latin typeface="Verdana"/>
+              <a:ea typeface="Verdana"/>
+              <a:cs typeface="Verdana"/>
+              <a:sym typeface="Verdana"/>
+            </a:endParaRPr>
+          </a:p>
+        </p:txBody>
+      </p:sp>
+      <p:sp>
+        <p:nvSpPr>
+          <p:cNvPr id="131" name="Shape 131"/>
+          <p:cNvSpPr txBox="1">
+            <a:spLocks noGrp="1"/>
+          </p:cNvSpPr>
+          <p:nvPr>
+            <p:ph type="body" idx="1"/>
+          </p:nvPr>
+        </p:nvSpPr>
+        <p:spPr>
+          <a:xfrm>
+            <a:off x="457200" y="1200151"/>
+            <a:ext cx="8229600" cy="3394500"/>
+          </a:xfrm>
+          <a:prstGeom prst="rect">
+            <a:avLst/>
+          </a:prstGeom>
+          <a:noFill/>
+          <a:ln>
+            <a:noFill/>
+          </a:ln>
+        </p:spPr>
+        <p:txBody>
+          <a:bodyPr spcFirstLastPara="1" wrap="square" lIns="91425" tIns="45700" rIns="91425" bIns="45700" anchor="t" anchorCtr="0">
+            <a:noAutofit/>
+          </a:bodyPr>
+          <a:lstStyle/>
+          <a:p>
+            <a:pPr marL="342900" indent="-342900">
+              <a:spcBef>
+                <a:spcPts val="0"/>
+              </a:spcBef>
+              <a:buSzPct val="100000"/>
+            </a:pPr>
+            <a:endParaRPr sz="2000" dirty="0">
+              <a:latin typeface="Times New Roman"/>
+              <a:ea typeface="Times New Roman"/>
+              <a:cs typeface="Times New Roman"/>
+              <a:sym typeface="Times New Roman"/>
+            </a:endParaRPr>
+          </a:p>
+        </p:txBody>
+      </p:sp>
+    </p:spTree>
+    <p:extLst>
+      <p:ext uri="{BB962C8B-B14F-4D97-AF65-F5344CB8AC3E}">
+        <p14:creationId xmlns:p14="http://schemas.microsoft.com/office/powerpoint/2010/main" val="718982960"/>
+      </p:ext>
+    </p:extLst>
+  </p:cSld>
+  <p:clrMapOvr>
+    <a:masterClrMapping/>
+  </p:clrMapOvr>
+</p:sld>
+</file>
+
+<file path=ppt/slides/slide14.xml><?xml version="1.0" encoding="utf-8"?>
+<p:sld xmlns:a="http://schemas.openxmlformats.org/drawingml/2006/main" xmlns:r="http://schemas.openxmlformats.org/officeDocument/2006/relationships" xmlns:p="http://schemas.openxmlformats.org/presentationml/2006/main">
+  <p:cSld>
+    <p:spTree>
+      <p:nvGrpSpPr>
+        <p:cNvPr id="1" name="Shape 142"/>
+        <p:cNvGrpSpPr/>
+        <p:nvPr/>
+      </p:nvGrpSpPr>
+      <p:grpSpPr>
+        <a:xfrm>
+          <a:off x="0" y="0"/>
+          <a:ext cx="0" cy="0"/>
+          <a:chOff x="0" y="0"/>
+          <a:chExt cx="0" cy="0"/>
+        </a:xfrm>
+      </p:grpSpPr>
+      <p:sp>
+        <p:nvSpPr>
+          <p:cNvPr id="143" name="Shape 143"/>
+          <p:cNvSpPr txBox="1">
+            <a:spLocks noGrp="1"/>
+          </p:cNvSpPr>
+          <p:nvPr>
+            <p:ph type="title"/>
+          </p:nvPr>
+        </p:nvSpPr>
+        <p:spPr>
+          <a:xfrm>
+            <a:off x="457200" y="628650"/>
+            <a:ext cx="8229600" cy="537000"/>
+          </a:xfrm>
+          <a:prstGeom prst="rect">
+            <a:avLst/>
+          </a:prstGeom>
+          <a:noFill/>
+          <a:ln>
+            <a:noFill/>
+          </a:ln>
+        </p:spPr>
+        <p:txBody>
+          <a:bodyPr spcFirstLastPara="1" wrap="square" lIns="91425" tIns="45700" rIns="91425" bIns="45700" anchor="ctr" anchorCtr="0">
+            <a:noAutofit/>
+          </a:bodyPr>
+          <a:lstStyle/>
+          <a:p>
+            <a:pPr marL="0" marR="0" lvl="0" indent="0" algn="ctr" rtl="0">
+              <a:spcBef>
+                <a:spcPts val="0"/>
+              </a:spcBef>
+              <a:spcAft>
+                <a:spcPts val="0"/>
+              </a:spcAft>
+              <a:buClr>
+                <a:srgbClr val="09347A"/>
+              </a:buClr>
+              <a:buSzPts val="3600"/>
+              <a:buFont typeface="Verdana"/>
+              <a:buNone/>
+            </a:pPr>
+            <a:r>
+              <a:rPr lang="en-US" sz="3000"/>
+              <a:t>What is the punchline?</a:t>
+            </a:r>
+            <a:endParaRPr sz="3000" b="0" i="0" u="none" strike="noStrike" cap="none">
+              <a:solidFill>
+                <a:srgbClr val="09347A"/>
+              </a:solidFill>
+              <a:latin typeface="Verdana"/>
+              <a:ea typeface="Verdana"/>
+              <a:cs typeface="Verdana"/>
+              <a:sym typeface="Verdana"/>
+            </a:endParaRPr>
+          </a:p>
+        </p:txBody>
+      </p:sp>
+      <p:sp>
+        <p:nvSpPr>
+          <p:cNvPr id="144" name="Shape 144"/>
+          <p:cNvSpPr txBox="1">
+            <a:spLocks noGrp="1"/>
+          </p:cNvSpPr>
+          <p:nvPr>
+            <p:ph type="body" idx="1"/>
+          </p:nvPr>
+        </p:nvSpPr>
+        <p:spPr>
+          <a:xfrm>
+            <a:off x="457200" y="1200151"/>
+            <a:ext cx="8229600" cy="3394500"/>
+          </a:xfrm>
+          <a:prstGeom prst="rect">
+            <a:avLst/>
+          </a:prstGeom>
+          <a:noFill/>
+          <a:ln>
+            <a:noFill/>
+          </a:ln>
+        </p:spPr>
+        <p:txBody>
+          <a:bodyPr spcFirstLastPara="1" wrap="square" lIns="91425" tIns="45700" rIns="91425" bIns="45700" anchor="t" anchorCtr="0">
+            <a:noAutofit/>
+          </a:bodyPr>
+          <a:lstStyle/>
+          <a:p>
+            <a:pPr marL="457200" marR="0" lvl="0" indent="-381000" algn="l" rtl="0">
+              <a:spcBef>
+                <a:spcPts val="0"/>
+              </a:spcBef>
+              <a:spcAft>
+                <a:spcPts val="0"/>
+              </a:spcAft>
+              <a:buSzPts val="2400"/>
+              <a:buFont typeface="Times New Roman"/>
+              <a:buChar char="•"/>
+            </a:pPr>
+            <a:r>
+              <a:rPr lang="en-US" sz="2400">
+                <a:latin typeface="Times New Roman"/>
+                <a:ea typeface="Times New Roman"/>
+                <a:cs typeface="Times New Roman"/>
+                <a:sym typeface="Times New Roman"/>
+              </a:rPr>
+              <a:t>Algorithms can be implemented at a high level in an eDSL.</a:t>
+            </a:r>
+            <a:endParaRPr sz="2400">
+              <a:latin typeface="Times New Roman"/>
+              <a:ea typeface="Times New Roman"/>
+              <a:cs typeface="Times New Roman"/>
+              <a:sym typeface="Times New Roman"/>
+            </a:endParaRPr>
+          </a:p>
+          <a:p>
+            <a:pPr marL="457200" marR="0" lvl="0" indent="-381000" algn="l" rtl="0">
+              <a:spcBef>
+                <a:spcPts val="0"/>
+              </a:spcBef>
+              <a:spcAft>
+                <a:spcPts val="0"/>
+              </a:spcAft>
+              <a:buSzPts val="2400"/>
+              <a:buFont typeface="Times New Roman"/>
+              <a:buChar char="•"/>
+            </a:pPr>
+            <a:r>
+              <a:rPr lang="en-US" sz="2400">
+                <a:latin typeface="Times New Roman"/>
+                <a:ea typeface="Times New Roman"/>
+                <a:cs typeface="Times New Roman"/>
+                <a:sym typeface="Times New Roman"/>
+              </a:rPr>
+              <a:t>Compiler embedded in library combined with an autotuner can produce code for multiple target architectures can outperform domain expert tuned code.</a:t>
+            </a:r>
+            <a:endParaRPr sz="2400">
+              <a:latin typeface="Times New Roman"/>
+              <a:ea typeface="Times New Roman"/>
+              <a:cs typeface="Times New Roman"/>
+              <a:sym typeface="Times New Roman"/>
+            </a:endParaRPr>
+          </a:p>
+          <a:p>
+            <a:pPr marL="0" marR="0" lvl="0" indent="0" algn="l" rtl="0">
+              <a:spcBef>
+                <a:spcPts val="0"/>
+              </a:spcBef>
+              <a:spcAft>
+                <a:spcPts val="0"/>
+              </a:spcAft>
+              <a:buNone/>
+            </a:pPr>
+            <a:endParaRPr sz="2400">
+              <a:latin typeface="Times New Roman"/>
+              <a:ea typeface="Times New Roman"/>
+              <a:cs typeface="Times New Roman"/>
+              <a:sym typeface="Times New Roman"/>
+            </a:endParaRPr>
+          </a:p>
+        </p:txBody>
+      </p:sp>
+    </p:spTree>
+  </p:cSld>
+  <p:clrMapOvr>
+    <a:masterClrMapping/>
+  </p:clrMapOvr>
+</p:sld>
+</file>
+
+<file path=ppt/slides/slide15.xml><?xml version="1.0" encoding="utf-8"?>
+<p:sld xmlns:a="http://schemas.openxmlformats.org/drawingml/2006/main" xmlns:r="http://schemas.openxmlformats.org/officeDocument/2006/relationships" xmlns:p="http://schemas.openxmlformats.org/presentationml/2006/main">
+  <p:cSld>
+    <p:spTree>
+      <p:nvGrpSpPr>
         <p:cNvPr id="1" name="Shape 148"/>
         <p:cNvGrpSpPr/>
         <p:nvPr/>
@@ -16217,7 +17653,7 @@
 </p:sld>
 </file>
 
-<file path=ppt/slides/slide11.xml><?xml version="1.0" encoding="utf-8"?>
+<file path=ppt/slides/slide16.xml><?xml version="1.0" encoding="utf-8"?>
 <p:sld xmlns:a="http://schemas.openxmlformats.org/drawingml/2006/main" xmlns:r="http://schemas.openxmlformats.org/officeDocument/2006/relationships" xmlns:p="http://schemas.openxmlformats.org/presentationml/2006/main">
   <p:cSld>
     <p:spTree>
@@ -16376,7 +17812,7 @@
 </p:sld>
 </file>
 
-<file path=ppt/slides/slide12.xml><?xml version="1.0" encoding="utf-8"?>
+<file path=ppt/slides/slide17.xml><?xml version="1.0" encoding="utf-8"?>
 <p:sld xmlns:a="http://schemas.openxmlformats.org/drawingml/2006/main" xmlns:r="http://schemas.openxmlformats.org/officeDocument/2006/relationships" xmlns:p="http://schemas.openxmlformats.org/presentationml/2006/main">
   <p:cSld>
     <p:spTree>
@@ -17300,6 +18736,229 @@
   <p:cSld>
     <p:spTree>
       <p:nvGrpSpPr>
+        <p:cNvPr id="1" name="Shape 110"/>
+        <p:cNvGrpSpPr/>
+        <p:nvPr/>
+      </p:nvGrpSpPr>
+      <p:grpSpPr>
+        <a:xfrm>
+          <a:off x="0" y="0"/>
+          <a:ext cx="0" cy="0"/>
+          <a:chOff x="0" y="0"/>
+          <a:chExt cx="0" cy="0"/>
+        </a:xfrm>
+      </p:grpSpPr>
+      <p:sp>
+        <p:nvSpPr>
+          <p:cNvPr id="111" name="Shape 111"/>
+          <p:cNvSpPr txBox="1">
+            <a:spLocks noGrp="1"/>
+          </p:cNvSpPr>
+          <p:nvPr>
+            <p:ph type="title"/>
+          </p:nvPr>
+        </p:nvSpPr>
+        <p:spPr>
+          <a:xfrm>
+            <a:off x="457200" y="628650"/>
+            <a:ext cx="8229600" cy="537000"/>
+          </a:xfrm>
+          <a:prstGeom prst="rect">
+            <a:avLst/>
+          </a:prstGeom>
+          <a:noFill/>
+          <a:ln>
+            <a:noFill/>
+          </a:ln>
+        </p:spPr>
+        <p:txBody>
+          <a:bodyPr spcFirstLastPara="1" wrap="square" lIns="91425" tIns="45700" rIns="91425" bIns="45700" anchor="ctr" anchorCtr="0">
+            <a:noAutofit/>
+          </a:bodyPr>
+          <a:lstStyle/>
+          <a:p>
+            <a:pPr marL="0" marR="0" lvl="0" indent="0" algn="ctr" rtl="0">
+              <a:spcBef>
+                <a:spcPts val="0"/>
+              </a:spcBef>
+              <a:spcAft>
+                <a:spcPts val="0"/>
+              </a:spcAft>
+              <a:buClr>
+                <a:srgbClr val="09347A"/>
+              </a:buClr>
+              <a:buSzPts val="3600"/>
+              <a:buFont typeface="Verdana"/>
+              <a:buNone/>
+            </a:pPr>
+            <a:r>
+              <a:rPr lang="en-US" sz="3000" dirty="0"/>
+              <a:t>Entanglement Problems</a:t>
+            </a:r>
+            <a:endParaRPr sz="3000" b="0" i="0" u="none" strike="noStrike" cap="none" dirty="0">
+              <a:solidFill>
+                <a:srgbClr val="09347A"/>
+              </a:solidFill>
+              <a:latin typeface="Verdana"/>
+              <a:ea typeface="Verdana"/>
+              <a:cs typeface="Verdana"/>
+              <a:sym typeface="Verdana"/>
+            </a:endParaRPr>
+          </a:p>
+        </p:txBody>
+      </p:sp>
+      <p:sp>
+        <p:nvSpPr>
+          <p:cNvPr id="112" name="Shape 112"/>
+          <p:cNvSpPr txBox="1">
+            <a:spLocks noGrp="1"/>
+          </p:cNvSpPr>
+          <p:nvPr>
+            <p:ph type="body" idx="1"/>
+          </p:nvPr>
+        </p:nvSpPr>
+        <p:spPr>
+          <a:xfrm>
+            <a:off x="457200" y="1200151"/>
+            <a:ext cx="8229600" cy="3394500"/>
+          </a:xfrm>
+          <a:prstGeom prst="rect">
+            <a:avLst/>
+          </a:prstGeom>
+          <a:noFill/>
+          <a:ln>
+            <a:noFill/>
+          </a:ln>
+        </p:spPr>
+        <p:txBody>
+          <a:bodyPr spcFirstLastPara="1" wrap="square" lIns="91425" tIns="45700" rIns="91425" bIns="45700" anchor="t" anchorCtr="0">
+            <a:noAutofit/>
+          </a:bodyPr>
+          <a:lstStyle/>
+          <a:p>
+            <a:pPr marL="533400" marR="0" lvl="0" indent="-457200" algn="l" rtl="0">
+              <a:spcBef>
+                <a:spcPts val="0"/>
+              </a:spcBef>
+              <a:spcAft>
+                <a:spcPts val="0"/>
+              </a:spcAft>
+              <a:buSzPts val="2400"/>
+              <a:buFont typeface="+mj-lt"/>
+              <a:buAutoNum type="arabicPeriod"/>
+            </a:pPr>
+            <a:r>
+              <a:rPr lang="en-US" sz="2400" dirty="0">
+                <a:latin typeface="Times New Roman"/>
+                <a:ea typeface="Times New Roman"/>
+                <a:cs typeface="Times New Roman"/>
+                <a:sym typeface="Times New Roman"/>
+              </a:rPr>
+              <a:t>Global Failure</a:t>
+            </a:r>
+          </a:p>
+          <a:p>
+            <a:pPr marL="533400" marR="0" lvl="0" indent="-457200" algn="l" rtl="0">
+              <a:spcBef>
+                <a:spcPts val="0"/>
+              </a:spcBef>
+              <a:spcAft>
+                <a:spcPts val="0"/>
+              </a:spcAft>
+              <a:buSzPts val="2400"/>
+              <a:buFont typeface="+mj-lt"/>
+              <a:buAutoNum type="arabicPeriod"/>
+            </a:pPr>
+            <a:endParaRPr lang="en-US" sz="2400" dirty="0">
+              <a:latin typeface="Times New Roman"/>
+              <a:ea typeface="Times New Roman"/>
+              <a:cs typeface="Times New Roman"/>
+              <a:sym typeface="Times New Roman"/>
+            </a:endParaRPr>
+          </a:p>
+          <a:p>
+            <a:pPr marL="533400" marR="0" lvl="0" indent="-457200" algn="l" rtl="0">
+              <a:spcBef>
+                <a:spcPts val="0"/>
+              </a:spcBef>
+              <a:spcAft>
+                <a:spcPts val="0"/>
+              </a:spcAft>
+              <a:buSzPts val="2400"/>
+              <a:buFont typeface="+mj-lt"/>
+              <a:buAutoNum type="arabicPeriod"/>
+            </a:pPr>
+            <a:r>
+              <a:rPr lang="en-US" sz="2400" dirty="0">
+                <a:latin typeface="Times New Roman"/>
+                <a:ea typeface="Times New Roman"/>
+                <a:cs typeface="Times New Roman"/>
+                <a:sym typeface="Times New Roman"/>
+              </a:rPr>
+              <a:t>Slow Recovery</a:t>
+            </a:r>
+          </a:p>
+          <a:p>
+            <a:pPr marL="533400" marR="0" lvl="0" indent="-457200" algn="l" rtl="0">
+              <a:spcBef>
+                <a:spcPts val="0"/>
+              </a:spcBef>
+              <a:spcAft>
+                <a:spcPts val="0"/>
+              </a:spcAft>
+              <a:buSzPts val="2400"/>
+              <a:buFont typeface="+mj-lt"/>
+              <a:buAutoNum type="arabicPeriod"/>
+            </a:pPr>
+            <a:endParaRPr lang="en-US" sz="2400" dirty="0">
+              <a:latin typeface="Times New Roman"/>
+              <a:ea typeface="Times New Roman"/>
+              <a:cs typeface="Times New Roman"/>
+              <a:sym typeface="Times New Roman"/>
+            </a:endParaRPr>
+          </a:p>
+          <a:p>
+            <a:pPr marL="533400" marR="0" lvl="0" indent="-457200" algn="l" rtl="0">
+              <a:spcBef>
+                <a:spcPts val="0"/>
+              </a:spcBef>
+              <a:spcAft>
+                <a:spcPts val="0"/>
+              </a:spcAft>
+              <a:buSzPts val="2400"/>
+              <a:buFont typeface="+mj-lt"/>
+              <a:buAutoNum type="arabicPeriod"/>
+            </a:pPr>
+            <a:r>
+              <a:rPr lang="en-US" sz="2400" dirty="0">
+                <a:latin typeface="Times New Roman"/>
+                <a:ea typeface="Times New Roman"/>
+                <a:cs typeface="Times New Roman"/>
+                <a:sym typeface="Times New Roman"/>
+              </a:rPr>
+              <a:t>Bundled Transactions</a:t>
+            </a:r>
+          </a:p>
+        </p:txBody>
+      </p:sp>
+    </p:spTree>
+    <p:extLst>
+      <p:ext uri="{BB962C8B-B14F-4D97-AF65-F5344CB8AC3E}">
+        <p14:creationId xmlns:p14="http://schemas.microsoft.com/office/powerpoint/2010/main" val="1831169206"/>
+      </p:ext>
+    </p:extLst>
+  </p:cSld>
+  <p:clrMapOvr>
+    <a:masterClrMapping/>
+  </p:clrMapOvr>
+</p:sld>
+</file>
+
+<file path=ppt/slides/slide6.xml><?xml version="1.0" encoding="utf-8"?>
+<p:sld xmlns:a="http://schemas.openxmlformats.org/drawingml/2006/main" xmlns:r="http://schemas.openxmlformats.org/officeDocument/2006/relationships" xmlns:p="http://schemas.openxmlformats.org/presentationml/2006/main">
+  <p:cSld>
+    <p:spTree>
+      <p:nvGrpSpPr>
         <p:cNvPr id="1" name="Shape 116"/>
         <p:cNvGrpSpPr/>
         <p:nvPr/>
@@ -17412,15 +19071,24 @@
               <a:buChar char="•"/>
             </a:pPr>
             <a:r>
-              <a:rPr lang="en-US" sz="2400">
+              <a:rPr lang="en-US" sz="2400" dirty="0">
                 <a:latin typeface="Times New Roman"/>
                 <a:ea typeface="Times New Roman"/>
                 <a:cs typeface="Times New Roman"/>
                 <a:sym typeface="Times New Roman"/>
               </a:rPr>
-              <a:t>Systematic model of locality/parallelism/redundant comp.</a:t>
+              <a:t>New filesystem called </a:t>
             </a:r>
-            <a:endParaRPr sz="2400">
+            <a:r>
+              <a:rPr lang="en-US" sz="2400" i="1" dirty="0" err="1">
+                <a:latin typeface="Times New Roman"/>
+                <a:ea typeface="Times New Roman"/>
+                <a:cs typeface="Times New Roman"/>
+                <a:sym typeface="Times New Roman"/>
+              </a:rPr>
+              <a:t>IceFS</a:t>
+            </a:r>
+            <a:endParaRPr sz="2400" dirty="0">
               <a:latin typeface="Times New Roman"/>
               <a:ea typeface="Times New Roman"/>
               <a:cs typeface="Times New Roman"/>
@@ -17446,7 +19114,7 @@
                 <a:cs typeface="Times New Roman"/>
                 <a:sym typeface="Times New Roman"/>
               </a:rPr>
-              <a:t>Represent stencil pipelines as graphs.</a:t>
+              <a:t>Abstraction to co-locate logically similar data</a:t>
             </a:r>
             <a:endParaRPr sz="2400" dirty="0">
               <a:latin typeface="Times New Roman"/>
@@ -17474,7 +19142,16 @@
                 <a:cs typeface="Times New Roman"/>
                 <a:sym typeface="Times New Roman"/>
               </a:rPr>
-              <a:t>Need to be efficient and scalable (clusters to smartphones).</a:t>
+              <a:t>Containers are called </a:t>
+            </a:r>
+            <a:r>
+              <a:rPr lang="en-US" sz="2400" i="1" dirty="0">
+                <a:latin typeface="Times New Roman"/>
+                <a:ea typeface="Times New Roman"/>
+                <a:cs typeface="Times New Roman"/>
+                <a:sym typeface="Times New Roman"/>
+              </a:rPr>
+              <a:t>cubes</a:t>
             </a:r>
             <a:endParaRPr sz="2400" dirty="0">
               <a:latin typeface="Times New Roman"/>
@@ -17496,41 +19173,22 @@
               <a:buChar char="•"/>
             </a:pPr>
             <a:r>
-              <a:rPr lang="en-US" sz="2400" dirty="0">
+              <a:rPr lang="en-US" sz="2400" i="1" dirty="0" err="1">
                 <a:latin typeface="Times New Roman"/>
                 <a:ea typeface="Times New Roman"/>
                 <a:cs typeface="Times New Roman"/>
                 <a:sym typeface="Times New Roman"/>
               </a:rPr>
-              <a:t>Interleave communication &amp; computation.</a:t>
+              <a:t>IceFS</a:t>
             </a:r>
-            <a:endParaRPr sz="2400" dirty="0">
-              <a:latin typeface="Times New Roman"/>
-              <a:ea typeface="Times New Roman"/>
-              <a:cs typeface="Times New Roman"/>
-              <a:sym typeface="Times New Roman"/>
-            </a:endParaRPr>
-          </a:p>
-          <a:p>
-            <a:pPr marL="457200" marR="0" lvl="0" indent="-381000" algn="l" rtl="0">
-              <a:spcBef>
-                <a:spcPts val="0"/>
-              </a:spcBef>
-              <a:spcAft>
-                <a:spcPts val="0"/>
-              </a:spcAft>
-              <a:buSzPts val="2400"/>
-              <a:buFont typeface="Times New Roman"/>
-              <a:buChar char="•"/>
-            </a:pPr>
             <a:r>
-              <a:rPr lang="en-US" sz="2400" dirty="0" err="1">
+              <a:rPr lang="en-US" sz="2400" i="1" dirty="0">
                 <a:latin typeface="Times New Roman"/>
                 <a:ea typeface="Times New Roman"/>
                 <a:cs typeface="Times New Roman"/>
                 <a:sym typeface="Times New Roman"/>
               </a:rPr>
-              <a:t>eDSL</a:t>
+              <a:t> </a:t>
             </a:r>
             <a:r>
               <a:rPr lang="en-US" sz="2400" dirty="0">
@@ -17539,44 +19197,16 @@
                 <a:cs typeface="Times New Roman"/>
                 <a:sym typeface="Times New Roman"/>
               </a:rPr>
-              <a:t>: embedded DSL implemented as C++ library.</a:t>
+              <a:t>ensures </a:t>
             </a:r>
-            <a:endParaRPr sz="2400" dirty="0">
-              <a:latin typeface="Times New Roman"/>
-              <a:ea typeface="Times New Roman"/>
-              <a:cs typeface="Times New Roman"/>
-              <a:sym typeface="Times New Roman"/>
-            </a:endParaRPr>
-          </a:p>
-          <a:p>
-            <a:pPr marL="457200" marR="0" lvl="0" indent="-381000" algn="l" rtl="0">
-              <a:spcBef>
-                <a:spcPts val="0"/>
-              </a:spcBef>
-              <a:spcAft>
-                <a:spcPts val="0"/>
-              </a:spcAft>
-              <a:buSzPts val="2400"/>
-              <a:buFont typeface="Times New Roman"/>
-              <a:buChar char="•"/>
-            </a:pPr>
             <a:r>
-              <a:rPr lang="en-US" sz="2400" dirty="0">
+              <a:rPr lang="en-US" sz="2400" i="1" dirty="0">
                 <a:latin typeface="Times New Roman"/>
                 <a:ea typeface="Times New Roman"/>
                 <a:cs typeface="Times New Roman"/>
                 <a:sym typeface="Times New Roman"/>
               </a:rPr>
-              <a:t>Uses </a:t>
-            </a:r>
-            <a:r>
-              <a:rPr lang="en-US" sz="2400" dirty="0" err="1">
-                <a:latin typeface="Times New Roman"/>
-                <a:ea typeface="Times New Roman"/>
-                <a:cs typeface="Times New Roman"/>
-                <a:sym typeface="Times New Roman"/>
-              </a:rPr>
-              <a:t>OpenMP</a:t>
+              <a:t>cubes</a:t>
             </a:r>
             <a:r>
               <a:rPr lang="en-US" sz="2400" dirty="0">
@@ -17585,101 +19215,9 @@
                 <a:cs typeface="Times New Roman"/>
                 <a:sym typeface="Times New Roman"/>
               </a:rPr>
-              <a:t> + </a:t>
+              <a:t> are disentangled</a:t>
             </a:r>
-            <a:r>
-              <a:rPr lang="en-US" sz="2400" dirty="0" err="1">
-                <a:latin typeface="Times New Roman"/>
-                <a:ea typeface="Times New Roman"/>
-                <a:cs typeface="Times New Roman"/>
-                <a:sym typeface="Times New Roman"/>
-              </a:rPr>
-              <a:t>Pthreads</a:t>
-            </a:r>
-            <a:r>
-              <a:rPr lang="en-US" sz="2400" dirty="0">
-                <a:latin typeface="Times New Roman"/>
-                <a:ea typeface="Times New Roman"/>
-                <a:cs typeface="Times New Roman"/>
-                <a:sym typeface="Times New Roman"/>
-              </a:rPr>
-              <a:t>, supports GPUs, Python bindings.</a:t>
-            </a:r>
-            <a:endParaRPr sz="2400" dirty="0">
-              <a:latin typeface="Times New Roman"/>
-              <a:ea typeface="Times New Roman"/>
-              <a:cs typeface="Times New Roman"/>
-              <a:sym typeface="Times New Roman"/>
-            </a:endParaRPr>
-          </a:p>
-          <a:p>
-            <a:pPr marL="457200" marR="0" lvl="0" indent="-381000" algn="l" rtl="0">
-              <a:spcBef>
-                <a:spcPts val="0"/>
-              </a:spcBef>
-              <a:spcAft>
-                <a:spcPts val="0"/>
-              </a:spcAft>
-              <a:buSzPts val="2400"/>
-              <a:buFont typeface="Times New Roman"/>
-              <a:buChar char="•"/>
-            </a:pPr>
-            <a:r>
-              <a:rPr lang="en-US" sz="2400" dirty="0">
-                <a:latin typeface="Times New Roman"/>
-                <a:ea typeface="Times New Roman"/>
-                <a:cs typeface="Times New Roman"/>
-                <a:sym typeface="Times New Roman"/>
-              </a:rPr>
-              <a:t>Has an </a:t>
-            </a:r>
-            <a:r>
-              <a:rPr lang="en-US" sz="2400" dirty="0" err="1">
-                <a:latin typeface="Times New Roman"/>
-                <a:ea typeface="Times New Roman"/>
-                <a:cs typeface="Times New Roman"/>
-                <a:sym typeface="Times New Roman"/>
-              </a:rPr>
-              <a:t>autotuning</a:t>
-            </a:r>
-            <a:r>
-              <a:rPr lang="en-US" sz="2400" dirty="0">
-                <a:latin typeface="Times New Roman"/>
-                <a:ea typeface="Times New Roman"/>
-                <a:cs typeface="Times New Roman"/>
-                <a:sym typeface="Times New Roman"/>
-              </a:rPr>
-              <a:t> step (genetic algorithm).</a:t>
-            </a:r>
-            <a:endParaRPr sz="2400" dirty="0">
-              <a:latin typeface="Times New Roman"/>
-              <a:ea typeface="Times New Roman"/>
-              <a:cs typeface="Times New Roman"/>
-              <a:sym typeface="Times New Roman"/>
-            </a:endParaRPr>
-          </a:p>
-          <a:p>
-            <a:pPr marL="457200" marR="0" lvl="0" indent="-381000" algn="l" rtl="0">
-              <a:spcBef>
-                <a:spcPts val="0"/>
-              </a:spcBef>
-              <a:spcAft>
-                <a:spcPts val="0"/>
-              </a:spcAft>
-              <a:buSzPts val="2400"/>
-              <a:buFont typeface="Times New Roman"/>
-              <a:buChar char="•"/>
-            </a:pPr>
-            <a:r>
-              <a:rPr lang="en-US" sz="2400" dirty="0">
-                <a:latin typeface="Times New Roman"/>
-                <a:ea typeface="Times New Roman"/>
-                <a:cs typeface="Times New Roman"/>
-                <a:sym typeface="Times New Roman"/>
-              </a:rPr>
-              <a:t>Bounds inference over polyhedral model.</a:t>
-            </a:r>
-            <a:endParaRPr sz="2400" dirty="0">
+            <a:endParaRPr sz="2400" i="1" dirty="0">
               <a:latin typeface="Times New Roman"/>
               <a:ea typeface="Times New Roman"/>
               <a:cs typeface="Times New Roman"/>
@@ -17696,12 +19234,12 @@
 </p:sld>
 </file>
 
-<file path=ppt/slides/slide6.xml><?xml version="1.0" encoding="utf-8"?>
+<file path=ppt/slides/slide7.xml><?xml version="1.0" encoding="utf-8"?>
 <p:sld xmlns:a="http://schemas.openxmlformats.org/drawingml/2006/main" xmlns:r="http://schemas.openxmlformats.org/officeDocument/2006/relationships" xmlns:p="http://schemas.openxmlformats.org/presentationml/2006/main">
   <p:cSld>
     <p:spTree>
       <p:nvGrpSpPr>
-        <p:cNvPr id="1" name="Shape 122"/>
+        <p:cNvPr id="1" name="Shape 116"/>
         <p:cNvGrpSpPr/>
         <p:nvPr/>
       </p:nvGrpSpPr>
@@ -17715,7 +19253,7 @@
       </p:grpSpPr>
       <p:sp>
         <p:nvSpPr>
-          <p:cNvPr id="123" name="Shape 123"/>
+          <p:cNvPr id="117" name="Shape 117"/>
           <p:cNvSpPr txBox="1">
             <a:spLocks noGrp="1"/>
           </p:cNvSpPr>
@@ -17757,10 +19295,18 @@
               <a:buNone/>
             </a:pPr>
             <a:r>
-              <a:rPr lang="en-US" sz="3000"/>
-              <a:t>How do they solve it?</a:t>
+              <a:rPr lang="en-US" sz="3000" b="0" i="0" u="none" strike="noStrike" cap="none" dirty="0">
+                <a:solidFill>
+                  <a:srgbClr val="09347A"/>
+                </a:solidFill>
+                <a:latin typeface="Verdana"/>
+                <a:ea typeface="Verdana"/>
+                <a:cs typeface="Verdana"/>
+                <a:sym typeface="Verdana"/>
+              </a:rPr>
+              <a:t>3 Core Principles</a:t>
             </a:r>
-            <a:endParaRPr sz="3000" b="0" i="0" u="none" strike="noStrike" cap="none">
+            <a:endParaRPr sz="3000" b="0" i="0" u="none" strike="noStrike" cap="none" dirty="0">
               <a:solidFill>
                 <a:srgbClr val="09347A"/>
               </a:solidFill>
@@ -17774,7 +19320,7 @@
       </p:sp>
       <p:sp>
         <p:nvSpPr>
-          <p:cNvPr id="124" name="Shape 124"/>
+          <p:cNvPr id="118" name="Shape 118"/>
           <p:cNvSpPr txBox="1">
             <a:spLocks noGrp="1"/>
           </p:cNvSpPr>
@@ -17801,16 +19347,171 @@
           </a:bodyPr>
           <a:lstStyle/>
           <a:p>
-            <a:pPr marL="0" marR="0" lvl="0" indent="0" algn="l" rtl="0">
-              <a:spcBef>
-                <a:spcPts val="0"/>
-              </a:spcBef>
-              <a:spcAft>
-                <a:spcPts val="0"/>
-              </a:spcAft>
-              <a:buNone/>
+            <a:pPr marL="533400" marR="0" lvl="0" indent="-457200" algn="l" rtl="0">
+              <a:spcBef>
+                <a:spcPts val="0"/>
+              </a:spcBef>
+              <a:spcAft>
+                <a:spcPts val="0"/>
+              </a:spcAft>
+              <a:buSzPts val="2400"/>
+              <a:buFont typeface="+mj-lt"/>
+              <a:buAutoNum type="arabicPeriod"/>
             </a:pPr>
-            <a:endParaRPr sz="2400">
+            <a:r>
+              <a:rPr lang="en-US" sz="2400" dirty="0">
+                <a:latin typeface="Times New Roman"/>
+                <a:ea typeface="Times New Roman"/>
+                <a:cs typeface="Times New Roman"/>
+                <a:sym typeface="Times New Roman"/>
+              </a:rPr>
+              <a:t>NO shared physical resources across cubes</a:t>
+            </a:r>
+          </a:p>
+          <a:p>
+            <a:pPr marL="990600" lvl="1" indent="-457200">
+              <a:spcBef>
+                <a:spcPts val="0"/>
+              </a:spcBef>
+              <a:buSzPts val="2400"/>
+            </a:pPr>
+            <a:r>
+              <a:rPr lang="en-US" sz="2000" dirty="0">
+                <a:latin typeface="Times New Roman"/>
+                <a:ea typeface="Times New Roman"/>
+                <a:cs typeface="Times New Roman"/>
+                <a:sym typeface="Times New Roman"/>
+              </a:rPr>
+              <a:t>Data structures within each cube are distinct</a:t>
+            </a:r>
+          </a:p>
+          <a:p>
+            <a:pPr marL="533400" marR="0" lvl="0" indent="-457200" algn="l" rtl="0">
+              <a:spcBef>
+                <a:spcPts val="0"/>
+              </a:spcBef>
+              <a:spcAft>
+                <a:spcPts val="0"/>
+              </a:spcAft>
+              <a:buSzPts val="2400"/>
+              <a:buFont typeface="+mj-lt"/>
+              <a:buAutoNum type="arabicPeriod"/>
+            </a:pPr>
+            <a:r>
+              <a:rPr lang="en-US" sz="2400" dirty="0">
+                <a:latin typeface="Times New Roman"/>
+                <a:ea typeface="Times New Roman"/>
+                <a:cs typeface="Times New Roman"/>
+                <a:sym typeface="Times New Roman"/>
+              </a:rPr>
+              <a:t>NO access dependencies</a:t>
+            </a:r>
+          </a:p>
+          <a:p>
+            <a:pPr marL="990600" lvl="1" indent="-457200">
+              <a:spcBef>
+                <a:spcPts val="0"/>
+              </a:spcBef>
+              <a:buSzPts val="2400"/>
+            </a:pPr>
+            <a:r>
+              <a:rPr lang="en-US" sz="2000" dirty="0">
+                <a:latin typeface="Times New Roman"/>
+                <a:ea typeface="Times New Roman"/>
+                <a:cs typeface="Times New Roman"/>
+                <a:sym typeface="Times New Roman"/>
+              </a:rPr>
+              <a:t>Data within a cube remains accessible no matter status of others</a:t>
+            </a:r>
+          </a:p>
+          <a:p>
+            <a:pPr marL="990600" lvl="1" indent="-457200">
+              <a:spcBef>
+                <a:spcPts val="0"/>
+              </a:spcBef>
+              <a:buSzPts val="2400"/>
+            </a:pPr>
+            <a:r>
+              <a:rPr lang="en-US" sz="2000" i="1" dirty="0">
+                <a:latin typeface="Times New Roman"/>
+                <a:ea typeface="Times New Roman"/>
+                <a:cs typeface="Times New Roman"/>
+                <a:sym typeface="Times New Roman"/>
+              </a:rPr>
+              <a:t>Directory indirection</a:t>
+            </a:r>
+            <a:r>
+              <a:rPr lang="en-US" sz="2000" dirty="0">
+                <a:latin typeface="Times New Roman"/>
+                <a:ea typeface="Times New Roman"/>
+                <a:cs typeface="Times New Roman"/>
+                <a:sym typeface="Times New Roman"/>
+              </a:rPr>
+              <a:t> technique</a:t>
+            </a:r>
+          </a:p>
+          <a:p>
+            <a:pPr marL="533400" indent="-457200">
+              <a:spcBef>
+                <a:spcPts val="0"/>
+              </a:spcBef>
+              <a:buSzPts val="2400"/>
+              <a:buFont typeface="+mj-lt"/>
+              <a:buAutoNum type="arabicPeriod"/>
+            </a:pPr>
+            <a:r>
+              <a:rPr lang="en-US" sz="2400" dirty="0">
+                <a:latin typeface="Times New Roman"/>
+                <a:ea typeface="Times New Roman"/>
+                <a:cs typeface="Times New Roman"/>
+                <a:sym typeface="Times New Roman"/>
+              </a:rPr>
+              <a:t>NO bundled journal transactions</a:t>
+            </a:r>
+          </a:p>
+          <a:p>
+            <a:pPr marL="990600" lvl="1" indent="-457200">
+              <a:spcBef>
+                <a:spcPts val="0"/>
+              </a:spcBef>
+              <a:buSzPts val="2400"/>
+            </a:pPr>
+            <a:r>
+              <a:rPr lang="en-US" sz="2000" i="1" dirty="0">
+                <a:latin typeface="Times New Roman"/>
+                <a:ea typeface="Times New Roman"/>
+                <a:cs typeface="Times New Roman"/>
+                <a:sym typeface="Times New Roman"/>
+              </a:rPr>
+              <a:t>Transaction splitting</a:t>
+            </a:r>
+            <a:r>
+              <a:rPr lang="en-US" sz="2000" dirty="0">
+                <a:latin typeface="Times New Roman"/>
+                <a:ea typeface="Times New Roman"/>
+                <a:cs typeface="Times New Roman"/>
+                <a:sym typeface="Times New Roman"/>
+              </a:rPr>
+              <a:t> enables concurrent updates to filesystem state</a:t>
+            </a:r>
+          </a:p>
+          <a:p>
+            <a:pPr marL="990600" lvl="1" indent="-457200">
+              <a:spcBef>
+                <a:spcPts val="0"/>
+              </a:spcBef>
+              <a:buSzPts val="2400"/>
+            </a:pPr>
+            <a:r>
+              <a:rPr lang="en-US" sz="2000" dirty="0">
+                <a:latin typeface="Times New Roman"/>
+                <a:ea typeface="Times New Roman"/>
+                <a:cs typeface="Times New Roman"/>
+                <a:sym typeface="Times New Roman"/>
+              </a:rPr>
+              <a:t>Disentangles writing of different cubes</a:t>
+            </a:r>
+            <a:endParaRPr sz="2000" dirty="0">
               <a:latin typeface="Times New Roman"/>
               <a:ea typeface="Times New Roman"/>
               <a:cs typeface="Times New Roman"/>
@@ -17819,48 +19520,277 @@
           </a:p>
         </p:txBody>
       </p:sp>
-      <p:pic>
-        <p:nvPicPr>
-          <p:cNvPr id="125" name="Shape 125"/>
-          <p:cNvPicPr preferRelativeResize="0"/>
-          <p:nvPr/>
-        </p:nvPicPr>
-        <p:blipFill>
-          <a:blip r:embed="rId3">
-            <a:alphaModFix/>
-          </a:blip>
-          <a:stretch>
-            <a:fillRect/>
-          </a:stretch>
-        </p:blipFill>
-        <p:spPr>
-          <a:xfrm>
-            <a:off x="1804975" y="1230525"/>
-            <a:ext cx="5534025" cy="3333750"/>
-          </a:xfrm>
-          <a:prstGeom prst="rect">
-            <a:avLst/>
-          </a:prstGeom>
-          <a:noFill/>
-          <a:ln>
-            <a:noFill/>
-          </a:ln>
-        </p:spPr>
-      </p:pic>
     </p:spTree>
+    <p:extLst>
+      <p:ext uri="{BB962C8B-B14F-4D97-AF65-F5344CB8AC3E}">
+        <p14:creationId xmlns:p14="http://schemas.microsoft.com/office/powerpoint/2010/main" val="1456964306"/>
+      </p:ext>
+    </p:extLst>
   </p:cSld>
   <p:clrMapOvr>
     <a:masterClrMapping/>
   </p:clrMapOvr>
+  <p:timing>
+    <p:tnLst>
+      <p:par>
+        <p:cTn id="1" dur="indefinite" restart="never" nodeType="tmRoot">
+          <p:childTnLst>
+            <p:seq concurrent="1" nextAc="seek">
+              <p:cTn id="2" dur="indefinite" nodeType="mainSeq">
+                <p:childTnLst>
+                  <p:par>
+                    <p:cTn id="3" fill="hold">
+                      <p:stCondLst>
+                        <p:cond delay="indefinite"/>
+                      </p:stCondLst>
+                      <p:childTnLst>
+                        <p:par>
+                          <p:cTn id="4" fill="hold">
+                            <p:stCondLst>
+                              <p:cond delay="0"/>
+                            </p:stCondLst>
+                            <p:childTnLst>
+                              <p:par>
+                                <p:cTn id="5" presetID="1" presetClass="entr" presetSubtype="0" fill="hold" nodeType="clickEffect">
+                                  <p:stCondLst>
+                                    <p:cond delay="0"/>
+                                  </p:stCondLst>
+                                  <p:childTnLst>
+                                    <p:set>
+                                      <p:cBhvr>
+                                        <p:cTn id="6" dur="1" fill="hold">
+                                          <p:stCondLst>
+                                            <p:cond delay="0"/>
+                                          </p:stCondLst>
+                                        </p:cTn>
+                                        <p:tgtEl>
+                                          <p:spTgt spid="118">
+                                            <p:txEl>
+                                              <p:pRg st="2" end="2"/>
+                                            </p:txEl>
+                                          </p:spTgt>
+                                        </p:tgtEl>
+                                        <p:attrNameLst>
+                                          <p:attrName>style.visibility</p:attrName>
+                                        </p:attrNameLst>
+                                      </p:cBhvr>
+                                      <p:to>
+                                        <p:strVal val="visible"/>
+                                      </p:to>
+                                    </p:set>
+                                  </p:childTnLst>
+                                </p:cTn>
+                              </p:par>
+                              <p:par>
+                                <p:cTn id="7" presetID="1" presetClass="entr" presetSubtype="0" fill="hold" nodeType="withEffect">
+                                  <p:stCondLst>
+                                    <p:cond delay="0"/>
+                                  </p:stCondLst>
+                                  <p:childTnLst>
+                                    <p:set>
+                                      <p:cBhvr>
+                                        <p:cTn id="8" dur="1" fill="hold">
+                                          <p:stCondLst>
+                                            <p:cond delay="0"/>
+                                          </p:stCondLst>
+                                        </p:cTn>
+                                        <p:tgtEl>
+                                          <p:spTgt spid="118">
+                                            <p:txEl>
+                                              <p:pRg st="3" end="3"/>
+                                            </p:txEl>
+                                          </p:spTgt>
+                                        </p:tgtEl>
+                                        <p:attrNameLst>
+                                          <p:attrName>style.visibility</p:attrName>
+                                        </p:attrNameLst>
+                                      </p:cBhvr>
+                                      <p:to>
+                                        <p:strVal val="visible"/>
+                                      </p:to>
+                                    </p:set>
+                                  </p:childTnLst>
+                                </p:cTn>
+                              </p:par>
+                              <p:par>
+                                <p:cTn id="9" presetID="1" presetClass="entr" presetSubtype="0" fill="hold" nodeType="withEffect">
+                                  <p:stCondLst>
+                                    <p:cond delay="0"/>
+                                  </p:stCondLst>
+                                  <p:childTnLst>
+                                    <p:set>
+                                      <p:cBhvr>
+                                        <p:cTn id="10" dur="1" fill="hold">
+                                          <p:stCondLst>
+                                            <p:cond delay="0"/>
+                                          </p:stCondLst>
+                                        </p:cTn>
+                                        <p:tgtEl>
+                                          <p:spTgt spid="118">
+                                            <p:txEl>
+                                              <p:pRg st="4" end="4"/>
+                                            </p:txEl>
+                                          </p:spTgt>
+                                        </p:tgtEl>
+                                        <p:attrNameLst>
+                                          <p:attrName>style.visibility</p:attrName>
+                                        </p:attrNameLst>
+                                      </p:cBhvr>
+                                      <p:to>
+                                        <p:strVal val="visible"/>
+                                      </p:to>
+                                    </p:set>
+                                  </p:childTnLst>
+                                </p:cTn>
+                              </p:par>
+                            </p:childTnLst>
+                          </p:cTn>
+                        </p:par>
+                      </p:childTnLst>
+                    </p:cTn>
+                  </p:par>
+                  <p:par>
+                    <p:cTn id="11" fill="hold">
+                      <p:stCondLst>
+                        <p:cond delay="indefinite"/>
+                      </p:stCondLst>
+                      <p:childTnLst>
+                        <p:par>
+                          <p:cTn id="12" fill="hold">
+                            <p:stCondLst>
+                              <p:cond delay="0"/>
+                            </p:stCondLst>
+                            <p:childTnLst>
+                              <p:par>
+                                <p:cTn id="13" presetID="1" presetClass="entr" presetSubtype="0" fill="hold" nodeType="clickEffect">
+                                  <p:stCondLst>
+                                    <p:cond delay="0"/>
+                                  </p:stCondLst>
+                                  <p:childTnLst>
+                                    <p:set>
+                                      <p:cBhvr>
+                                        <p:cTn id="14" dur="1" fill="hold">
+                                          <p:stCondLst>
+                                            <p:cond delay="0"/>
+                                          </p:stCondLst>
+                                        </p:cTn>
+                                        <p:tgtEl>
+                                          <p:spTgt spid="118">
+                                            <p:txEl>
+                                              <p:pRg st="5" end="5"/>
+                                            </p:txEl>
+                                          </p:spTgt>
+                                        </p:tgtEl>
+                                        <p:attrNameLst>
+                                          <p:attrName>style.visibility</p:attrName>
+                                        </p:attrNameLst>
+                                      </p:cBhvr>
+                                      <p:to>
+                                        <p:strVal val="visible"/>
+                                      </p:to>
+                                    </p:set>
+                                  </p:childTnLst>
+                                </p:cTn>
+                              </p:par>
+                              <p:par>
+                                <p:cTn id="15" presetID="1" presetClass="entr" presetSubtype="0" fill="hold" nodeType="withEffect">
+                                  <p:stCondLst>
+                                    <p:cond delay="0"/>
+                                  </p:stCondLst>
+                                  <p:childTnLst>
+                                    <p:set>
+                                      <p:cBhvr>
+                                        <p:cTn id="16" dur="1" fill="hold">
+                                          <p:stCondLst>
+                                            <p:cond delay="0"/>
+                                          </p:stCondLst>
+                                        </p:cTn>
+                                        <p:tgtEl>
+                                          <p:spTgt spid="118">
+                                            <p:txEl>
+                                              <p:pRg st="6" end="6"/>
+                                            </p:txEl>
+                                          </p:spTgt>
+                                        </p:tgtEl>
+                                        <p:attrNameLst>
+                                          <p:attrName>style.visibility</p:attrName>
+                                        </p:attrNameLst>
+                                      </p:cBhvr>
+                                      <p:to>
+                                        <p:strVal val="visible"/>
+                                      </p:to>
+                                    </p:set>
+                                  </p:childTnLst>
+                                </p:cTn>
+                              </p:par>
+                              <p:par>
+                                <p:cTn id="17" presetID="1" presetClass="entr" presetSubtype="0" fill="hold" nodeType="withEffect">
+                                  <p:stCondLst>
+                                    <p:cond delay="0"/>
+                                  </p:stCondLst>
+                                  <p:childTnLst>
+                                    <p:set>
+                                      <p:cBhvr>
+                                        <p:cTn id="18" dur="1" fill="hold">
+                                          <p:stCondLst>
+                                            <p:cond delay="0"/>
+                                          </p:stCondLst>
+                                        </p:cTn>
+                                        <p:tgtEl>
+                                          <p:spTgt spid="118">
+                                            <p:txEl>
+                                              <p:pRg st="7" end="7"/>
+                                            </p:txEl>
+                                          </p:spTgt>
+                                        </p:tgtEl>
+                                        <p:attrNameLst>
+                                          <p:attrName>style.visibility</p:attrName>
+                                        </p:attrNameLst>
+                                      </p:cBhvr>
+                                      <p:to>
+                                        <p:strVal val="visible"/>
+                                      </p:to>
+                                    </p:set>
+                                  </p:childTnLst>
+                                </p:cTn>
+                              </p:par>
+                            </p:childTnLst>
+                          </p:cTn>
+                        </p:par>
+                      </p:childTnLst>
+                    </p:cTn>
+                  </p:par>
+                </p:childTnLst>
+              </p:cTn>
+              <p:prevCondLst>
+                <p:cond evt="onPrev" delay="0">
+                  <p:tgtEl>
+                    <p:sldTgt/>
+                  </p:tgtEl>
+                </p:cond>
+              </p:prevCondLst>
+              <p:nextCondLst>
+                <p:cond evt="onNext" delay="0">
+                  <p:tgtEl>
+                    <p:sldTgt/>
+                  </p:tgtEl>
+                </p:cond>
+              </p:nextCondLst>
+            </p:seq>
+          </p:childTnLst>
+        </p:cTn>
+      </p:par>
+    </p:tnLst>
+  </p:timing>
 </p:sld>
 </file>
 
-<file path=ppt/slides/slide7.xml><?xml version="1.0" encoding="utf-8"?>
+<file path=ppt/slides/slide8.xml><?xml version="1.0" encoding="utf-8"?>
 <p:sld xmlns:a="http://schemas.openxmlformats.org/drawingml/2006/main" xmlns:r="http://schemas.openxmlformats.org/officeDocument/2006/relationships" xmlns:p="http://schemas.openxmlformats.org/presentationml/2006/main">
   <p:cSld>
     <p:spTree>
       <p:nvGrpSpPr>
-        <p:cNvPr id="1" name="Shape 129"/>
+        <p:cNvPr id="1" name="Shape 116"/>
         <p:cNvGrpSpPr/>
         <p:nvPr/>
       </p:nvGrpSpPr>
@@ -17874,7 +19804,7 @@
       </p:grpSpPr>
       <p:sp>
         <p:nvSpPr>
-          <p:cNvPr id="130" name="Shape 130"/>
+          <p:cNvPr id="117" name="Shape 117"/>
           <p:cNvSpPr txBox="1">
             <a:spLocks noGrp="1"/>
           </p:cNvSpPr>
@@ -17916,10 +19846,18 @@
               <a:buNone/>
             </a:pPr>
             <a:r>
-              <a:rPr lang="en-US" sz="3000"/>
-              <a:t>How do they evaluate their solution?</a:t>
+              <a:rPr lang="en-US" sz="3000" b="0" i="0" u="none" strike="noStrike" cap="none" dirty="0">
+                <a:solidFill>
+                  <a:srgbClr val="09347A"/>
+                </a:solidFill>
+                <a:latin typeface="Verdana"/>
+                <a:ea typeface="Verdana"/>
+                <a:cs typeface="Verdana"/>
+                <a:sym typeface="Verdana"/>
+              </a:rPr>
+              <a:t>Localization</a:t>
             </a:r>
-            <a:endParaRPr sz="3000" b="0" i="0" u="none" strike="noStrike" cap="none">
+            <a:endParaRPr sz="3000" b="0" i="0" u="none" strike="noStrike" cap="none" dirty="0">
               <a:solidFill>
                 <a:srgbClr val="09347A"/>
               </a:solidFill>
@@ -17933,7 +19871,7 @@
       </p:sp>
       <p:sp>
         <p:nvSpPr>
-          <p:cNvPr id="131" name="Shape 131"/>
+          <p:cNvPr id="118" name="Shape 118"/>
           <p:cNvSpPr txBox="1">
             <a:spLocks noGrp="1"/>
           </p:cNvSpPr>
@@ -17960,27 +19898,43 @@
           </a:bodyPr>
           <a:lstStyle/>
           <a:p>
-            <a:pPr marL="457200" marR="0" lvl="0" indent="-381000" algn="l" rtl="0">
-              <a:spcBef>
-                <a:spcPts val="0"/>
-              </a:spcBef>
-              <a:spcAft>
-                <a:spcPts val="0"/>
-              </a:spcAft>
+            <a:pPr marL="533400" indent="-457200">
+              <a:spcBef>
+                <a:spcPts val="0"/>
+              </a:spcBef>
               <a:buSzPts val="2400"/>
-              <a:buFont typeface="Times New Roman"/>
-              <a:buChar char="•"/>
+              <a:buFont typeface="+mj-lt"/>
+              <a:buAutoNum type="arabicPeriod"/>
             </a:pPr>
             <a:r>
-              <a:rPr lang="en-US" sz="2400">
+              <a:rPr lang="en-US" sz="2400" i="1" dirty="0">
                 <a:latin typeface="Times New Roman"/>
                 <a:ea typeface="Times New Roman"/>
                 <a:cs typeface="Times New Roman"/>
                 <a:sym typeface="Times New Roman"/>
               </a:rPr>
-              <a:t>Compare manually optimized image processing algorithms in C &amp; CUDA to autotuned Halide implementations.</a:t>
+              <a:t>micro-failures</a:t>
             </a:r>
-            <a:endParaRPr sz="2400">
+            <a:r>
+              <a:rPr lang="en-US" sz="2400" dirty="0">
+                <a:latin typeface="Times New Roman"/>
+                <a:ea typeface="Times New Roman"/>
+                <a:cs typeface="Times New Roman"/>
+                <a:sym typeface="Times New Roman"/>
+              </a:rPr>
+              <a:t>: panics, crashes, etc. constrained to one cube</a:t>
+            </a:r>
+          </a:p>
+          <a:p>
+            <a:pPr marL="533400" indent="-457200">
+              <a:spcBef>
+                <a:spcPts val="0"/>
+              </a:spcBef>
+              <a:buSzPts val="2400"/>
+              <a:buFont typeface="+mj-lt"/>
+              <a:buAutoNum type="arabicPeriod"/>
+            </a:pPr>
+            <a:endParaRPr lang="en-US" sz="2400" i="1" dirty="0">
               <a:latin typeface="Times New Roman"/>
               <a:ea typeface="Times New Roman"/>
               <a:cs typeface="Times New Roman"/>
@@ -17988,38 +19942,361 @@
             </a:endParaRPr>
           </a:p>
           <a:p>
-            <a:pPr marL="0" marR="0" lvl="0" indent="0" algn="l" rtl="0">
-              <a:spcBef>
-                <a:spcPts val="0"/>
-              </a:spcBef>
-              <a:spcAft>
-                <a:spcPts val="0"/>
-              </a:spcAft>
-              <a:buNone/>
+            <a:pPr marL="533400" indent="-457200">
+              <a:spcBef>
+                <a:spcPts val="0"/>
+              </a:spcBef>
+              <a:buSzPts val="2400"/>
+              <a:buFont typeface="+mj-lt"/>
+              <a:buAutoNum type="arabicPeriod"/>
             </a:pPr>
-            <a:endParaRPr sz="2400">
+            <a:r>
+              <a:rPr lang="en-US" sz="2400" i="1" dirty="0">
+                <a:latin typeface="Times New Roman"/>
+                <a:ea typeface="Times New Roman"/>
+                <a:cs typeface="Times New Roman"/>
+                <a:sym typeface="Times New Roman"/>
+              </a:rPr>
+              <a:t>micro-recovery: </a:t>
+            </a:r>
+            <a:r>
+              <a:rPr lang="en-US" sz="2400" dirty="0">
+                <a:latin typeface="Times New Roman"/>
+                <a:ea typeface="Times New Roman"/>
+                <a:cs typeface="Times New Roman"/>
+                <a:sym typeface="Times New Roman"/>
+              </a:rPr>
+              <a:t>only faulty cubes need to be repaired</a:t>
+            </a:r>
+          </a:p>
+          <a:p>
+            <a:pPr marL="990600" lvl="1" indent="-457200">
+              <a:spcBef>
+                <a:spcPts val="0"/>
+              </a:spcBef>
+              <a:buSzPts val="2400"/>
+            </a:pPr>
+            <a:r>
+              <a:rPr lang="en-US" sz="2000" dirty="0">
+                <a:latin typeface="Times New Roman"/>
+                <a:ea typeface="Times New Roman"/>
+                <a:cs typeface="Times New Roman"/>
+                <a:sym typeface="Times New Roman"/>
+              </a:rPr>
+              <a:t>Minimizes downtime</a:t>
+            </a:r>
+          </a:p>
+          <a:p>
+            <a:pPr marL="990600" lvl="1" indent="-457200">
+              <a:spcBef>
+                <a:spcPts val="0"/>
+              </a:spcBef>
+              <a:buSzPts val="2400"/>
+            </a:pPr>
+            <a:r>
+              <a:rPr lang="en-US" sz="2000" dirty="0">
+                <a:latin typeface="Times New Roman"/>
+                <a:ea typeface="Times New Roman"/>
+                <a:cs typeface="Times New Roman"/>
+                <a:sym typeface="Times New Roman"/>
+              </a:rPr>
+              <a:t>Increases availability</a:t>
+            </a:r>
+          </a:p>
+          <a:p>
+            <a:pPr marL="533400" indent="-457200">
+              <a:spcBef>
+                <a:spcPts val="0"/>
+              </a:spcBef>
+              <a:buSzPts val="2400"/>
+              <a:buFont typeface="+mj-lt"/>
+              <a:buAutoNum type="arabicPeriod"/>
+            </a:pPr>
+            <a:endParaRPr lang="en-US" sz="2400" dirty="0">
               <a:latin typeface="Times New Roman"/>
               <a:ea typeface="Times New Roman"/>
               <a:cs typeface="Times New Roman"/>
               <a:sym typeface="Times New Roman"/>
             </a:endParaRPr>
           </a:p>
+          <a:p>
+            <a:pPr marL="533400" indent="-457200">
+              <a:spcBef>
+                <a:spcPts val="0"/>
+              </a:spcBef>
+              <a:buSzPts val="2400"/>
+              <a:buFont typeface="+mj-lt"/>
+              <a:buAutoNum type="arabicPeriod"/>
+            </a:pPr>
+            <a:r>
+              <a:rPr lang="en-US" sz="2400" dirty="0">
+                <a:latin typeface="Times New Roman"/>
+                <a:ea typeface="Times New Roman"/>
+                <a:cs typeface="Times New Roman"/>
+                <a:sym typeface="Times New Roman"/>
+              </a:rPr>
+              <a:t>Transactions from different cubes can be committed in parallel</a:t>
+            </a:r>
+          </a:p>
+          <a:p>
+            <a:pPr marL="990600" lvl="1" indent="-457200">
+              <a:spcBef>
+                <a:spcPts val="0"/>
+              </a:spcBef>
+              <a:buSzPts val="2400"/>
+            </a:pPr>
+            <a:r>
+              <a:rPr lang="en-US" sz="2000" dirty="0">
+                <a:latin typeface="Times New Roman"/>
+                <a:ea typeface="Times New Roman"/>
+                <a:cs typeface="Times New Roman"/>
+                <a:sym typeface="Times New Roman"/>
+              </a:rPr>
+              <a:t>2-5X performance speedup!</a:t>
+            </a:r>
+          </a:p>
         </p:txBody>
       </p:sp>
     </p:spTree>
+    <p:extLst>
+      <p:ext uri="{BB962C8B-B14F-4D97-AF65-F5344CB8AC3E}">
+        <p14:creationId xmlns:p14="http://schemas.microsoft.com/office/powerpoint/2010/main" val="2861332980"/>
+      </p:ext>
+    </p:extLst>
   </p:cSld>
   <p:clrMapOvr>
     <a:masterClrMapping/>
   </p:clrMapOvr>
+  <p:timing>
+    <p:tnLst>
+      <p:par>
+        <p:cTn id="1" dur="indefinite" restart="never" nodeType="tmRoot">
+          <p:childTnLst>
+            <p:seq concurrent="1" nextAc="seek">
+              <p:cTn id="2" dur="indefinite" nodeType="mainSeq">
+                <p:childTnLst>
+                  <p:par>
+                    <p:cTn id="3" fill="hold">
+                      <p:stCondLst>
+                        <p:cond delay="indefinite"/>
+                      </p:stCondLst>
+                      <p:childTnLst>
+                        <p:par>
+                          <p:cTn id="4" fill="hold">
+                            <p:stCondLst>
+                              <p:cond delay="0"/>
+                            </p:stCondLst>
+                            <p:childTnLst>
+                              <p:par>
+                                <p:cTn id="5" presetID="1" presetClass="entr" presetSubtype="0" fill="hold" nodeType="clickEffect">
+                                  <p:stCondLst>
+                                    <p:cond delay="0"/>
+                                  </p:stCondLst>
+                                  <p:childTnLst>
+                                    <p:set>
+                                      <p:cBhvr>
+                                        <p:cTn id="6" dur="1" fill="hold">
+                                          <p:stCondLst>
+                                            <p:cond delay="0"/>
+                                          </p:stCondLst>
+                                        </p:cTn>
+                                        <p:tgtEl>
+                                          <p:spTgt spid="118">
+                                            <p:txEl>
+                                              <p:pRg st="2" end="2"/>
+                                            </p:txEl>
+                                          </p:spTgt>
+                                        </p:tgtEl>
+                                        <p:attrNameLst>
+                                          <p:attrName>style.visibility</p:attrName>
+                                        </p:attrNameLst>
+                                      </p:cBhvr>
+                                      <p:to>
+                                        <p:strVal val="visible"/>
+                                      </p:to>
+                                    </p:set>
+                                  </p:childTnLst>
+                                </p:cTn>
+                              </p:par>
+                              <p:par>
+                                <p:cTn id="7" presetID="1" presetClass="entr" presetSubtype="0" fill="hold" nodeType="withEffect">
+                                  <p:stCondLst>
+                                    <p:cond delay="0"/>
+                                  </p:stCondLst>
+                                  <p:childTnLst>
+                                    <p:set>
+                                      <p:cBhvr>
+                                        <p:cTn id="8" dur="1" fill="hold">
+                                          <p:stCondLst>
+                                            <p:cond delay="0"/>
+                                          </p:stCondLst>
+                                        </p:cTn>
+                                        <p:tgtEl>
+                                          <p:spTgt spid="118">
+                                            <p:txEl>
+                                              <p:pRg st="3" end="3"/>
+                                            </p:txEl>
+                                          </p:spTgt>
+                                        </p:tgtEl>
+                                        <p:attrNameLst>
+                                          <p:attrName>style.visibility</p:attrName>
+                                        </p:attrNameLst>
+                                      </p:cBhvr>
+                                      <p:to>
+                                        <p:strVal val="visible"/>
+                                      </p:to>
+                                    </p:set>
+                                  </p:childTnLst>
+                                </p:cTn>
+                              </p:par>
+                              <p:par>
+                                <p:cTn id="9" presetID="1" presetClass="entr" presetSubtype="0" fill="hold" nodeType="withEffect">
+                                  <p:stCondLst>
+                                    <p:cond delay="0"/>
+                                  </p:stCondLst>
+                                  <p:childTnLst>
+                                    <p:set>
+                                      <p:cBhvr>
+                                        <p:cTn id="10" dur="1" fill="hold">
+                                          <p:stCondLst>
+                                            <p:cond delay="0"/>
+                                          </p:stCondLst>
+                                        </p:cTn>
+                                        <p:tgtEl>
+                                          <p:spTgt spid="118">
+                                            <p:txEl>
+                                              <p:pRg st="4" end="4"/>
+                                            </p:txEl>
+                                          </p:spTgt>
+                                        </p:tgtEl>
+                                        <p:attrNameLst>
+                                          <p:attrName>style.visibility</p:attrName>
+                                        </p:attrNameLst>
+                                      </p:cBhvr>
+                                      <p:to>
+                                        <p:strVal val="visible"/>
+                                      </p:to>
+                                    </p:set>
+                                  </p:childTnLst>
+                                </p:cTn>
+                              </p:par>
+                            </p:childTnLst>
+                          </p:cTn>
+                        </p:par>
+                      </p:childTnLst>
+                    </p:cTn>
+                  </p:par>
+                  <p:par>
+                    <p:cTn id="11" fill="hold">
+                      <p:stCondLst>
+                        <p:cond delay="indefinite"/>
+                      </p:stCondLst>
+                      <p:childTnLst>
+                        <p:par>
+                          <p:cTn id="12" fill="hold">
+                            <p:stCondLst>
+                              <p:cond delay="0"/>
+                            </p:stCondLst>
+                            <p:childTnLst>
+                              <p:par>
+                                <p:cTn id="13" presetID="1" presetClass="entr" presetSubtype="0" fill="hold" nodeType="clickEffect">
+                                  <p:stCondLst>
+                                    <p:cond delay="0"/>
+                                  </p:stCondLst>
+                                  <p:childTnLst>
+                                    <p:set>
+                                      <p:cBhvr>
+                                        <p:cTn id="14" dur="1" fill="hold">
+                                          <p:stCondLst>
+                                            <p:cond delay="0"/>
+                                          </p:stCondLst>
+                                        </p:cTn>
+                                        <p:tgtEl>
+                                          <p:spTgt spid="118">
+                                            <p:txEl>
+                                              <p:pRg st="6" end="6"/>
+                                            </p:txEl>
+                                          </p:spTgt>
+                                        </p:tgtEl>
+                                        <p:attrNameLst>
+                                          <p:attrName>style.visibility</p:attrName>
+                                        </p:attrNameLst>
+                                      </p:cBhvr>
+                                      <p:to>
+                                        <p:strVal val="visible"/>
+                                      </p:to>
+                                    </p:set>
+                                  </p:childTnLst>
+                                </p:cTn>
+                              </p:par>
+                              <p:par>
+                                <p:cTn id="15" presetID="1" presetClass="entr" presetSubtype="0" fill="hold" nodeType="withEffect">
+                                  <p:stCondLst>
+                                    <p:cond delay="0"/>
+                                  </p:stCondLst>
+                                  <p:childTnLst>
+                                    <p:set>
+                                      <p:cBhvr>
+                                        <p:cTn id="16" dur="1" fill="hold">
+                                          <p:stCondLst>
+                                            <p:cond delay="0"/>
+                                          </p:stCondLst>
+                                        </p:cTn>
+                                        <p:tgtEl>
+                                          <p:spTgt spid="118">
+                                            <p:txEl>
+                                              <p:pRg st="7" end="7"/>
+                                            </p:txEl>
+                                          </p:spTgt>
+                                        </p:tgtEl>
+                                        <p:attrNameLst>
+                                          <p:attrName>style.visibility</p:attrName>
+                                        </p:attrNameLst>
+                                      </p:cBhvr>
+                                      <p:to>
+                                        <p:strVal val="visible"/>
+                                      </p:to>
+                                    </p:set>
+                                  </p:childTnLst>
+                                </p:cTn>
+                              </p:par>
+                            </p:childTnLst>
+                          </p:cTn>
+                        </p:par>
+                      </p:childTnLst>
+                    </p:cTn>
+                  </p:par>
+                </p:childTnLst>
+              </p:cTn>
+              <p:prevCondLst>
+                <p:cond evt="onPrev" delay="0">
+                  <p:tgtEl>
+                    <p:sldTgt/>
+                  </p:tgtEl>
+                </p:cond>
+              </p:prevCondLst>
+              <p:nextCondLst>
+                <p:cond evt="onNext" delay="0">
+                  <p:tgtEl>
+                    <p:sldTgt/>
+                  </p:tgtEl>
+                </p:cond>
+              </p:nextCondLst>
+            </p:seq>
+          </p:childTnLst>
+        </p:cTn>
+      </p:par>
+    </p:tnLst>
+  </p:timing>
 </p:sld>
 </file>
 
-<file path=ppt/slides/slide8.xml><?xml version="1.0" encoding="utf-8"?>
+<file path=ppt/slides/slide9.xml><?xml version="1.0" encoding="utf-8"?>
 <p:sld xmlns:a="http://schemas.openxmlformats.org/drawingml/2006/main" xmlns:r="http://schemas.openxmlformats.org/officeDocument/2006/relationships" xmlns:p="http://schemas.openxmlformats.org/presentationml/2006/main">
   <p:cSld>
     <p:spTree>
       <p:nvGrpSpPr>
-        <p:cNvPr id="1" name="Shape 135"/>
+        <p:cNvPr id="1" name="Shape 116"/>
         <p:cNvGrpSpPr/>
         <p:nvPr/>
       </p:nvGrpSpPr>
@@ -18033,7 +20310,7 @@
       </p:grpSpPr>
       <p:sp>
         <p:nvSpPr>
-          <p:cNvPr id="136" name="Shape 136"/>
+          <p:cNvPr id="117" name="Shape 117"/>
           <p:cNvSpPr txBox="1">
             <a:spLocks noGrp="1"/>
           </p:cNvSpPr>
@@ -18075,10 +20352,18 @@
               <a:buNone/>
             </a:pPr>
             <a:r>
-              <a:rPr lang="en-US" sz="3000"/>
-              <a:t>How do they evaluate their solution?</a:t>
+              <a:rPr lang="en-US" sz="3000" b="0" i="0" u="none" strike="noStrike" cap="none" dirty="0">
+                <a:solidFill>
+                  <a:srgbClr val="09347A"/>
+                </a:solidFill>
+                <a:latin typeface="Verdana"/>
+                <a:ea typeface="Verdana"/>
+                <a:cs typeface="Verdana"/>
+                <a:sym typeface="Verdana"/>
+              </a:rPr>
+              <a:t>Specialization</a:t>
             </a:r>
-            <a:endParaRPr sz="3000" b="0" i="0" u="none" strike="noStrike" cap="none">
+            <a:endParaRPr sz="3000" b="0" i="0" u="none" strike="noStrike" cap="none" dirty="0">
               <a:solidFill>
                 <a:srgbClr val="09347A"/>
               </a:solidFill>
@@ -18092,7 +20377,7 @@
       </p:sp>
       <p:sp>
         <p:nvSpPr>
-          <p:cNvPr id="137" name="Shape 137"/>
+          <p:cNvPr id="118" name="Shape 118"/>
           <p:cNvSpPr txBox="1">
             <a:spLocks noGrp="1"/>
           </p:cNvSpPr>
@@ -18119,186 +20404,34 @@
           </a:bodyPr>
           <a:lstStyle/>
           <a:p>
-            <a:pPr marL="0" marR="0" lvl="0" indent="0" algn="l" rtl="0">
-              <a:spcBef>
-                <a:spcPts val="0"/>
-              </a:spcBef>
-              <a:spcAft>
-                <a:spcPts val="0"/>
-              </a:spcAft>
-              <a:buNone/>
-            </a:pPr>
-            <a:endParaRPr sz="2400">
-              <a:latin typeface="Times New Roman"/>
-              <a:ea typeface="Times New Roman"/>
-              <a:cs typeface="Times New Roman"/>
-              <a:sym typeface="Times New Roman"/>
-            </a:endParaRPr>
-          </a:p>
-        </p:txBody>
-      </p:sp>
-      <p:pic>
-        <p:nvPicPr>
-          <p:cNvPr id="138" name="Shape 138"/>
-          <p:cNvPicPr preferRelativeResize="0"/>
-          <p:nvPr/>
-        </p:nvPicPr>
-        <p:blipFill>
-          <a:blip r:embed="rId3">
-            <a:alphaModFix/>
-          </a:blip>
-          <a:stretch>
-            <a:fillRect/>
-          </a:stretch>
-        </p:blipFill>
-        <p:spPr>
-          <a:xfrm>
-            <a:off x="2073575" y="1200150"/>
-            <a:ext cx="4506739" cy="3394500"/>
-          </a:xfrm>
-          <a:prstGeom prst="rect">
-            <a:avLst/>
-          </a:prstGeom>
-          <a:noFill/>
-          <a:ln>
-            <a:noFill/>
-          </a:ln>
-        </p:spPr>
-      </p:pic>
-    </p:spTree>
-  </p:cSld>
-  <p:clrMapOvr>
-    <a:masterClrMapping/>
-  </p:clrMapOvr>
-</p:sld>
-</file>
-
-<file path=ppt/slides/slide9.xml><?xml version="1.0" encoding="utf-8"?>
-<p:sld xmlns:a="http://schemas.openxmlformats.org/drawingml/2006/main" xmlns:r="http://schemas.openxmlformats.org/officeDocument/2006/relationships" xmlns:p="http://schemas.openxmlformats.org/presentationml/2006/main">
-  <p:cSld>
-    <p:spTree>
-      <p:nvGrpSpPr>
-        <p:cNvPr id="1" name="Shape 142"/>
-        <p:cNvGrpSpPr/>
-        <p:nvPr/>
-      </p:nvGrpSpPr>
-      <p:grpSpPr>
-        <a:xfrm>
-          <a:off x="0" y="0"/>
-          <a:ext cx="0" cy="0"/>
-          <a:chOff x="0" y="0"/>
-          <a:chExt cx="0" cy="0"/>
-        </a:xfrm>
-      </p:grpSpPr>
-      <p:sp>
-        <p:nvSpPr>
-          <p:cNvPr id="143" name="Shape 143"/>
-          <p:cNvSpPr txBox="1">
-            <a:spLocks noGrp="1"/>
-          </p:cNvSpPr>
-          <p:nvPr>
-            <p:ph type="title"/>
-          </p:nvPr>
-        </p:nvSpPr>
-        <p:spPr>
-          <a:xfrm>
-            <a:off x="457200" y="628650"/>
-            <a:ext cx="8229600" cy="537000"/>
-          </a:xfrm>
-          <a:prstGeom prst="rect">
-            <a:avLst/>
-          </a:prstGeom>
-          <a:noFill/>
-          <a:ln>
-            <a:noFill/>
-          </a:ln>
-        </p:spPr>
-        <p:txBody>
-          <a:bodyPr spcFirstLastPara="1" wrap="square" lIns="91425" tIns="45700" rIns="91425" bIns="45700" anchor="ctr" anchorCtr="0">
-            <a:noAutofit/>
-          </a:bodyPr>
-          <a:lstStyle/>
-          <a:p>
-            <a:pPr marL="0" marR="0" lvl="0" indent="0" algn="ctr" rtl="0">
-              <a:spcBef>
-                <a:spcPts val="0"/>
-              </a:spcBef>
-              <a:spcAft>
-                <a:spcPts val="0"/>
-              </a:spcAft>
-              <a:buClr>
-                <a:srgbClr val="09347A"/>
-              </a:buClr>
-              <a:buSzPts val="3600"/>
-              <a:buFont typeface="Verdana"/>
-              <a:buNone/>
+            <a:pPr marL="533400" indent="-457200">
+              <a:spcBef>
+                <a:spcPts val="0"/>
+              </a:spcBef>
+              <a:buSzPts val="2400"/>
+              <a:buFont typeface="+mj-lt"/>
+              <a:buAutoNum type="arabicPeriod"/>
             </a:pPr>
             <a:r>
-              <a:rPr lang="en-US" sz="3000"/>
-              <a:t>What is the punchline?</a:t>
-            </a:r>
-            <a:endParaRPr sz="3000" b="0" i="0" u="none" strike="noStrike" cap="none">
-              <a:solidFill>
-                <a:srgbClr val="09347A"/>
-              </a:solidFill>
-              <a:latin typeface="Verdana"/>
-              <a:ea typeface="Verdana"/>
-              <a:cs typeface="Verdana"/>
-              <a:sym typeface="Verdana"/>
-            </a:endParaRPr>
-          </a:p>
-        </p:txBody>
-      </p:sp>
-      <p:sp>
-        <p:nvSpPr>
-          <p:cNvPr id="144" name="Shape 144"/>
-          <p:cNvSpPr txBox="1">
-            <a:spLocks noGrp="1"/>
-          </p:cNvSpPr>
-          <p:nvPr>
-            <p:ph type="body" idx="1"/>
-          </p:nvPr>
-        </p:nvSpPr>
-        <p:spPr>
-          <a:xfrm>
-            <a:off x="457200" y="1200151"/>
-            <a:ext cx="8229600" cy="3394500"/>
-          </a:xfrm>
-          <a:prstGeom prst="rect">
-            <a:avLst/>
-          </a:prstGeom>
-          <a:noFill/>
-          <a:ln>
-            <a:noFill/>
-          </a:ln>
-        </p:spPr>
-        <p:txBody>
-          <a:bodyPr spcFirstLastPara="1" wrap="square" lIns="91425" tIns="45700" rIns="91425" bIns="45700" anchor="t" anchorCtr="0">
-            <a:noAutofit/>
-          </a:bodyPr>
-          <a:lstStyle/>
-          <a:p>
-            <a:pPr marL="457200" marR="0" lvl="0" indent="-381000" algn="l" rtl="0">
-              <a:spcBef>
-                <a:spcPts val="0"/>
-              </a:spcBef>
-              <a:spcAft>
-                <a:spcPts val="0"/>
-              </a:spcAft>
-              <a:buSzPts val="2400"/>
-              <a:buFont typeface="Times New Roman"/>
-              <a:buChar char="•"/>
-            </a:pPr>
-            <a:r>
-              <a:rPr lang="en-US" sz="2400">
+              <a:rPr lang="en-US" sz="2400" dirty="0">
                 <a:latin typeface="Times New Roman"/>
                 <a:ea typeface="Times New Roman"/>
                 <a:cs typeface="Times New Roman"/>
                 <a:sym typeface="Times New Roman"/>
               </a:rPr>
-              <a:t>Algorithms can be implemented at a high level in an eDSL.</a:t>
+              <a:t>Independent cubes enable specialization</a:t>
             </a:r>
-            <a:endParaRPr sz="2400">
+          </a:p>
+          <a:p>
+            <a:pPr marL="533400" indent="-457200">
+              <a:spcBef>
+                <a:spcPts val="0"/>
+              </a:spcBef>
+              <a:buSzPts val="2400"/>
+              <a:buFont typeface="+mj-lt"/>
+              <a:buAutoNum type="arabicPeriod"/>
+            </a:pPr>
+            <a:endParaRPr lang="en-US" sz="2400" i="1" dirty="0">
               <a:latin typeface="Times New Roman"/>
               <a:ea typeface="Times New Roman"/>
               <a:cs typeface="Times New Roman"/>
@@ -18306,27 +20439,34 @@
             </a:endParaRPr>
           </a:p>
           <a:p>
-            <a:pPr marL="457200" marR="0" lvl="0" indent="-381000" algn="l" rtl="0">
-              <a:spcBef>
-                <a:spcPts val="0"/>
-              </a:spcBef>
-              <a:spcAft>
-                <a:spcPts val="0"/>
-              </a:spcAft>
+            <a:pPr marL="533400" indent="-457200">
+              <a:spcBef>
+                <a:spcPts val="0"/>
+              </a:spcBef>
               <a:buSzPts val="2400"/>
-              <a:buFont typeface="Times New Roman"/>
-              <a:buChar char="•"/>
+              <a:buFont typeface="+mj-lt"/>
+              <a:buAutoNum type="arabicPeriod"/>
             </a:pPr>
             <a:r>
-              <a:rPr lang="en-US" sz="2400">
+              <a:rPr lang="en-US" sz="2400" dirty="0">
                 <a:latin typeface="Times New Roman"/>
                 <a:ea typeface="Times New Roman"/>
                 <a:cs typeface="Times New Roman"/>
                 <a:sym typeface="Times New Roman"/>
               </a:rPr>
-              <a:t>Compiler embedded in library combined with an autotuner can produce code for multiple target architectures can outperform domain expert tuned code.</a:t>
+              <a:t>Filesystem can control behavior of each</a:t>
             </a:r>
-            <a:endParaRPr sz="2400">
+          </a:p>
+          <a:p>
+            <a:pPr marL="533400" indent="-457200">
+              <a:spcBef>
+                <a:spcPts val="0"/>
+              </a:spcBef>
+              <a:buSzPts val="2400"/>
+              <a:buFont typeface="+mj-lt"/>
+              <a:buAutoNum type="arabicPeriod"/>
+            </a:pPr>
+            <a:endParaRPr lang="en-US" sz="2400" dirty="0">
               <a:latin typeface="Times New Roman"/>
               <a:ea typeface="Times New Roman"/>
               <a:cs typeface="Times New Roman"/>
@@ -18334,16 +20474,24 @@
             </a:endParaRPr>
           </a:p>
           <a:p>
-            <a:pPr marL="0" marR="0" lvl="0" indent="0" algn="l" rtl="0">
-              <a:spcBef>
-                <a:spcPts val="0"/>
-              </a:spcBef>
-              <a:spcAft>
-                <a:spcPts val="0"/>
-              </a:spcAft>
-              <a:buNone/>
+            <a:pPr marL="533400" indent="-457200">
+              <a:spcBef>
+                <a:spcPts val="0"/>
+              </a:spcBef>
+              <a:buSzPts val="2400"/>
+              <a:buFont typeface="+mj-lt"/>
+              <a:buAutoNum type="arabicPeriod"/>
             </a:pPr>
-            <a:endParaRPr sz="2400">
+            <a:r>
+              <a:rPr lang="en-US" sz="2400" dirty="0">
+                <a:latin typeface="Times New Roman"/>
+                <a:ea typeface="Times New Roman"/>
+                <a:cs typeface="Times New Roman"/>
+                <a:sym typeface="Times New Roman"/>
+              </a:rPr>
+              <a:t>Different journaling modes per cube =&gt;knob for performance/consistency tradeoffs</a:t>
+            </a:r>
+            <a:endParaRPr lang="en-US" sz="2000" dirty="0">
               <a:latin typeface="Times New Roman"/>
               <a:ea typeface="Times New Roman"/>
               <a:cs typeface="Times New Roman"/>
@@ -18353,10 +20501,174 @@
         </p:txBody>
       </p:sp>
     </p:spTree>
+    <p:extLst>
+      <p:ext uri="{BB962C8B-B14F-4D97-AF65-F5344CB8AC3E}">
+        <p14:creationId xmlns:p14="http://schemas.microsoft.com/office/powerpoint/2010/main" val="3191064647"/>
+      </p:ext>
+    </p:extLst>
   </p:cSld>
   <p:clrMapOvr>
     <a:masterClrMapping/>
   </p:clrMapOvr>
+  <p:timing>
+    <p:tnLst>
+      <p:par>
+        <p:cTn id="1" dur="indefinite" restart="never" nodeType="tmRoot">
+          <p:childTnLst>
+            <p:seq concurrent="1" nextAc="seek">
+              <p:cTn id="2" dur="indefinite" nodeType="mainSeq">
+                <p:childTnLst>
+                  <p:par>
+                    <p:cTn id="3" fill="hold">
+                      <p:stCondLst>
+                        <p:cond delay="indefinite"/>
+                      </p:stCondLst>
+                      <p:childTnLst>
+                        <p:par>
+                          <p:cTn id="4" fill="hold">
+                            <p:stCondLst>
+                              <p:cond delay="0"/>
+                            </p:stCondLst>
+                            <p:childTnLst>
+                              <p:par>
+                                <p:cTn id="5" presetID="1" presetClass="entr" presetSubtype="0" fill="hold" nodeType="clickEffect">
+                                  <p:stCondLst>
+                                    <p:cond delay="0"/>
+                                  </p:stCondLst>
+                                  <p:childTnLst>
+                                    <p:set>
+                                      <p:cBhvr>
+                                        <p:cTn id="6" dur="1" fill="hold">
+                                          <p:stCondLst>
+                                            <p:cond delay="0"/>
+                                          </p:stCondLst>
+                                        </p:cTn>
+                                        <p:tgtEl>
+                                          <p:spTgt spid="118">
+                                            <p:txEl>
+                                              <p:pRg st="0" end="0"/>
+                                            </p:txEl>
+                                          </p:spTgt>
+                                        </p:tgtEl>
+                                        <p:attrNameLst>
+                                          <p:attrName>style.visibility</p:attrName>
+                                        </p:attrNameLst>
+                                      </p:cBhvr>
+                                      <p:to>
+                                        <p:strVal val="visible"/>
+                                      </p:to>
+                                    </p:set>
+                                  </p:childTnLst>
+                                </p:cTn>
+                              </p:par>
+                            </p:childTnLst>
+                          </p:cTn>
+                        </p:par>
+                      </p:childTnLst>
+                    </p:cTn>
+                  </p:par>
+                  <p:par>
+                    <p:cTn id="7" fill="hold">
+                      <p:stCondLst>
+                        <p:cond delay="indefinite"/>
+                      </p:stCondLst>
+                      <p:childTnLst>
+                        <p:par>
+                          <p:cTn id="8" fill="hold">
+                            <p:stCondLst>
+                              <p:cond delay="0"/>
+                            </p:stCondLst>
+                            <p:childTnLst>
+                              <p:par>
+                                <p:cTn id="9" presetID="1" presetClass="entr" presetSubtype="0" fill="hold" nodeType="clickEffect">
+                                  <p:stCondLst>
+                                    <p:cond delay="0"/>
+                                  </p:stCondLst>
+                                  <p:childTnLst>
+                                    <p:set>
+                                      <p:cBhvr>
+                                        <p:cTn id="10" dur="1" fill="hold">
+                                          <p:stCondLst>
+                                            <p:cond delay="0"/>
+                                          </p:stCondLst>
+                                        </p:cTn>
+                                        <p:tgtEl>
+                                          <p:spTgt spid="118">
+                                            <p:txEl>
+                                              <p:pRg st="2" end="2"/>
+                                            </p:txEl>
+                                          </p:spTgt>
+                                        </p:tgtEl>
+                                        <p:attrNameLst>
+                                          <p:attrName>style.visibility</p:attrName>
+                                        </p:attrNameLst>
+                                      </p:cBhvr>
+                                      <p:to>
+                                        <p:strVal val="visible"/>
+                                      </p:to>
+                                    </p:set>
+                                  </p:childTnLst>
+                                </p:cTn>
+                              </p:par>
+                              <p:par>
+                                <p:cTn id="11" presetID="1" presetClass="entr" presetSubtype="0" fill="hold" nodeType="withEffect">
+                                  <p:stCondLst>
+                                    <p:cond delay="0"/>
+                                  </p:stCondLst>
+                                  <p:childTnLst>
+                                    <p:set>
+                                      <p:cBhvr>
+                                        <p:cTn id="12" dur="1" fill="hold">
+                                          <p:stCondLst>
+                                            <p:cond delay="0"/>
+                                          </p:stCondLst>
+                                        </p:cTn>
+                                        <p:tgtEl>
+                                          <p:spTgt spid="118">
+                                            <p:txEl>
+                                              <p:pRg st="4" end="4"/>
+                                            </p:txEl>
+                                          </p:spTgt>
+                                        </p:tgtEl>
+                                        <p:attrNameLst>
+                                          <p:attrName>style.visibility</p:attrName>
+                                        </p:attrNameLst>
+                                      </p:cBhvr>
+                                      <p:to>
+                                        <p:strVal val="visible"/>
+                                      </p:to>
+                                    </p:set>
+                                  </p:childTnLst>
+                                </p:cTn>
+                              </p:par>
+                            </p:childTnLst>
+                          </p:cTn>
+                        </p:par>
+                      </p:childTnLst>
+                    </p:cTn>
+                  </p:par>
+                </p:childTnLst>
+              </p:cTn>
+              <p:prevCondLst>
+                <p:cond evt="onPrev" delay="0">
+                  <p:tgtEl>
+                    <p:sldTgt/>
+                  </p:tgtEl>
+                </p:cond>
+              </p:prevCondLst>
+              <p:nextCondLst>
+                <p:cond evt="onNext" delay="0">
+                  <p:tgtEl>
+                    <p:sldTgt/>
+                  </p:tgtEl>
+                </p:cond>
+              </p:nextCondLst>
+            </p:seq>
+          </p:childTnLst>
+        </p:cTn>
+      </p:par>
+    </p:tnLst>
+  </p:timing>
 </p:sld>
 </file>
 

--- a/presentations/IceFS.pptx
+++ b/presentations/IceFS.pptx
@@ -6,39 +6,37 @@
     <p:sldMasterId id="2147483671" r:id="rId2"/>
   </p:sldMasterIdLst>
   <p:notesMasterIdLst>
-    <p:notesMasterId r:id="rId33"/>
+    <p:notesMasterId r:id="rId31"/>
   </p:notesMasterIdLst>
   <p:sldIdLst>
     <p:sldId id="256" r:id="rId3"/>
-    <p:sldId id="257" r:id="rId4"/>
-    <p:sldId id="258" r:id="rId5"/>
-    <p:sldId id="267" r:id="rId6"/>
-    <p:sldId id="272" r:id="rId7"/>
-    <p:sldId id="259" r:id="rId8"/>
-    <p:sldId id="269" r:id="rId9"/>
-    <p:sldId id="270" r:id="rId10"/>
-    <p:sldId id="271" r:id="rId11"/>
-    <p:sldId id="261" r:id="rId12"/>
-    <p:sldId id="273" r:id="rId13"/>
-    <p:sldId id="274" r:id="rId14"/>
-    <p:sldId id="275" r:id="rId15"/>
-    <p:sldId id="276" r:id="rId16"/>
-    <p:sldId id="277" r:id="rId17"/>
-    <p:sldId id="278" r:id="rId18"/>
-    <p:sldId id="279" r:id="rId19"/>
-    <p:sldId id="280" r:id="rId20"/>
-    <p:sldId id="281" r:id="rId21"/>
-    <p:sldId id="282" r:id="rId22"/>
-    <p:sldId id="283" r:id="rId23"/>
-    <p:sldId id="284" r:id="rId24"/>
-    <p:sldId id="285" r:id="rId25"/>
-    <p:sldId id="286" r:id="rId26"/>
-    <p:sldId id="287" r:id="rId27"/>
-    <p:sldId id="288" r:id="rId28"/>
-    <p:sldId id="289" r:id="rId29"/>
-    <p:sldId id="290" r:id="rId30"/>
-    <p:sldId id="291" r:id="rId31"/>
-    <p:sldId id="263" r:id="rId32"/>
+    <p:sldId id="258" r:id="rId4"/>
+    <p:sldId id="267" r:id="rId5"/>
+    <p:sldId id="272" r:id="rId6"/>
+    <p:sldId id="259" r:id="rId7"/>
+    <p:sldId id="269" r:id="rId8"/>
+    <p:sldId id="270" r:id="rId9"/>
+    <p:sldId id="271" r:id="rId10"/>
+    <p:sldId id="261" r:id="rId11"/>
+    <p:sldId id="275" r:id="rId12"/>
+    <p:sldId id="276" r:id="rId13"/>
+    <p:sldId id="277" r:id="rId14"/>
+    <p:sldId id="278" r:id="rId15"/>
+    <p:sldId id="279" r:id="rId16"/>
+    <p:sldId id="280" r:id="rId17"/>
+    <p:sldId id="281" r:id="rId18"/>
+    <p:sldId id="282" r:id="rId19"/>
+    <p:sldId id="283" r:id="rId20"/>
+    <p:sldId id="284" r:id="rId21"/>
+    <p:sldId id="285" r:id="rId22"/>
+    <p:sldId id="292" r:id="rId23"/>
+    <p:sldId id="286" r:id="rId24"/>
+    <p:sldId id="287" r:id="rId25"/>
+    <p:sldId id="288" r:id="rId26"/>
+    <p:sldId id="289" r:id="rId27"/>
+    <p:sldId id="290" r:id="rId28"/>
+    <p:sldId id="291" r:id="rId29"/>
+    <p:sldId id="263" r:id="rId30"/>
   </p:sldIdLst>
   <p:sldSz cx="9144000" cy="5143500" type="screen16x9"/>
   <p:notesSz cx="7019925" cy="9305925"/>
@@ -1665,328 +1663,6 @@
         </p:spPr>
       </p:sp>
     </p:spTree>
-  </p:cSld>
-  <p:clrMapOvr>
-    <a:masterClrMapping/>
-  </p:clrMapOvr>
-</p:notes>
-</file>
-
-<file path=ppt/notesSlides/notesSlide11.xml><?xml version="1.0" encoding="utf-8"?>
-<p:notes xmlns:a="http://schemas.openxmlformats.org/drawingml/2006/main" xmlns:r="http://schemas.openxmlformats.org/officeDocument/2006/relationships" xmlns:p="http://schemas.openxmlformats.org/presentationml/2006/main" showMasterSp="0" showMasterPhAnim="0">
-  <p:cSld>
-    <p:spTree>
-      <p:nvGrpSpPr>
-        <p:cNvPr id="1" name="Shape 126"/>
-        <p:cNvGrpSpPr/>
-        <p:nvPr/>
-      </p:nvGrpSpPr>
-      <p:grpSpPr>
-        <a:xfrm>
-          <a:off x="0" y="0"/>
-          <a:ext cx="0" cy="0"/>
-          <a:chOff x="0" y="0"/>
-          <a:chExt cx="0" cy="0"/>
-        </a:xfrm>
-      </p:grpSpPr>
-      <p:sp>
-        <p:nvSpPr>
-          <p:cNvPr id="127" name="Shape 127"/>
-          <p:cNvSpPr txBox="1">
-            <a:spLocks noGrp="1"/>
-          </p:cNvSpPr>
-          <p:nvPr>
-            <p:ph type="body" idx="1"/>
-          </p:nvPr>
-        </p:nvSpPr>
-        <p:spPr>
-          <a:xfrm>
-            <a:off x="701993" y="4420315"/>
-            <a:ext cx="5616000" cy="4187700"/>
-          </a:xfrm>
-          <a:prstGeom prst="rect">
-            <a:avLst/>
-          </a:prstGeom>
-        </p:spPr>
-        <p:txBody>
-          <a:bodyPr spcFirstLastPara="1" wrap="square" lIns="91425" tIns="91425" rIns="91425" bIns="91425" anchor="t" anchorCtr="0">
-            <a:noAutofit/>
-          </a:bodyPr>
-          <a:lstStyle/>
-          <a:p>
-            <a:pPr marL="0" lvl="0" indent="0" rtl="0">
-              <a:spcBef>
-                <a:spcPts val="0"/>
-              </a:spcBef>
-              <a:spcAft>
-                <a:spcPts val="0"/>
-              </a:spcAft>
-              <a:buNone/>
-            </a:pPr>
-            <a:endParaRPr/>
-          </a:p>
-        </p:txBody>
-      </p:sp>
-      <p:sp>
-        <p:nvSpPr>
-          <p:cNvPr id="128" name="Shape 128"/>
-          <p:cNvSpPr>
-            <a:spLocks noGrp="1" noRot="1" noChangeAspect="1"/>
-          </p:cNvSpPr>
-          <p:nvPr>
-            <p:ph type="sldImg" idx="2"/>
-          </p:nvPr>
-        </p:nvSpPr>
-        <p:spPr>
-          <a:xfrm>
-            <a:off x="409575" y="698500"/>
-            <a:ext cx="6200775" cy="3489325"/>
-          </a:xfrm>
-          <a:custGeom>
-            <a:avLst/>
-            <a:gdLst/>
-            <a:ahLst/>
-            <a:cxnLst/>
-            <a:rect l="0" t="0" r="0" b="0"/>
-            <a:pathLst>
-              <a:path w="120000" h="120000" extrusionOk="0">
-                <a:moveTo>
-                  <a:pt x="0" y="0"/>
-                </a:moveTo>
-                <a:lnTo>
-                  <a:pt x="120000" y="0"/>
-                </a:lnTo>
-                <a:lnTo>
-                  <a:pt x="120000" y="120000"/>
-                </a:lnTo>
-                <a:lnTo>
-                  <a:pt x="0" y="120000"/>
-                </a:lnTo>
-                <a:close/>
-              </a:path>
-            </a:pathLst>
-          </a:custGeom>
-        </p:spPr>
-      </p:sp>
-    </p:spTree>
-    <p:extLst>
-      <p:ext uri="{BB962C8B-B14F-4D97-AF65-F5344CB8AC3E}">
-        <p14:creationId xmlns:p14="http://schemas.microsoft.com/office/powerpoint/2010/main" val="28836934"/>
-      </p:ext>
-    </p:extLst>
-  </p:cSld>
-  <p:clrMapOvr>
-    <a:masterClrMapping/>
-  </p:clrMapOvr>
-</p:notes>
-</file>
-
-<file path=ppt/notesSlides/notesSlide12.xml><?xml version="1.0" encoding="utf-8"?>
-<p:notes xmlns:a="http://schemas.openxmlformats.org/drawingml/2006/main" xmlns:r="http://schemas.openxmlformats.org/officeDocument/2006/relationships" xmlns:p="http://schemas.openxmlformats.org/presentationml/2006/main" showMasterSp="0" showMasterPhAnim="0">
-  <p:cSld>
-    <p:spTree>
-      <p:nvGrpSpPr>
-        <p:cNvPr id="1" name="Shape 126"/>
-        <p:cNvGrpSpPr/>
-        <p:nvPr/>
-      </p:nvGrpSpPr>
-      <p:grpSpPr>
-        <a:xfrm>
-          <a:off x="0" y="0"/>
-          <a:ext cx="0" cy="0"/>
-          <a:chOff x="0" y="0"/>
-          <a:chExt cx="0" cy="0"/>
-        </a:xfrm>
-      </p:grpSpPr>
-      <p:sp>
-        <p:nvSpPr>
-          <p:cNvPr id="127" name="Shape 127"/>
-          <p:cNvSpPr txBox="1">
-            <a:spLocks noGrp="1"/>
-          </p:cNvSpPr>
-          <p:nvPr>
-            <p:ph type="body" idx="1"/>
-          </p:nvPr>
-        </p:nvSpPr>
-        <p:spPr>
-          <a:xfrm>
-            <a:off x="701993" y="4420315"/>
-            <a:ext cx="5616000" cy="4187700"/>
-          </a:xfrm>
-          <a:prstGeom prst="rect">
-            <a:avLst/>
-          </a:prstGeom>
-        </p:spPr>
-        <p:txBody>
-          <a:bodyPr spcFirstLastPara="1" wrap="square" lIns="91425" tIns="91425" rIns="91425" bIns="91425" anchor="t" anchorCtr="0">
-            <a:noAutofit/>
-          </a:bodyPr>
-          <a:lstStyle/>
-          <a:p>
-            <a:pPr marL="0" lvl="0" indent="0" rtl="0">
-              <a:spcBef>
-                <a:spcPts val="0"/>
-              </a:spcBef>
-              <a:spcAft>
-                <a:spcPts val="0"/>
-              </a:spcAft>
-              <a:buNone/>
-            </a:pPr>
-            <a:endParaRPr/>
-          </a:p>
-        </p:txBody>
-      </p:sp>
-      <p:sp>
-        <p:nvSpPr>
-          <p:cNvPr id="128" name="Shape 128"/>
-          <p:cNvSpPr>
-            <a:spLocks noGrp="1" noRot="1" noChangeAspect="1"/>
-          </p:cNvSpPr>
-          <p:nvPr>
-            <p:ph type="sldImg" idx="2"/>
-          </p:nvPr>
-        </p:nvSpPr>
-        <p:spPr>
-          <a:xfrm>
-            <a:off x="409575" y="698500"/>
-            <a:ext cx="6200775" cy="3489325"/>
-          </a:xfrm>
-          <a:custGeom>
-            <a:avLst/>
-            <a:gdLst/>
-            <a:ahLst/>
-            <a:cxnLst/>
-            <a:rect l="0" t="0" r="0" b="0"/>
-            <a:pathLst>
-              <a:path w="120000" h="120000" extrusionOk="0">
-                <a:moveTo>
-                  <a:pt x="0" y="0"/>
-                </a:moveTo>
-                <a:lnTo>
-                  <a:pt x="120000" y="0"/>
-                </a:lnTo>
-                <a:lnTo>
-                  <a:pt x="120000" y="120000"/>
-                </a:lnTo>
-                <a:lnTo>
-                  <a:pt x="0" y="120000"/>
-                </a:lnTo>
-                <a:close/>
-              </a:path>
-            </a:pathLst>
-          </a:custGeom>
-        </p:spPr>
-      </p:sp>
-    </p:spTree>
-    <p:extLst>
-      <p:ext uri="{BB962C8B-B14F-4D97-AF65-F5344CB8AC3E}">
-        <p14:creationId xmlns:p14="http://schemas.microsoft.com/office/powerpoint/2010/main" val="798451542"/>
-      </p:ext>
-    </p:extLst>
-  </p:cSld>
-  <p:clrMapOvr>
-    <a:masterClrMapping/>
-  </p:clrMapOvr>
-</p:notes>
-</file>
-
-<file path=ppt/notesSlides/notesSlide13.xml><?xml version="1.0" encoding="utf-8"?>
-<p:notes xmlns:a="http://schemas.openxmlformats.org/drawingml/2006/main" xmlns:r="http://schemas.openxmlformats.org/officeDocument/2006/relationships" xmlns:p="http://schemas.openxmlformats.org/presentationml/2006/main" showMasterSp="0" showMasterPhAnim="0">
-  <p:cSld>
-    <p:spTree>
-      <p:nvGrpSpPr>
-        <p:cNvPr id="1" name="Shape 126"/>
-        <p:cNvGrpSpPr/>
-        <p:nvPr/>
-      </p:nvGrpSpPr>
-      <p:grpSpPr>
-        <a:xfrm>
-          <a:off x="0" y="0"/>
-          <a:ext cx="0" cy="0"/>
-          <a:chOff x="0" y="0"/>
-          <a:chExt cx="0" cy="0"/>
-        </a:xfrm>
-      </p:grpSpPr>
-      <p:sp>
-        <p:nvSpPr>
-          <p:cNvPr id="127" name="Shape 127"/>
-          <p:cNvSpPr txBox="1">
-            <a:spLocks noGrp="1"/>
-          </p:cNvSpPr>
-          <p:nvPr>
-            <p:ph type="body" idx="1"/>
-          </p:nvPr>
-        </p:nvSpPr>
-        <p:spPr>
-          <a:xfrm>
-            <a:off x="701993" y="4420315"/>
-            <a:ext cx="5616000" cy="4187700"/>
-          </a:xfrm>
-          <a:prstGeom prst="rect">
-            <a:avLst/>
-          </a:prstGeom>
-        </p:spPr>
-        <p:txBody>
-          <a:bodyPr spcFirstLastPara="1" wrap="square" lIns="91425" tIns="91425" rIns="91425" bIns="91425" anchor="t" anchorCtr="0">
-            <a:noAutofit/>
-          </a:bodyPr>
-          <a:lstStyle/>
-          <a:p>
-            <a:pPr marL="0" lvl="0" indent="0" rtl="0">
-              <a:spcBef>
-                <a:spcPts val="0"/>
-              </a:spcBef>
-              <a:spcAft>
-                <a:spcPts val="0"/>
-              </a:spcAft>
-              <a:buNone/>
-            </a:pPr>
-            <a:endParaRPr/>
-          </a:p>
-        </p:txBody>
-      </p:sp>
-      <p:sp>
-        <p:nvSpPr>
-          <p:cNvPr id="128" name="Shape 128"/>
-          <p:cNvSpPr>
-            <a:spLocks noGrp="1" noRot="1" noChangeAspect="1"/>
-          </p:cNvSpPr>
-          <p:nvPr>
-            <p:ph type="sldImg" idx="2"/>
-          </p:nvPr>
-        </p:nvSpPr>
-        <p:spPr>
-          <a:xfrm>
-            <a:off x="409575" y="698500"/>
-            <a:ext cx="6200775" cy="3489325"/>
-          </a:xfrm>
-          <a:custGeom>
-            <a:avLst/>
-            <a:gdLst/>
-            <a:ahLst/>
-            <a:cxnLst/>
-            <a:rect l="0" t="0" r="0" b="0"/>
-            <a:pathLst>
-              <a:path w="120000" h="120000" extrusionOk="0">
-                <a:moveTo>
-                  <a:pt x="0" y="0"/>
-                </a:moveTo>
-                <a:lnTo>
-                  <a:pt x="120000" y="0"/>
-                </a:lnTo>
-                <a:lnTo>
-                  <a:pt x="120000" y="120000"/>
-                </a:lnTo>
-                <a:lnTo>
-                  <a:pt x="0" y="120000"/>
-                </a:lnTo>
-                <a:close/>
-              </a:path>
-            </a:pathLst>
-          </a:custGeom>
-        </p:spPr>
-      </p:sp>
-    </p:spTree>
     <p:extLst>
       <p:ext uri="{BB962C8B-B14F-4D97-AF65-F5344CB8AC3E}">
         <p14:creationId xmlns:p14="http://schemas.microsoft.com/office/powerpoint/2010/main" val="2842892952"/>
@@ -1999,7 +1675,7 @@
 </p:notes>
 </file>
 
-<file path=ppt/notesSlides/notesSlide14.xml><?xml version="1.0" encoding="utf-8"?>
+<file path=ppt/notesSlides/notesSlide11.xml><?xml version="1.0" encoding="utf-8"?>
 <p:notes xmlns:a="http://schemas.openxmlformats.org/drawingml/2006/main" xmlns:r="http://schemas.openxmlformats.org/officeDocument/2006/relationships" xmlns:p="http://schemas.openxmlformats.org/presentationml/2006/main" showMasterSp="0" showMasterPhAnim="0">
   <p:cSld>
     <p:spTree>
@@ -2108,7 +1784,7 @@
 </p:notes>
 </file>
 
-<file path=ppt/notesSlides/notesSlide15.xml><?xml version="1.0" encoding="utf-8"?>
+<file path=ppt/notesSlides/notesSlide12.xml><?xml version="1.0" encoding="utf-8"?>
 <p:notes xmlns:a="http://schemas.openxmlformats.org/drawingml/2006/main" xmlns:r="http://schemas.openxmlformats.org/officeDocument/2006/relationships" xmlns:p="http://schemas.openxmlformats.org/presentationml/2006/main" showMasterSp="0" showMasterPhAnim="0">
   <p:cSld>
     <p:spTree>
@@ -2217,7 +1893,7 @@
 </p:notes>
 </file>
 
-<file path=ppt/notesSlides/notesSlide16.xml><?xml version="1.0" encoding="utf-8"?>
+<file path=ppt/notesSlides/notesSlide13.xml><?xml version="1.0" encoding="utf-8"?>
 <p:notes xmlns:a="http://schemas.openxmlformats.org/drawingml/2006/main" xmlns:r="http://schemas.openxmlformats.org/officeDocument/2006/relationships" xmlns:p="http://schemas.openxmlformats.org/presentationml/2006/main" showMasterSp="0" showMasterPhAnim="0">
   <p:cSld>
     <p:spTree>
@@ -2326,7 +2002,7 @@
 </p:notes>
 </file>
 
-<file path=ppt/notesSlides/notesSlide17.xml><?xml version="1.0" encoding="utf-8"?>
+<file path=ppt/notesSlides/notesSlide14.xml><?xml version="1.0" encoding="utf-8"?>
 <p:notes xmlns:a="http://schemas.openxmlformats.org/drawingml/2006/main" xmlns:r="http://schemas.openxmlformats.org/officeDocument/2006/relationships" xmlns:p="http://schemas.openxmlformats.org/presentationml/2006/main" showMasterSp="0" showMasterPhAnim="0">
   <p:cSld>
     <p:spTree>
@@ -2435,7 +2111,7 @@
 </p:notes>
 </file>
 
-<file path=ppt/notesSlides/notesSlide18.xml><?xml version="1.0" encoding="utf-8"?>
+<file path=ppt/notesSlides/notesSlide15.xml><?xml version="1.0" encoding="utf-8"?>
 <p:notes xmlns:a="http://schemas.openxmlformats.org/drawingml/2006/main" xmlns:r="http://schemas.openxmlformats.org/officeDocument/2006/relationships" xmlns:p="http://schemas.openxmlformats.org/presentationml/2006/main" showMasterSp="0" showMasterPhAnim="0">
   <p:cSld>
     <p:spTree>
@@ -2544,7 +2220,7 @@
 </p:notes>
 </file>
 
-<file path=ppt/notesSlides/notesSlide19.xml><?xml version="1.0" encoding="utf-8"?>
+<file path=ppt/notesSlides/notesSlide16.xml><?xml version="1.0" encoding="utf-8"?>
 <p:notes xmlns:a="http://schemas.openxmlformats.org/drawingml/2006/main" xmlns:r="http://schemas.openxmlformats.org/officeDocument/2006/relationships" xmlns:p="http://schemas.openxmlformats.org/presentationml/2006/main" showMasterSp="0" showMasterPhAnim="0">
   <p:cSld>
     <p:spTree>
@@ -2653,12 +2329,12 @@
 </p:notes>
 </file>
 
-<file path=ppt/notesSlides/notesSlide2.xml><?xml version="1.0" encoding="utf-8"?>
+<file path=ppt/notesSlides/notesSlide17.xml><?xml version="1.0" encoding="utf-8"?>
 <p:notes xmlns:a="http://schemas.openxmlformats.org/drawingml/2006/main" xmlns:r="http://schemas.openxmlformats.org/officeDocument/2006/relationships" xmlns:p="http://schemas.openxmlformats.org/presentationml/2006/main" showMasterSp="0" showMasterPhAnim="0">
   <p:cSld>
     <p:spTree>
       <p:nvGrpSpPr>
-        <p:cNvPr id="1" name="Shape 101"/>
+        <p:cNvPr id="1" name="Shape 126"/>
         <p:cNvGrpSpPr/>
         <p:nvPr/>
       </p:nvGrpSpPr>
@@ -2672,7 +2348,7 @@
       </p:grpSpPr>
       <p:sp>
         <p:nvSpPr>
-          <p:cNvPr id="102" name="Shape 102"/>
+          <p:cNvPr id="127" name="Shape 127"/>
           <p:cNvSpPr txBox="1">
             <a:spLocks noGrp="1"/>
           </p:cNvSpPr>
@@ -2683,7 +2359,7 @@
         <p:spPr>
           <a:xfrm>
             <a:off x="701993" y="4420315"/>
-            <a:ext cx="5615940" cy="4187666"/>
+            <a:ext cx="5616000" cy="4187700"/>
           </a:xfrm>
           <a:prstGeom prst="rect">
             <a:avLst/>
@@ -2695,7 +2371,7 @@
           </a:bodyPr>
           <a:lstStyle/>
           <a:p>
-            <a:pPr marL="0" lvl="0" indent="0">
+            <a:pPr marL="0" lvl="0" indent="0" rtl="0">
               <a:spcBef>
                 <a:spcPts val="0"/>
               </a:spcBef>
@@ -2710,7 +2386,334 @@
       </p:sp>
       <p:sp>
         <p:nvSpPr>
-          <p:cNvPr id="103" name="Shape 103"/>
+          <p:cNvPr id="128" name="Shape 128"/>
+          <p:cNvSpPr>
+            <a:spLocks noGrp="1" noRot="1" noChangeAspect="1"/>
+          </p:cNvSpPr>
+          <p:nvPr>
+            <p:ph type="sldImg" idx="2"/>
+          </p:nvPr>
+        </p:nvSpPr>
+        <p:spPr>
+          <a:xfrm>
+            <a:off x="409575" y="698500"/>
+            <a:ext cx="6200775" cy="3489325"/>
+          </a:xfrm>
+          <a:custGeom>
+            <a:avLst/>
+            <a:gdLst/>
+            <a:ahLst/>
+            <a:cxnLst/>
+            <a:rect l="0" t="0" r="0" b="0"/>
+            <a:pathLst>
+              <a:path w="120000" h="120000" extrusionOk="0">
+                <a:moveTo>
+                  <a:pt x="0" y="0"/>
+                </a:moveTo>
+                <a:lnTo>
+                  <a:pt x="120000" y="0"/>
+                </a:lnTo>
+                <a:lnTo>
+                  <a:pt x="120000" y="120000"/>
+                </a:lnTo>
+                <a:lnTo>
+                  <a:pt x="0" y="120000"/>
+                </a:lnTo>
+                <a:close/>
+              </a:path>
+            </a:pathLst>
+          </a:custGeom>
+        </p:spPr>
+      </p:sp>
+    </p:spTree>
+    <p:extLst>
+      <p:ext uri="{BB962C8B-B14F-4D97-AF65-F5344CB8AC3E}">
+        <p14:creationId xmlns:p14="http://schemas.microsoft.com/office/powerpoint/2010/main" val="4087464597"/>
+      </p:ext>
+    </p:extLst>
+  </p:cSld>
+  <p:clrMapOvr>
+    <a:masterClrMapping/>
+  </p:clrMapOvr>
+</p:notes>
+</file>
+
+<file path=ppt/notesSlides/notesSlide18.xml><?xml version="1.0" encoding="utf-8"?>
+<p:notes xmlns:a="http://schemas.openxmlformats.org/drawingml/2006/main" xmlns:r="http://schemas.openxmlformats.org/officeDocument/2006/relationships" xmlns:p="http://schemas.openxmlformats.org/presentationml/2006/main" showMasterSp="0" showMasterPhAnim="0">
+  <p:cSld>
+    <p:spTree>
+      <p:nvGrpSpPr>
+        <p:cNvPr id="1" name="Shape 126"/>
+        <p:cNvGrpSpPr/>
+        <p:nvPr/>
+      </p:nvGrpSpPr>
+      <p:grpSpPr>
+        <a:xfrm>
+          <a:off x="0" y="0"/>
+          <a:ext cx="0" cy="0"/>
+          <a:chOff x="0" y="0"/>
+          <a:chExt cx="0" cy="0"/>
+        </a:xfrm>
+      </p:grpSpPr>
+      <p:sp>
+        <p:nvSpPr>
+          <p:cNvPr id="127" name="Shape 127"/>
+          <p:cNvSpPr txBox="1">
+            <a:spLocks noGrp="1"/>
+          </p:cNvSpPr>
+          <p:nvPr>
+            <p:ph type="body" idx="1"/>
+          </p:nvPr>
+        </p:nvSpPr>
+        <p:spPr>
+          <a:xfrm>
+            <a:off x="701993" y="4420315"/>
+            <a:ext cx="5616000" cy="4187700"/>
+          </a:xfrm>
+          <a:prstGeom prst="rect">
+            <a:avLst/>
+          </a:prstGeom>
+        </p:spPr>
+        <p:txBody>
+          <a:bodyPr spcFirstLastPara="1" wrap="square" lIns="91425" tIns="91425" rIns="91425" bIns="91425" anchor="t" anchorCtr="0">
+            <a:noAutofit/>
+          </a:bodyPr>
+          <a:lstStyle/>
+          <a:p>
+            <a:pPr marL="0" lvl="0" indent="0" rtl="0">
+              <a:spcBef>
+                <a:spcPts val="0"/>
+              </a:spcBef>
+              <a:spcAft>
+                <a:spcPts val="0"/>
+              </a:spcAft>
+              <a:buNone/>
+            </a:pPr>
+            <a:endParaRPr/>
+          </a:p>
+        </p:txBody>
+      </p:sp>
+      <p:sp>
+        <p:nvSpPr>
+          <p:cNvPr id="128" name="Shape 128"/>
+          <p:cNvSpPr>
+            <a:spLocks noGrp="1" noRot="1" noChangeAspect="1"/>
+          </p:cNvSpPr>
+          <p:nvPr>
+            <p:ph type="sldImg" idx="2"/>
+          </p:nvPr>
+        </p:nvSpPr>
+        <p:spPr>
+          <a:xfrm>
+            <a:off x="409575" y="698500"/>
+            <a:ext cx="6200775" cy="3489325"/>
+          </a:xfrm>
+          <a:custGeom>
+            <a:avLst/>
+            <a:gdLst/>
+            <a:ahLst/>
+            <a:cxnLst/>
+            <a:rect l="0" t="0" r="0" b="0"/>
+            <a:pathLst>
+              <a:path w="120000" h="120000" extrusionOk="0">
+                <a:moveTo>
+                  <a:pt x="0" y="0"/>
+                </a:moveTo>
+                <a:lnTo>
+                  <a:pt x="120000" y="0"/>
+                </a:lnTo>
+                <a:lnTo>
+                  <a:pt x="120000" y="120000"/>
+                </a:lnTo>
+                <a:lnTo>
+                  <a:pt x="0" y="120000"/>
+                </a:lnTo>
+                <a:close/>
+              </a:path>
+            </a:pathLst>
+          </a:custGeom>
+        </p:spPr>
+      </p:sp>
+    </p:spTree>
+    <p:extLst>
+      <p:ext uri="{BB962C8B-B14F-4D97-AF65-F5344CB8AC3E}">
+        <p14:creationId xmlns:p14="http://schemas.microsoft.com/office/powerpoint/2010/main" val="3900098174"/>
+      </p:ext>
+    </p:extLst>
+  </p:cSld>
+  <p:clrMapOvr>
+    <a:masterClrMapping/>
+  </p:clrMapOvr>
+</p:notes>
+</file>
+
+<file path=ppt/notesSlides/notesSlide19.xml><?xml version="1.0" encoding="utf-8"?>
+<p:notes xmlns:a="http://schemas.openxmlformats.org/drawingml/2006/main" xmlns:r="http://schemas.openxmlformats.org/officeDocument/2006/relationships" xmlns:p="http://schemas.openxmlformats.org/presentationml/2006/main" showMasterSp="0" showMasterPhAnim="0">
+  <p:cSld>
+    <p:spTree>
+      <p:nvGrpSpPr>
+        <p:cNvPr id="1" name="Shape 126"/>
+        <p:cNvGrpSpPr/>
+        <p:nvPr/>
+      </p:nvGrpSpPr>
+      <p:grpSpPr>
+        <a:xfrm>
+          <a:off x="0" y="0"/>
+          <a:ext cx="0" cy="0"/>
+          <a:chOff x="0" y="0"/>
+          <a:chExt cx="0" cy="0"/>
+        </a:xfrm>
+      </p:grpSpPr>
+      <p:sp>
+        <p:nvSpPr>
+          <p:cNvPr id="127" name="Shape 127"/>
+          <p:cNvSpPr txBox="1">
+            <a:spLocks noGrp="1"/>
+          </p:cNvSpPr>
+          <p:nvPr>
+            <p:ph type="body" idx="1"/>
+          </p:nvPr>
+        </p:nvSpPr>
+        <p:spPr>
+          <a:xfrm>
+            <a:off x="701993" y="4420315"/>
+            <a:ext cx="5616000" cy="4187700"/>
+          </a:xfrm>
+          <a:prstGeom prst="rect">
+            <a:avLst/>
+          </a:prstGeom>
+        </p:spPr>
+        <p:txBody>
+          <a:bodyPr spcFirstLastPara="1" wrap="square" lIns="91425" tIns="91425" rIns="91425" bIns="91425" anchor="t" anchorCtr="0">
+            <a:noAutofit/>
+          </a:bodyPr>
+          <a:lstStyle/>
+          <a:p>
+            <a:pPr marL="0" lvl="0" indent="0" rtl="0">
+              <a:spcBef>
+                <a:spcPts val="0"/>
+              </a:spcBef>
+              <a:spcAft>
+                <a:spcPts val="0"/>
+              </a:spcAft>
+              <a:buNone/>
+            </a:pPr>
+            <a:endParaRPr/>
+          </a:p>
+        </p:txBody>
+      </p:sp>
+      <p:sp>
+        <p:nvSpPr>
+          <p:cNvPr id="128" name="Shape 128"/>
+          <p:cNvSpPr>
+            <a:spLocks noGrp="1" noRot="1" noChangeAspect="1"/>
+          </p:cNvSpPr>
+          <p:nvPr>
+            <p:ph type="sldImg" idx="2"/>
+          </p:nvPr>
+        </p:nvSpPr>
+        <p:spPr>
+          <a:xfrm>
+            <a:off x="409575" y="698500"/>
+            <a:ext cx="6200775" cy="3489325"/>
+          </a:xfrm>
+          <a:custGeom>
+            <a:avLst/>
+            <a:gdLst/>
+            <a:ahLst/>
+            <a:cxnLst/>
+            <a:rect l="0" t="0" r="0" b="0"/>
+            <a:pathLst>
+              <a:path w="120000" h="120000" extrusionOk="0">
+                <a:moveTo>
+                  <a:pt x="0" y="0"/>
+                </a:moveTo>
+                <a:lnTo>
+                  <a:pt x="120000" y="0"/>
+                </a:lnTo>
+                <a:lnTo>
+                  <a:pt x="120000" y="120000"/>
+                </a:lnTo>
+                <a:lnTo>
+                  <a:pt x="0" y="120000"/>
+                </a:lnTo>
+                <a:close/>
+              </a:path>
+            </a:pathLst>
+          </a:custGeom>
+        </p:spPr>
+      </p:sp>
+    </p:spTree>
+    <p:extLst>
+      <p:ext uri="{BB962C8B-B14F-4D97-AF65-F5344CB8AC3E}">
+        <p14:creationId xmlns:p14="http://schemas.microsoft.com/office/powerpoint/2010/main" val="3213621613"/>
+      </p:ext>
+    </p:extLst>
+  </p:cSld>
+  <p:clrMapOvr>
+    <a:masterClrMapping/>
+  </p:clrMapOvr>
+</p:notes>
+</file>
+
+<file path=ppt/notesSlides/notesSlide2.xml><?xml version="1.0" encoding="utf-8"?>
+<p:notes xmlns:a="http://schemas.openxmlformats.org/drawingml/2006/main" xmlns:r="http://schemas.openxmlformats.org/officeDocument/2006/relationships" xmlns:p="http://schemas.openxmlformats.org/presentationml/2006/main" showMasterSp="0" showMasterPhAnim="0">
+  <p:cSld>
+    <p:spTree>
+      <p:nvGrpSpPr>
+        <p:cNvPr id="1" name="Shape 107"/>
+        <p:cNvGrpSpPr/>
+        <p:nvPr/>
+      </p:nvGrpSpPr>
+      <p:grpSpPr>
+        <a:xfrm>
+          <a:off x="0" y="0"/>
+          <a:ext cx="0" cy="0"/>
+          <a:chOff x="0" y="0"/>
+          <a:chExt cx="0" cy="0"/>
+        </a:xfrm>
+      </p:grpSpPr>
+      <p:sp>
+        <p:nvSpPr>
+          <p:cNvPr id="108" name="Shape 108"/>
+          <p:cNvSpPr txBox="1">
+            <a:spLocks noGrp="1"/>
+          </p:cNvSpPr>
+          <p:nvPr>
+            <p:ph type="body" idx="1"/>
+          </p:nvPr>
+        </p:nvSpPr>
+        <p:spPr>
+          <a:xfrm>
+            <a:off x="701993" y="4420315"/>
+            <a:ext cx="5616000" cy="4187700"/>
+          </a:xfrm>
+          <a:prstGeom prst="rect">
+            <a:avLst/>
+          </a:prstGeom>
+        </p:spPr>
+        <p:txBody>
+          <a:bodyPr spcFirstLastPara="1" wrap="square" lIns="91425" tIns="91425" rIns="91425" bIns="91425" anchor="t" anchorCtr="0">
+            <a:noAutofit/>
+          </a:bodyPr>
+          <a:lstStyle/>
+          <a:p>
+            <a:pPr marL="0" lvl="0" indent="0" rtl="0">
+              <a:spcBef>
+                <a:spcPts val="0"/>
+              </a:spcBef>
+              <a:spcAft>
+                <a:spcPts val="0"/>
+              </a:spcAft>
+              <a:buNone/>
+            </a:pPr>
+            <a:endParaRPr/>
+          </a:p>
+        </p:txBody>
+      </p:sp>
+      <p:sp>
+        <p:nvSpPr>
+          <p:cNvPr id="109" name="Shape 109"/>
           <p:cNvSpPr>
             <a:spLocks noGrp="1" noRot="1" noChangeAspect="1"/>
           </p:cNvSpPr>
@@ -2856,7 +2859,7 @@
     </p:spTree>
     <p:extLst>
       <p:ext uri="{BB962C8B-B14F-4D97-AF65-F5344CB8AC3E}">
-        <p14:creationId xmlns:p14="http://schemas.microsoft.com/office/powerpoint/2010/main" val="4087464597"/>
+        <p14:creationId xmlns:p14="http://schemas.microsoft.com/office/powerpoint/2010/main" val="3330445754"/>
       </p:ext>
     </p:extLst>
   </p:cSld>
@@ -2965,7 +2968,7 @@
     </p:spTree>
     <p:extLst>
       <p:ext uri="{BB962C8B-B14F-4D97-AF65-F5344CB8AC3E}">
-        <p14:creationId xmlns:p14="http://schemas.microsoft.com/office/powerpoint/2010/main" val="3900098174"/>
+        <p14:creationId xmlns:p14="http://schemas.microsoft.com/office/powerpoint/2010/main" val="3484742576"/>
       </p:ext>
     </p:extLst>
   </p:cSld>
@@ -2976,224 +2979,6 @@
 </file>
 
 <file path=ppt/notesSlides/notesSlide22.xml><?xml version="1.0" encoding="utf-8"?>
-<p:notes xmlns:a="http://schemas.openxmlformats.org/drawingml/2006/main" xmlns:r="http://schemas.openxmlformats.org/officeDocument/2006/relationships" xmlns:p="http://schemas.openxmlformats.org/presentationml/2006/main" showMasterSp="0" showMasterPhAnim="0">
-  <p:cSld>
-    <p:spTree>
-      <p:nvGrpSpPr>
-        <p:cNvPr id="1" name="Shape 126"/>
-        <p:cNvGrpSpPr/>
-        <p:nvPr/>
-      </p:nvGrpSpPr>
-      <p:grpSpPr>
-        <a:xfrm>
-          <a:off x="0" y="0"/>
-          <a:ext cx="0" cy="0"/>
-          <a:chOff x="0" y="0"/>
-          <a:chExt cx="0" cy="0"/>
-        </a:xfrm>
-      </p:grpSpPr>
-      <p:sp>
-        <p:nvSpPr>
-          <p:cNvPr id="127" name="Shape 127"/>
-          <p:cNvSpPr txBox="1">
-            <a:spLocks noGrp="1"/>
-          </p:cNvSpPr>
-          <p:nvPr>
-            <p:ph type="body" idx="1"/>
-          </p:nvPr>
-        </p:nvSpPr>
-        <p:spPr>
-          <a:xfrm>
-            <a:off x="701993" y="4420315"/>
-            <a:ext cx="5616000" cy="4187700"/>
-          </a:xfrm>
-          <a:prstGeom prst="rect">
-            <a:avLst/>
-          </a:prstGeom>
-        </p:spPr>
-        <p:txBody>
-          <a:bodyPr spcFirstLastPara="1" wrap="square" lIns="91425" tIns="91425" rIns="91425" bIns="91425" anchor="t" anchorCtr="0">
-            <a:noAutofit/>
-          </a:bodyPr>
-          <a:lstStyle/>
-          <a:p>
-            <a:pPr marL="0" lvl="0" indent="0" rtl="0">
-              <a:spcBef>
-                <a:spcPts val="0"/>
-              </a:spcBef>
-              <a:spcAft>
-                <a:spcPts val="0"/>
-              </a:spcAft>
-              <a:buNone/>
-            </a:pPr>
-            <a:endParaRPr/>
-          </a:p>
-        </p:txBody>
-      </p:sp>
-      <p:sp>
-        <p:nvSpPr>
-          <p:cNvPr id="128" name="Shape 128"/>
-          <p:cNvSpPr>
-            <a:spLocks noGrp="1" noRot="1" noChangeAspect="1"/>
-          </p:cNvSpPr>
-          <p:nvPr>
-            <p:ph type="sldImg" idx="2"/>
-          </p:nvPr>
-        </p:nvSpPr>
-        <p:spPr>
-          <a:xfrm>
-            <a:off x="409575" y="698500"/>
-            <a:ext cx="6200775" cy="3489325"/>
-          </a:xfrm>
-          <a:custGeom>
-            <a:avLst/>
-            <a:gdLst/>
-            <a:ahLst/>
-            <a:cxnLst/>
-            <a:rect l="0" t="0" r="0" b="0"/>
-            <a:pathLst>
-              <a:path w="120000" h="120000" extrusionOk="0">
-                <a:moveTo>
-                  <a:pt x="0" y="0"/>
-                </a:moveTo>
-                <a:lnTo>
-                  <a:pt x="120000" y="0"/>
-                </a:lnTo>
-                <a:lnTo>
-                  <a:pt x="120000" y="120000"/>
-                </a:lnTo>
-                <a:lnTo>
-                  <a:pt x="0" y="120000"/>
-                </a:lnTo>
-                <a:close/>
-              </a:path>
-            </a:pathLst>
-          </a:custGeom>
-        </p:spPr>
-      </p:sp>
-    </p:spTree>
-    <p:extLst>
-      <p:ext uri="{BB962C8B-B14F-4D97-AF65-F5344CB8AC3E}">
-        <p14:creationId xmlns:p14="http://schemas.microsoft.com/office/powerpoint/2010/main" val="3213621613"/>
-      </p:ext>
-    </p:extLst>
-  </p:cSld>
-  <p:clrMapOvr>
-    <a:masterClrMapping/>
-  </p:clrMapOvr>
-</p:notes>
-</file>
-
-<file path=ppt/notesSlides/notesSlide23.xml><?xml version="1.0" encoding="utf-8"?>
-<p:notes xmlns:a="http://schemas.openxmlformats.org/drawingml/2006/main" xmlns:r="http://schemas.openxmlformats.org/officeDocument/2006/relationships" xmlns:p="http://schemas.openxmlformats.org/presentationml/2006/main" showMasterSp="0" showMasterPhAnim="0">
-  <p:cSld>
-    <p:spTree>
-      <p:nvGrpSpPr>
-        <p:cNvPr id="1" name="Shape 126"/>
-        <p:cNvGrpSpPr/>
-        <p:nvPr/>
-      </p:nvGrpSpPr>
-      <p:grpSpPr>
-        <a:xfrm>
-          <a:off x="0" y="0"/>
-          <a:ext cx="0" cy="0"/>
-          <a:chOff x="0" y="0"/>
-          <a:chExt cx="0" cy="0"/>
-        </a:xfrm>
-      </p:grpSpPr>
-      <p:sp>
-        <p:nvSpPr>
-          <p:cNvPr id="127" name="Shape 127"/>
-          <p:cNvSpPr txBox="1">
-            <a:spLocks noGrp="1"/>
-          </p:cNvSpPr>
-          <p:nvPr>
-            <p:ph type="body" idx="1"/>
-          </p:nvPr>
-        </p:nvSpPr>
-        <p:spPr>
-          <a:xfrm>
-            <a:off x="701993" y="4420315"/>
-            <a:ext cx="5616000" cy="4187700"/>
-          </a:xfrm>
-          <a:prstGeom prst="rect">
-            <a:avLst/>
-          </a:prstGeom>
-        </p:spPr>
-        <p:txBody>
-          <a:bodyPr spcFirstLastPara="1" wrap="square" lIns="91425" tIns="91425" rIns="91425" bIns="91425" anchor="t" anchorCtr="0">
-            <a:noAutofit/>
-          </a:bodyPr>
-          <a:lstStyle/>
-          <a:p>
-            <a:pPr marL="0" lvl="0" indent="0" rtl="0">
-              <a:spcBef>
-                <a:spcPts val="0"/>
-              </a:spcBef>
-              <a:spcAft>
-                <a:spcPts val="0"/>
-              </a:spcAft>
-              <a:buNone/>
-            </a:pPr>
-            <a:endParaRPr/>
-          </a:p>
-        </p:txBody>
-      </p:sp>
-      <p:sp>
-        <p:nvSpPr>
-          <p:cNvPr id="128" name="Shape 128"/>
-          <p:cNvSpPr>
-            <a:spLocks noGrp="1" noRot="1" noChangeAspect="1"/>
-          </p:cNvSpPr>
-          <p:nvPr>
-            <p:ph type="sldImg" idx="2"/>
-          </p:nvPr>
-        </p:nvSpPr>
-        <p:spPr>
-          <a:xfrm>
-            <a:off x="409575" y="698500"/>
-            <a:ext cx="6200775" cy="3489325"/>
-          </a:xfrm>
-          <a:custGeom>
-            <a:avLst/>
-            <a:gdLst/>
-            <a:ahLst/>
-            <a:cxnLst/>
-            <a:rect l="0" t="0" r="0" b="0"/>
-            <a:pathLst>
-              <a:path w="120000" h="120000" extrusionOk="0">
-                <a:moveTo>
-                  <a:pt x="0" y="0"/>
-                </a:moveTo>
-                <a:lnTo>
-                  <a:pt x="120000" y="0"/>
-                </a:lnTo>
-                <a:lnTo>
-                  <a:pt x="120000" y="120000"/>
-                </a:lnTo>
-                <a:lnTo>
-                  <a:pt x="0" y="120000"/>
-                </a:lnTo>
-                <a:close/>
-              </a:path>
-            </a:pathLst>
-          </a:custGeom>
-        </p:spPr>
-      </p:sp>
-    </p:spTree>
-    <p:extLst>
-      <p:ext uri="{BB962C8B-B14F-4D97-AF65-F5344CB8AC3E}">
-        <p14:creationId xmlns:p14="http://schemas.microsoft.com/office/powerpoint/2010/main" val="3330445754"/>
-      </p:ext>
-    </p:extLst>
-  </p:cSld>
-  <p:clrMapOvr>
-    <a:masterClrMapping/>
-  </p:clrMapOvr>
-</p:notes>
-</file>
-
-<file path=ppt/notesSlides/notesSlide24.xml><?xml version="1.0" encoding="utf-8"?>
 <p:notes xmlns:a="http://schemas.openxmlformats.org/drawingml/2006/main" xmlns:r="http://schemas.openxmlformats.org/officeDocument/2006/relationships" xmlns:p="http://schemas.openxmlformats.org/presentationml/2006/main" showMasterSp="0" showMasterPhAnim="0">
   <p:cSld>
     <p:spTree>
@@ -3302,7 +3087,7 @@
 </p:notes>
 </file>
 
-<file path=ppt/notesSlides/notesSlide25.xml><?xml version="1.0" encoding="utf-8"?>
+<file path=ppt/notesSlides/notesSlide23.xml><?xml version="1.0" encoding="utf-8"?>
 <p:notes xmlns:a="http://schemas.openxmlformats.org/drawingml/2006/main" xmlns:r="http://schemas.openxmlformats.org/officeDocument/2006/relationships" xmlns:p="http://schemas.openxmlformats.org/presentationml/2006/main" showMasterSp="0" showMasterPhAnim="0">
   <p:cSld>
     <p:spTree>
@@ -3411,7 +3196,7 @@
 </p:notes>
 </file>
 
-<file path=ppt/notesSlides/notesSlide26.xml><?xml version="1.0" encoding="utf-8"?>
+<file path=ppt/notesSlides/notesSlide24.xml><?xml version="1.0" encoding="utf-8"?>
 <p:notes xmlns:a="http://schemas.openxmlformats.org/drawingml/2006/main" xmlns:r="http://schemas.openxmlformats.org/officeDocument/2006/relationships" xmlns:p="http://schemas.openxmlformats.org/presentationml/2006/main" showMasterSp="0" showMasterPhAnim="0">
   <p:cSld>
     <p:spTree>
@@ -3520,7 +3305,7 @@
 </p:notes>
 </file>
 
-<file path=ppt/notesSlides/notesSlide27.xml><?xml version="1.0" encoding="utf-8"?>
+<file path=ppt/notesSlides/notesSlide25.xml><?xml version="1.0" encoding="utf-8"?>
 <p:notes xmlns:a="http://schemas.openxmlformats.org/drawingml/2006/main" xmlns:r="http://schemas.openxmlformats.org/officeDocument/2006/relationships" xmlns:p="http://schemas.openxmlformats.org/presentationml/2006/main" showMasterSp="0" showMasterPhAnim="0">
   <p:cSld>
     <p:spTree>
@@ -3629,7 +3414,7 @@
 </p:notes>
 </file>
 
-<file path=ppt/notesSlides/notesSlide28.xml><?xml version="1.0" encoding="utf-8"?>
+<file path=ppt/notesSlides/notesSlide26.xml><?xml version="1.0" encoding="utf-8"?>
 <p:notes xmlns:a="http://schemas.openxmlformats.org/drawingml/2006/main" xmlns:r="http://schemas.openxmlformats.org/officeDocument/2006/relationships" xmlns:p="http://schemas.openxmlformats.org/presentationml/2006/main" showMasterSp="0" showMasterPhAnim="0">
   <p:cSld>
     <p:spTree>
@@ -3738,7 +3523,7 @@
 </p:notes>
 </file>
 
-<file path=ppt/notesSlides/notesSlide29.xml><?xml version="1.0" encoding="utf-8"?>
+<file path=ppt/notesSlides/notesSlide27.xml><?xml version="1.0" encoding="utf-8"?>
 <p:notes xmlns:a="http://schemas.openxmlformats.org/drawingml/2006/main" xmlns:r="http://schemas.openxmlformats.org/officeDocument/2006/relationships" xmlns:p="http://schemas.openxmlformats.org/presentationml/2006/main" showMasterSp="0" showMasterPhAnim="0">
   <p:cSld>
     <p:spTree>
@@ -3847,111 +3632,7 @@
 </p:notes>
 </file>
 
-<file path=ppt/notesSlides/notesSlide3.xml><?xml version="1.0" encoding="utf-8"?>
-<p:notes xmlns:a="http://schemas.openxmlformats.org/drawingml/2006/main" xmlns:r="http://schemas.openxmlformats.org/officeDocument/2006/relationships" xmlns:p="http://schemas.openxmlformats.org/presentationml/2006/main" showMasterSp="0" showMasterPhAnim="0">
-  <p:cSld>
-    <p:spTree>
-      <p:nvGrpSpPr>
-        <p:cNvPr id="1" name="Shape 107"/>
-        <p:cNvGrpSpPr/>
-        <p:nvPr/>
-      </p:nvGrpSpPr>
-      <p:grpSpPr>
-        <a:xfrm>
-          <a:off x="0" y="0"/>
-          <a:ext cx="0" cy="0"/>
-          <a:chOff x="0" y="0"/>
-          <a:chExt cx="0" cy="0"/>
-        </a:xfrm>
-      </p:grpSpPr>
-      <p:sp>
-        <p:nvSpPr>
-          <p:cNvPr id="108" name="Shape 108"/>
-          <p:cNvSpPr txBox="1">
-            <a:spLocks noGrp="1"/>
-          </p:cNvSpPr>
-          <p:nvPr>
-            <p:ph type="body" idx="1"/>
-          </p:nvPr>
-        </p:nvSpPr>
-        <p:spPr>
-          <a:xfrm>
-            <a:off x="701993" y="4420315"/>
-            <a:ext cx="5616000" cy="4187700"/>
-          </a:xfrm>
-          <a:prstGeom prst="rect">
-            <a:avLst/>
-          </a:prstGeom>
-        </p:spPr>
-        <p:txBody>
-          <a:bodyPr spcFirstLastPara="1" wrap="square" lIns="91425" tIns="91425" rIns="91425" bIns="91425" anchor="t" anchorCtr="0">
-            <a:noAutofit/>
-          </a:bodyPr>
-          <a:lstStyle/>
-          <a:p>
-            <a:pPr marL="0" lvl="0" indent="0" rtl="0">
-              <a:spcBef>
-                <a:spcPts val="0"/>
-              </a:spcBef>
-              <a:spcAft>
-                <a:spcPts val="0"/>
-              </a:spcAft>
-              <a:buNone/>
-            </a:pPr>
-            <a:endParaRPr/>
-          </a:p>
-        </p:txBody>
-      </p:sp>
-      <p:sp>
-        <p:nvSpPr>
-          <p:cNvPr id="109" name="Shape 109"/>
-          <p:cNvSpPr>
-            <a:spLocks noGrp="1" noRot="1" noChangeAspect="1"/>
-          </p:cNvSpPr>
-          <p:nvPr>
-            <p:ph type="sldImg" idx="2"/>
-          </p:nvPr>
-        </p:nvSpPr>
-        <p:spPr>
-          <a:xfrm>
-            <a:off x="409575" y="698500"/>
-            <a:ext cx="6200775" cy="3489325"/>
-          </a:xfrm>
-          <a:custGeom>
-            <a:avLst/>
-            <a:gdLst/>
-            <a:ahLst/>
-            <a:cxnLst/>
-            <a:rect l="0" t="0" r="0" b="0"/>
-            <a:pathLst>
-              <a:path w="120000" h="120000" extrusionOk="0">
-                <a:moveTo>
-                  <a:pt x="0" y="0"/>
-                </a:moveTo>
-                <a:lnTo>
-                  <a:pt x="120000" y="0"/>
-                </a:lnTo>
-                <a:lnTo>
-                  <a:pt x="120000" y="120000"/>
-                </a:lnTo>
-                <a:lnTo>
-                  <a:pt x="0" y="120000"/>
-                </a:lnTo>
-                <a:close/>
-              </a:path>
-            </a:pathLst>
-          </a:custGeom>
-        </p:spPr>
-      </p:sp>
-    </p:spTree>
-  </p:cSld>
-  <p:clrMapOvr>
-    <a:masterClrMapping/>
-  </p:clrMapOvr>
-</p:notes>
-</file>
-
-<file path=ppt/notesSlides/notesSlide30.xml><?xml version="1.0" encoding="utf-8"?>
+<file path=ppt/notesSlides/notesSlide28.xml><?xml version="1.0" encoding="utf-8"?>
 <p:notes xmlns:a="http://schemas.openxmlformats.org/drawingml/2006/main" xmlns:r="http://schemas.openxmlformats.org/officeDocument/2006/relationships" xmlns:p="http://schemas.openxmlformats.org/presentationml/2006/main" showMasterSp="0" showMasterPhAnim="0">
   <p:cSld>
     <p:spTree>
@@ -4055,7 +3736,7 @@
 </p:notes>
 </file>
 
-<file path=ppt/notesSlides/notesSlide4.xml><?xml version="1.0" encoding="utf-8"?>
+<file path=ppt/notesSlides/notesSlide3.xml><?xml version="1.0" encoding="utf-8"?>
 <p:notes xmlns:a="http://schemas.openxmlformats.org/drawingml/2006/main" xmlns:r="http://schemas.openxmlformats.org/officeDocument/2006/relationships" xmlns:p="http://schemas.openxmlformats.org/presentationml/2006/main" showMasterSp="0" showMasterPhAnim="0">
   <p:cSld>
     <p:spTree>
@@ -4164,7 +3845,7 @@
 </p:notes>
 </file>
 
-<file path=ppt/notesSlides/notesSlide5.xml><?xml version="1.0" encoding="utf-8"?>
+<file path=ppt/notesSlides/notesSlide4.xml><?xml version="1.0" encoding="utf-8"?>
 <p:notes xmlns:a="http://schemas.openxmlformats.org/drawingml/2006/main" xmlns:r="http://schemas.openxmlformats.org/officeDocument/2006/relationships" xmlns:p="http://schemas.openxmlformats.org/presentationml/2006/main" showMasterSp="0" showMasterPhAnim="0">
   <p:cSld>
     <p:spTree>
@@ -4273,7 +3954,7 @@
 </p:notes>
 </file>
 
-<file path=ppt/notesSlides/notesSlide6.xml><?xml version="1.0" encoding="utf-8"?>
+<file path=ppt/notesSlides/notesSlide5.xml><?xml version="1.0" encoding="utf-8"?>
 <p:notes xmlns:a="http://schemas.openxmlformats.org/drawingml/2006/main" xmlns:r="http://schemas.openxmlformats.org/officeDocument/2006/relationships" xmlns:p="http://schemas.openxmlformats.org/presentationml/2006/main" showMasterSp="0" showMasterPhAnim="0">
   <p:cSld>
     <p:spTree>
@@ -4377,7 +4058,7 @@
 </p:notes>
 </file>
 
-<file path=ppt/notesSlides/notesSlide7.xml><?xml version="1.0" encoding="utf-8"?>
+<file path=ppt/notesSlides/notesSlide6.xml><?xml version="1.0" encoding="utf-8"?>
 <p:notes xmlns:a="http://schemas.openxmlformats.org/drawingml/2006/main" xmlns:r="http://schemas.openxmlformats.org/officeDocument/2006/relationships" xmlns:p="http://schemas.openxmlformats.org/presentationml/2006/main" showMasterSp="0" showMasterPhAnim="0">
   <p:cSld>
     <p:spTree>
@@ -4486,7 +4167,7 @@
 </p:notes>
 </file>
 
-<file path=ppt/notesSlides/notesSlide8.xml><?xml version="1.0" encoding="utf-8"?>
+<file path=ppt/notesSlides/notesSlide7.xml><?xml version="1.0" encoding="utf-8"?>
 <p:notes xmlns:a="http://schemas.openxmlformats.org/drawingml/2006/main" xmlns:r="http://schemas.openxmlformats.org/officeDocument/2006/relationships" xmlns:p="http://schemas.openxmlformats.org/presentationml/2006/main" showMasterSp="0" showMasterPhAnim="0">
   <p:cSld>
     <p:spTree>
@@ -4595,7 +4276,7 @@
 </p:notes>
 </file>
 
-<file path=ppt/notesSlides/notesSlide9.xml><?xml version="1.0" encoding="utf-8"?>
+<file path=ppt/notesSlides/notesSlide8.xml><?xml version="1.0" encoding="utf-8"?>
 <p:notes xmlns:a="http://schemas.openxmlformats.org/drawingml/2006/main" xmlns:r="http://schemas.openxmlformats.org/officeDocument/2006/relationships" xmlns:p="http://schemas.openxmlformats.org/presentationml/2006/main" showMasterSp="0" showMasterPhAnim="0">
   <p:cSld>
     <p:spTree>
@@ -4697,6 +4378,110 @@
         <p14:creationId xmlns:p14="http://schemas.microsoft.com/office/powerpoint/2010/main" val="1328132930"/>
       </p:ext>
     </p:extLst>
+  </p:cSld>
+  <p:clrMapOvr>
+    <a:masterClrMapping/>
+  </p:clrMapOvr>
+</p:notes>
+</file>
+
+<file path=ppt/notesSlides/notesSlide9.xml><?xml version="1.0" encoding="utf-8"?>
+<p:notes xmlns:a="http://schemas.openxmlformats.org/drawingml/2006/main" xmlns:r="http://schemas.openxmlformats.org/officeDocument/2006/relationships" xmlns:p="http://schemas.openxmlformats.org/presentationml/2006/main" showMasterSp="0" showMasterPhAnim="0">
+  <p:cSld>
+    <p:spTree>
+      <p:nvGrpSpPr>
+        <p:cNvPr id="1" name="Shape 126"/>
+        <p:cNvGrpSpPr/>
+        <p:nvPr/>
+      </p:nvGrpSpPr>
+      <p:grpSpPr>
+        <a:xfrm>
+          <a:off x="0" y="0"/>
+          <a:ext cx="0" cy="0"/>
+          <a:chOff x="0" y="0"/>
+          <a:chExt cx="0" cy="0"/>
+        </a:xfrm>
+      </p:grpSpPr>
+      <p:sp>
+        <p:nvSpPr>
+          <p:cNvPr id="127" name="Shape 127"/>
+          <p:cNvSpPr txBox="1">
+            <a:spLocks noGrp="1"/>
+          </p:cNvSpPr>
+          <p:nvPr>
+            <p:ph type="body" idx="1"/>
+          </p:nvPr>
+        </p:nvSpPr>
+        <p:spPr>
+          <a:xfrm>
+            <a:off x="701993" y="4420315"/>
+            <a:ext cx="5616000" cy="4187700"/>
+          </a:xfrm>
+          <a:prstGeom prst="rect">
+            <a:avLst/>
+          </a:prstGeom>
+        </p:spPr>
+        <p:txBody>
+          <a:bodyPr spcFirstLastPara="1" wrap="square" lIns="91425" tIns="91425" rIns="91425" bIns="91425" anchor="t" anchorCtr="0">
+            <a:noAutofit/>
+          </a:bodyPr>
+          <a:lstStyle/>
+          <a:p>
+            <a:pPr marL="0" lvl="0" indent="0" rtl="0">
+              <a:spcBef>
+                <a:spcPts val="0"/>
+              </a:spcBef>
+              <a:spcAft>
+                <a:spcPts val="0"/>
+              </a:spcAft>
+              <a:buNone/>
+            </a:pPr>
+            <a:endParaRPr/>
+          </a:p>
+        </p:txBody>
+      </p:sp>
+      <p:sp>
+        <p:nvSpPr>
+          <p:cNvPr id="128" name="Shape 128"/>
+          <p:cNvSpPr>
+            <a:spLocks noGrp="1" noRot="1" noChangeAspect="1"/>
+          </p:cNvSpPr>
+          <p:nvPr>
+            <p:ph type="sldImg" idx="2"/>
+          </p:nvPr>
+        </p:nvSpPr>
+        <p:spPr>
+          <a:xfrm>
+            <a:off x="409575" y="698500"/>
+            <a:ext cx="6200775" cy="3489325"/>
+          </a:xfrm>
+          <a:custGeom>
+            <a:avLst/>
+            <a:gdLst/>
+            <a:ahLst/>
+            <a:cxnLst/>
+            <a:rect l="0" t="0" r="0" b="0"/>
+            <a:pathLst>
+              <a:path w="120000" h="120000" extrusionOk="0">
+                <a:moveTo>
+                  <a:pt x="0" y="0"/>
+                </a:moveTo>
+                <a:lnTo>
+                  <a:pt x="120000" y="0"/>
+                </a:lnTo>
+                <a:lnTo>
+                  <a:pt x="120000" y="120000"/>
+                </a:lnTo>
+                <a:lnTo>
+                  <a:pt x="0" y="120000"/>
+                </a:lnTo>
+                <a:close/>
+              </a:path>
+            </a:pathLst>
+          </a:custGeom>
+        </p:spPr>
+      </p:sp>
+    </p:spTree>
   </p:cSld>
   <p:clrMapOvr>
     <a:masterClrMapping/>
@@ -17650,568 +17435,6 @@
           </a:bodyPr>
           <a:lstStyle/>
           <a:p>
-            <a:pPr marL="0" marR="0" lvl="0" indent="0" algn="ctr" rtl="0">
-              <a:spcBef>
-                <a:spcPts val="0"/>
-              </a:spcBef>
-              <a:spcAft>
-                <a:spcPts val="0"/>
-              </a:spcAft>
-              <a:buClr>
-                <a:srgbClr val="09347A"/>
-              </a:buClr>
-              <a:buSzPts val="3600"/>
-              <a:buFont typeface="Verdana"/>
-              <a:buNone/>
-            </a:pPr>
-            <a:r>
-              <a:rPr lang="en-US" sz="3000" dirty="0"/>
-              <a:t>Motivation</a:t>
-            </a:r>
-            <a:endParaRPr sz="3000" b="0" i="0" u="none" strike="noStrike" cap="none" dirty="0">
-              <a:solidFill>
-                <a:srgbClr val="09347A"/>
-              </a:solidFill>
-              <a:latin typeface="Verdana"/>
-              <a:ea typeface="Verdana"/>
-              <a:cs typeface="Verdana"/>
-              <a:sym typeface="Verdana"/>
-            </a:endParaRPr>
-          </a:p>
-        </p:txBody>
-      </p:sp>
-      <p:sp>
-        <p:nvSpPr>
-          <p:cNvPr id="131" name="Shape 131"/>
-          <p:cNvSpPr txBox="1">
-            <a:spLocks noGrp="1"/>
-          </p:cNvSpPr>
-          <p:nvPr>
-            <p:ph type="body" idx="1"/>
-          </p:nvPr>
-        </p:nvSpPr>
-        <p:spPr>
-          <a:xfrm>
-            <a:off x="457200" y="1200151"/>
-            <a:ext cx="8229600" cy="3394500"/>
-          </a:xfrm>
-          <a:prstGeom prst="rect">
-            <a:avLst/>
-          </a:prstGeom>
-          <a:noFill/>
-          <a:ln>
-            <a:noFill/>
-          </a:ln>
-        </p:spPr>
-        <p:txBody>
-          <a:bodyPr spcFirstLastPara="1" wrap="square" lIns="91425" tIns="45700" rIns="91425" bIns="45700" anchor="t" anchorCtr="0">
-            <a:noAutofit/>
-          </a:bodyPr>
-          <a:lstStyle/>
-          <a:p>
-            <a:pPr marR="0" lvl="0" indent="-457200" algn="l" rtl="0">
-              <a:spcBef>
-                <a:spcPts val="0"/>
-              </a:spcBef>
-              <a:spcAft>
-                <a:spcPts val="0"/>
-              </a:spcAft>
-              <a:buSzPct val="100000"/>
-              <a:buFont typeface="+mj-lt"/>
-              <a:buAutoNum type="arabicPeriod"/>
-            </a:pPr>
-            <a:r>
-              <a:rPr lang="en-US" sz="2400" dirty="0">
-                <a:latin typeface="Times New Roman"/>
-                <a:ea typeface="Times New Roman"/>
-                <a:cs typeface="Times New Roman"/>
-                <a:sym typeface="Times New Roman"/>
-              </a:rPr>
-              <a:t>Virtualized Filesystem</a:t>
-            </a:r>
-          </a:p>
-          <a:p>
-            <a:pPr lvl="1" indent="-457200">
-              <a:spcBef>
-                <a:spcPts val="0"/>
-              </a:spcBef>
-            </a:pPr>
-            <a:r>
-              <a:rPr lang="en-US" sz="2000" dirty="0" err="1">
-                <a:latin typeface="Times New Roman"/>
-                <a:ea typeface="Times New Roman"/>
-                <a:cs typeface="Times New Roman"/>
-                <a:sym typeface="Times New Roman"/>
-              </a:rPr>
-              <a:t>IceFS</a:t>
-            </a:r>
-            <a:r>
-              <a:rPr lang="en-US" sz="2000" dirty="0">
-                <a:latin typeface="Times New Roman"/>
-                <a:ea typeface="Times New Roman"/>
-                <a:cs typeface="Times New Roman"/>
-                <a:sym typeface="Times New Roman"/>
-              </a:rPr>
-              <a:t> as host file system for VMware environment</a:t>
-            </a:r>
-          </a:p>
-          <a:p>
-            <a:pPr marR="0" lvl="0" indent="-457200" algn="l" rtl="0">
-              <a:spcBef>
-                <a:spcPts val="0"/>
-              </a:spcBef>
-              <a:spcAft>
-                <a:spcPts val="0"/>
-              </a:spcAft>
-              <a:buFont typeface="+mj-lt"/>
-              <a:buAutoNum type="arabicPeriod"/>
-            </a:pPr>
-            <a:endParaRPr lang="en-US" sz="2400" dirty="0">
-              <a:latin typeface="Times New Roman"/>
-              <a:ea typeface="Times New Roman"/>
-              <a:cs typeface="Times New Roman"/>
-              <a:sym typeface="Times New Roman"/>
-            </a:endParaRPr>
-          </a:p>
-          <a:p>
-            <a:pPr marR="0" lvl="0" indent="-457200" algn="l" rtl="0">
-              <a:spcBef>
-                <a:spcPts val="0"/>
-              </a:spcBef>
-              <a:spcAft>
-                <a:spcPts val="0"/>
-              </a:spcAft>
-              <a:buFont typeface="+mj-lt"/>
-              <a:buAutoNum type="arabicPeriod"/>
-            </a:pPr>
-            <a:endParaRPr lang="en-US" sz="2400" dirty="0">
-              <a:latin typeface="Times New Roman"/>
-              <a:ea typeface="Times New Roman"/>
-              <a:cs typeface="Times New Roman"/>
-              <a:sym typeface="Times New Roman"/>
-            </a:endParaRPr>
-          </a:p>
-          <a:p>
-            <a:pPr marR="0" lvl="0" indent="-457200" algn="l" rtl="0">
-              <a:spcBef>
-                <a:spcPts val="0"/>
-              </a:spcBef>
-              <a:spcAft>
-                <a:spcPts val="0"/>
-              </a:spcAft>
-              <a:buSzPct val="100000"/>
-              <a:buFont typeface="+mj-lt"/>
-              <a:buAutoNum type="arabicPeriod"/>
-            </a:pPr>
-            <a:r>
-              <a:rPr lang="en-US" sz="2400" dirty="0">
-                <a:latin typeface="Times New Roman"/>
-                <a:ea typeface="Times New Roman"/>
-                <a:cs typeface="Times New Roman"/>
-                <a:sym typeface="Times New Roman"/>
-              </a:rPr>
-              <a:t>Distributed Filesystem</a:t>
-            </a:r>
-          </a:p>
-          <a:p>
-            <a:pPr lvl="1" indent="-457200">
-              <a:spcBef>
-                <a:spcPts val="0"/>
-              </a:spcBef>
-            </a:pPr>
-            <a:r>
-              <a:rPr lang="en-US" sz="2000" dirty="0" err="1">
-                <a:latin typeface="Times New Roman"/>
-                <a:ea typeface="Times New Roman"/>
-                <a:cs typeface="Times New Roman"/>
-                <a:sym typeface="Times New Roman"/>
-              </a:rPr>
-              <a:t>IceFS</a:t>
-            </a:r>
-            <a:r>
-              <a:rPr lang="en-US" sz="2000" dirty="0">
-                <a:latin typeface="Times New Roman"/>
-                <a:ea typeface="Times New Roman"/>
-                <a:cs typeface="Times New Roman"/>
-                <a:sym typeface="Times New Roman"/>
-              </a:rPr>
-              <a:t> as underlying filesystem for HDFS</a:t>
-            </a:r>
-            <a:endParaRPr sz="2000" dirty="0">
-              <a:latin typeface="Times New Roman"/>
-              <a:ea typeface="Times New Roman"/>
-              <a:cs typeface="Times New Roman"/>
-              <a:sym typeface="Times New Roman"/>
-            </a:endParaRPr>
-          </a:p>
-        </p:txBody>
-      </p:sp>
-    </p:spTree>
-  </p:cSld>
-  <p:clrMapOvr>
-    <a:masterClrMapping/>
-  </p:clrMapOvr>
-</p:sld>
-</file>
-
-<file path=ppt/slides/slide11.xml><?xml version="1.0" encoding="utf-8"?>
-<p:sld xmlns:a="http://schemas.openxmlformats.org/drawingml/2006/main" xmlns:r="http://schemas.openxmlformats.org/officeDocument/2006/relationships" xmlns:p="http://schemas.openxmlformats.org/presentationml/2006/main">
-  <p:cSld>
-    <p:spTree>
-      <p:nvGrpSpPr>
-        <p:cNvPr id="1" name="Shape 129"/>
-        <p:cNvGrpSpPr/>
-        <p:nvPr/>
-      </p:nvGrpSpPr>
-      <p:grpSpPr>
-        <a:xfrm>
-          <a:off x="0" y="0"/>
-          <a:ext cx="0" cy="0"/>
-          <a:chOff x="0" y="0"/>
-          <a:chExt cx="0" cy="0"/>
-        </a:xfrm>
-      </p:grpSpPr>
-      <p:sp>
-        <p:nvSpPr>
-          <p:cNvPr id="130" name="Shape 130"/>
-          <p:cNvSpPr txBox="1">
-            <a:spLocks noGrp="1"/>
-          </p:cNvSpPr>
-          <p:nvPr>
-            <p:ph type="title"/>
-          </p:nvPr>
-        </p:nvSpPr>
-        <p:spPr>
-          <a:xfrm>
-            <a:off x="457200" y="628650"/>
-            <a:ext cx="8229600" cy="537000"/>
-          </a:xfrm>
-          <a:prstGeom prst="rect">
-            <a:avLst/>
-          </a:prstGeom>
-          <a:noFill/>
-          <a:ln>
-            <a:noFill/>
-          </a:ln>
-        </p:spPr>
-        <p:txBody>
-          <a:bodyPr spcFirstLastPara="1" wrap="square" lIns="91425" tIns="45700" rIns="91425" bIns="45700" anchor="ctr" anchorCtr="0">
-            <a:noAutofit/>
-          </a:bodyPr>
-          <a:lstStyle/>
-          <a:p>
-            <a:pPr lvl="0">
-              <a:buSzPts val="3600"/>
-            </a:pPr>
-            <a:r>
-              <a:rPr lang="en-US" sz="3000" dirty="0"/>
-              <a:t>Motivation</a:t>
-            </a:r>
-            <a:endParaRPr sz="3000" b="0" i="0" u="none" strike="noStrike" cap="none" dirty="0">
-              <a:solidFill>
-                <a:srgbClr val="09347A"/>
-              </a:solidFill>
-              <a:latin typeface="Verdana"/>
-              <a:ea typeface="Verdana"/>
-              <a:cs typeface="Verdana"/>
-              <a:sym typeface="Verdana"/>
-            </a:endParaRPr>
-          </a:p>
-        </p:txBody>
-      </p:sp>
-      <p:sp>
-        <p:nvSpPr>
-          <p:cNvPr id="131" name="Shape 131"/>
-          <p:cNvSpPr txBox="1">
-            <a:spLocks noGrp="1"/>
-          </p:cNvSpPr>
-          <p:nvPr>
-            <p:ph type="body" idx="1"/>
-          </p:nvPr>
-        </p:nvSpPr>
-        <p:spPr>
-          <a:xfrm>
-            <a:off x="457200" y="1200151"/>
-            <a:ext cx="8229600" cy="3394500"/>
-          </a:xfrm>
-          <a:prstGeom prst="rect">
-            <a:avLst/>
-          </a:prstGeom>
-          <a:noFill/>
-          <a:ln>
-            <a:noFill/>
-          </a:ln>
-        </p:spPr>
-        <p:txBody>
-          <a:bodyPr spcFirstLastPara="1" wrap="square" lIns="91425" tIns="45700" rIns="91425" bIns="45700" anchor="t" anchorCtr="0">
-            <a:noAutofit/>
-          </a:bodyPr>
-          <a:lstStyle/>
-          <a:p>
-            <a:pPr marL="0" marR="0" lvl="0" indent="0" algn="l" rtl="0">
-              <a:spcBef>
-                <a:spcPts val="0"/>
-              </a:spcBef>
-              <a:spcAft>
-                <a:spcPts val="0"/>
-              </a:spcAft>
-              <a:buSzPct val="100000"/>
-              <a:buNone/>
-            </a:pPr>
-            <a:endParaRPr sz="2000" dirty="0">
-              <a:latin typeface="Times New Roman"/>
-              <a:ea typeface="Times New Roman"/>
-              <a:cs typeface="Times New Roman"/>
-              <a:sym typeface="Times New Roman"/>
-            </a:endParaRPr>
-          </a:p>
-        </p:txBody>
-      </p:sp>
-      <p:pic>
-        <p:nvPicPr>
-          <p:cNvPr id="2" name="Picture 1">
-            <a:extLst>
-              <a:ext uri="{FF2B5EF4-FFF2-40B4-BE49-F238E27FC236}">
-                <a16:creationId xmlns:a16="http://schemas.microsoft.com/office/drawing/2014/main" id="{D85A82C7-2D1C-D94D-952F-E7695F88A4CD}"/>
-              </a:ext>
-            </a:extLst>
-          </p:cNvPr>
-          <p:cNvPicPr>
-            <a:picLocks noChangeAspect="1"/>
-          </p:cNvPicPr>
-          <p:nvPr/>
-        </p:nvPicPr>
-        <p:blipFill>
-          <a:blip r:embed="rId3"/>
-          <a:stretch>
-            <a:fillRect/>
-          </a:stretch>
-        </p:blipFill>
-        <p:spPr>
-          <a:xfrm>
-            <a:off x="2438400" y="1301752"/>
-            <a:ext cx="4267200" cy="3327400"/>
-          </a:xfrm>
-          <a:prstGeom prst="rect">
-            <a:avLst/>
-          </a:prstGeom>
-        </p:spPr>
-      </p:pic>
-    </p:spTree>
-    <p:extLst>
-      <p:ext uri="{BB962C8B-B14F-4D97-AF65-F5344CB8AC3E}">
-        <p14:creationId xmlns:p14="http://schemas.microsoft.com/office/powerpoint/2010/main" val="2699449514"/>
-      </p:ext>
-    </p:extLst>
-  </p:cSld>
-  <p:clrMapOvr>
-    <a:masterClrMapping/>
-  </p:clrMapOvr>
-</p:sld>
-</file>
-
-<file path=ppt/slides/slide12.xml><?xml version="1.0" encoding="utf-8"?>
-<p:sld xmlns:a="http://schemas.openxmlformats.org/drawingml/2006/main" xmlns:r="http://schemas.openxmlformats.org/officeDocument/2006/relationships" xmlns:p="http://schemas.openxmlformats.org/presentationml/2006/main">
-  <p:cSld>
-    <p:spTree>
-      <p:nvGrpSpPr>
-        <p:cNvPr id="1" name="Shape 129"/>
-        <p:cNvGrpSpPr/>
-        <p:nvPr/>
-      </p:nvGrpSpPr>
-      <p:grpSpPr>
-        <a:xfrm>
-          <a:off x="0" y="0"/>
-          <a:ext cx="0" cy="0"/>
-          <a:chOff x="0" y="0"/>
-          <a:chExt cx="0" cy="0"/>
-        </a:xfrm>
-      </p:grpSpPr>
-      <p:sp>
-        <p:nvSpPr>
-          <p:cNvPr id="130" name="Shape 130"/>
-          <p:cNvSpPr txBox="1">
-            <a:spLocks noGrp="1"/>
-          </p:cNvSpPr>
-          <p:nvPr>
-            <p:ph type="title"/>
-          </p:nvPr>
-        </p:nvSpPr>
-        <p:spPr>
-          <a:xfrm>
-            <a:off x="457200" y="628650"/>
-            <a:ext cx="8229600" cy="537000"/>
-          </a:xfrm>
-          <a:prstGeom prst="rect">
-            <a:avLst/>
-          </a:prstGeom>
-          <a:noFill/>
-          <a:ln>
-            <a:noFill/>
-          </a:ln>
-        </p:spPr>
-        <p:txBody>
-          <a:bodyPr spcFirstLastPara="1" wrap="square" lIns="91425" tIns="45700" rIns="91425" bIns="45700" anchor="ctr" anchorCtr="0">
-            <a:noAutofit/>
-          </a:bodyPr>
-          <a:lstStyle/>
-          <a:p>
-            <a:pPr lvl="0">
-              <a:buSzPts val="3600"/>
-            </a:pPr>
-            <a:r>
-              <a:rPr lang="en-US" sz="3000" dirty="0"/>
-              <a:t>Motivation</a:t>
-            </a:r>
-            <a:endParaRPr sz="3000" b="0" i="0" u="none" strike="noStrike" cap="none" dirty="0">
-              <a:solidFill>
-                <a:srgbClr val="09347A"/>
-              </a:solidFill>
-              <a:latin typeface="Verdana"/>
-              <a:ea typeface="Verdana"/>
-              <a:cs typeface="Verdana"/>
-              <a:sym typeface="Verdana"/>
-            </a:endParaRPr>
-          </a:p>
-        </p:txBody>
-      </p:sp>
-      <p:sp>
-        <p:nvSpPr>
-          <p:cNvPr id="131" name="Shape 131"/>
-          <p:cNvSpPr txBox="1">
-            <a:spLocks noGrp="1"/>
-          </p:cNvSpPr>
-          <p:nvPr>
-            <p:ph type="body" idx="1"/>
-          </p:nvPr>
-        </p:nvSpPr>
-        <p:spPr>
-          <a:xfrm>
-            <a:off x="457200" y="1200151"/>
-            <a:ext cx="8229600" cy="3394500"/>
-          </a:xfrm>
-          <a:prstGeom prst="rect">
-            <a:avLst/>
-          </a:prstGeom>
-          <a:noFill/>
-          <a:ln>
-            <a:noFill/>
-          </a:ln>
-        </p:spPr>
-        <p:txBody>
-          <a:bodyPr spcFirstLastPara="1" wrap="square" lIns="91425" tIns="45700" rIns="91425" bIns="45700" anchor="t" anchorCtr="0">
-            <a:noAutofit/>
-          </a:bodyPr>
-          <a:lstStyle/>
-          <a:p>
-            <a:pPr marL="0" marR="0" lvl="0" indent="0" algn="l" rtl="0">
-              <a:spcBef>
-                <a:spcPts val="0"/>
-              </a:spcBef>
-              <a:spcAft>
-                <a:spcPts val="0"/>
-              </a:spcAft>
-              <a:buSzPct val="100000"/>
-              <a:buNone/>
-            </a:pPr>
-            <a:endParaRPr sz="2000" dirty="0">
-              <a:latin typeface="Times New Roman"/>
-              <a:ea typeface="Times New Roman"/>
-              <a:cs typeface="Times New Roman"/>
-              <a:sym typeface="Times New Roman"/>
-            </a:endParaRPr>
-          </a:p>
-        </p:txBody>
-      </p:sp>
-      <p:pic>
-        <p:nvPicPr>
-          <p:cNvPr id="3" name="Picture 2">
-            <a:extLst>
-              <a:ext uri="{FF2B5EF4-FFF2-40B4-BE49-F238E27FC236}">
-                <a16:creationId xmlns:a16="http://schemas.microsoft.com/office/drawing/2014/main" id="{CF997F66-AFC4-4543-8D69-B005A336BBDD}"/>
-              </a:ext>
-            </a:extLst>
-          </p:cNvPr>
-          <p:cNvPicPr>
-            <a:picLocks noChangeAspect="1"/>
-          </p:cNvPicPr>
-          <p:nvPr/>
-        </p:nvPicPr>
-        <p:blipFill>
-          <a:blip r:embed="rId3"/>
-          <a:stretch>
-            <a:fillRect/>
-          </a:stretch>
-        </p:blipFill>
-        <p:spPr>
-          <a:xfrm>
-            <a:off x="2489200" y="1445051"/>
-            <a:ext cx="4165600" cy="3149600"/>
-          </a:xfrm>
-          <a:prstGeom prst="rect">
-            <a:avLst/>
-          </a:prstGeom>
-        </p:spPr>
-      </p:pic>
-    </p:spTree>
-    <p:extLst>
-      <p:ext uri="{BB962C8B-B14F-4D97-AF65-F5344CB8AC3E}">
-        <p14:creationId xmlns:p14="http://schemas.microsoft.com/office/powerpoint/2010/main" val="2565598042"/>
-      </p:ext>
-    </p:extLst>
-  </p:cSld>
-  <p:clrMapOvr>
-    <a:masterClrMapping/>
-  </p:clrMapOvr>
-</p:sld>
-</file>
-
-<file path=ppt/slides/slide13.xml><?xml version="1.0" encoding="utf-8"?>
-<p:sld xmlns:a="http://schemas.openxmlformats.org/drawingml/2006/main" xmlns:r="http://schemas.openxmlformats.org/officeDocument/2006/relationships" xmlns:p="http://schemas.openxmlformats.org/presentationml/2006/main">
-  <p:cSld>
-    <p:spTree>
-      <p:nvGrpSpPr>
-        <p:cNvPr id="1" name="Shape 129"/>
-        <p:cNvGrpSpPr/>
-        <p:nvPr/>
-      </p:nvGrpSpPr>
-      <p:grpSpPr>
-        <a:xfrm>
-          <a:off x="0" y="0"/>
-          <a:ext cx="0" cy="0"/>
-          <a:chOff x="0" y="0"/>
-          <a:chExt cx="0" cy="0"/>
-        </a:xfrm>
-      </p:grpSpPr>
-      <p:sp>
-        <p:nvSpPr>
-          <p:cNvPr id="130" name="Shape 130"/>
-          <p:cNvSpPr txBox="1">
-            <a:spLocks noGrp="1"/>
-          </p:cNvSpPr>
-          <p:nvPr>
-            <p:ph type="title"/>
-          </p:nvPr>
-        </p:nvSpPr>
-        <p:spPr>
-          <a:xfrm>
-            <a:off x="457200" y="628650"/>
-            <a:ext cx="8229600" cy="537000"/>
-          </a:xfrm>
-          <a:prstGeom prst="rect">
-            <a:avLst/>
-          </a:prstGeom>
-          <a:noFill/>
-          <a:ln>
-            <a:noFill/>
-          </a:ln>
-        </p:spPr>
-        <p:txBody>
-          <a:bodyPr spcFirstLastPara="1" wrap="square" lIns="91425" tIns="45700" rIns="91425" bIns="45700" anchor="ctr" anchorCtr="0">
-            <a:noAutofit/>
-          </a:bodyPr>
-          <a:lstStyle/>
-          <a:p>
             <a:pPr lvl="0">
               <a:buSzPts val="3600"/>
             </a:pPr>
@@ -18501,7 +17724,7 @@
 </p:sld>
 </file>
 
-<file path=ppt/slides/slide14.xml><?xml version="1.0" encoding="utf-8"?>
+<file path=ppt/slides/slide11.xml><?xml version="1.0" encoding="utf-8"?>
 <p:sld xmlns:a="http://schemas.openxmlformats.org/drawingml/2006/main" xmlns:r="http://schemas.openxmlformats.org/officeDocument/2006/relationships" xmlns:p="http://schemas.openxmlformats.org/presentationml/2006/main">
   <p:cSld>
     <p:spTree>
@@ -19155,7 +18378,7 @@
 </p:sld>
 </file>
 
-<file path=ppt/slides/slide15.xml><?xml version="1.0" encoding="utf-8"?>
+<file path=ppt/slides/slide12.xml><?xml version="1.0" encoding="utf-8"?>
 <p:sld xmlns:a="http://schemas.openxmlformats.org/drawingml/2006/main" xmlns:r="http://schemas.openxmlformats.org/officeDocument/2006/relationships" xmlns:p="http://schemas.openxmlformats.org/presentationml/2006/main">
   <p:cSld>
     <p:spTree>
@@ -19903,7 +19126,7 @@
 </p:sld>
 </file>
 
-<file path=ppt/slides/slide16.xml><?xml version="1.0" encoding="utf-8"?>
+<file path=ppt/slides/slide13.xml><?xml version="1.0" encoding="utf-8"?>
 <p:sld xmlns:a="http://schemas.openxmlformats.org/drawingml/2006/main" xmlns:r="http://schemas.openxmlformats.org/officeDocument/2006/relationships" xmlns:p="http://schemas.openxmlformats.org/presentationml/2006/main">
   <p:cSld>
     <p:spTree>
@@ -20500,7 +19723,7 @@
 </p:sld>
 </file>
 
-<file path=ppt/slides/slide17.xml><?xml version="1.0" encoding="utf-8"?>
+<file path=ppt/slides/slide14.xml><?xml version="1.0" encoding="utf-8"?>
 <p:sld xmlns:a="http://schemas.openxmlformats.org/drawingml/2006/main" xmlns:r="http://schemas.openxmlformats.org/officeDocument/2006/relationships" xmlns:p="http://schemas.openxmlformats.org/presentationml/2006/main">
   <p:cSld>
     <p:spTree>
@@ -21115,7 +20338,7 @@
 </p:sld>
 </file>
 
-<file path=ppt/slides/slide18.xml><?xml version="1.0" encoding="utf-8"?>
+<file path=ppt/slides/slide15.xml><?xml version="1.0" encoding="utf-8"?>
 <p:sld xmlns:a="http://schemas.openxmlformats.org/drawingml/2006/main" xmlns:r="http://schemas.openxmlformats.org/officeDocument/2006/relationships" xmlns:p="http://schemas.openxmlformats.org/presentationml/2006/main">
   <p:cSld>
     <p:spTree>
@@ -21379,7 +20602,7 @@
 </p:sld>
 </file>
 
-<file path=ppt/slides/slide19.xml><?xml version="1.0" encoding="utf-8"?>
+<file path=ppt/slides/slide16.xml><?xml version="1.0" encoding="utf-8"?>
 <p:sld xmlns:a="http://schemas.openxmlformats.org/drawingml/2006/main" xmlns:r="http://schemas.openxmlformats.org/officeDocument/2006/relationships" xmlns:p="http://schemas.openxmlformats.org/presentationml/2006/main">
   <p:cSld>
     <p:spTree>
@@ -21856,240 +21079,7 @@
 </p:sld>
 </file>
 
-<file path=ppt/slides/slide2.xml><?xml version="1.0" encoding="utf-8"?>
-<p:sld xmlns:a="http://schemas.openxmlformats.org/drawingml/2006/main" xmlns:r="http://schemas.openxmlformats.org/officeDocument/2006/relationships" xmlns:p="http://schemas.openxmlformats.org/presentationml/2006/main">
-  <p:cSld>
-    <p:spTree>
-      <p:nvGrpSpPr>
-        <p:cNvPr id="1" name="Shape 104"/>
-        <p:cNvGrpSpPr/>
-        <p:nvPr/>
-      </p:nvGrpSpPr>
-      <p:grpSpPr>
-        <a:xfrm>
-          <a:off x="0" y="0"/>
-          <a:ext cx="0" cy="0"/>
-          <a:chOff x="0" y="0"/>
-          <a:chExt cx="0" cy="0"/>
-        </a:xfrm>
-      </p:grpSpPr>
-      <p:sp>
-        <p:nvSpPr>
-          <p:cNvPr id="105" name="Shape 105"/>
-          <p:cNvSpPr txBox="1">
-            <a:spLocks noGrp="1"/>
-          </p:cNvSpPr>
-          <p:nvPr>
-            <p:ph type="title"/>
-          </p:nvPr>
-        </p:nvSpPr>
-        <p:spPr>
-          <a:xfrm>
-            <a:off x="457200" y="628650"/>
-            <a:ext cx="8229600" cy="536972"/>
-          </a:xfrm>
-          <a:prstGeom prst="rect">
-            <a:avLst/>
-          </a:prstGeom>
-          <a:noFill/>
-          <a:ln>
-            <a:noFill/>
-          </a:ln>
-        </p:spPr>
-        <p:txBody>
-          <a:bodyPr spcFirstLastPara="1" wrap="square" lIns="91425" tIns="45700" rIns="91425" bIns="45700" anchor="ctr" anchorCtr="0">
-            <a:noAutofit/>
-          </a:bodyPr>
-          <a:lstStyle/>
-          <a:p>
-            <a:pPr marL="0" marR="0" lvl="0" indent="0" algn="ctr" rtl="0">
-              <a:spcBef>
-                <a:spcPts val="0"/>
-              </a:spcBef>
-              <a:spcAft>
-                <a:spcPts val="0"/>
-              </a:spcAft>
-              <a:buClr>
-                <a:srgbClr val="09347A"/>
-              </a:buClr>
-              <a:buSzPts val="3600"/>
-              <a:buFont typeface="Verdana"/>
-              <a:buNone/>
-            </a:pPr>
-            <a:r>
-              <a:rPr lang="en-US" sz="3600"/>
-              <a:t>The 5 Paper Questions</a:t>
-            </a:r>
-            <a:endParaRPr sz="3600" b="0" i="0" u="none" strike="noStrike" cap="none">
-              <a:solidFill>
-                <a:srgbClr val="09347A"/>
-              </a:solidFill>
-              <a:latin typeface="Verdana"/>
-              <a:ea typeface="Verdana"/>
-              <a:cs typeface="Verdana"/>
-              <a:sym typeface="Verdana"/>
-            </a:endParaRPr>
-          </a:p>
-        </p:txBody>
-      </p:sp>
-      <p:sp>
-        <p:nvSpPr>
-          <p:cNvPr id="106" name="Shape 106"/>
-          <p:cNvSpPr txBox="1">
-            <a:spLocks noGrp="1"/>
-          </p:cNvSpPr>
-          <p:nvPr>
-            <p:ph type="body" idx="1"/>
-          </p:nvPr>
-        </p:nvSpPr>
-        <p:spPr>
-          <a:xfrm>
-            <a:off x="457200" y="1200151"/>
-            <a:ext cx="8229600" cy="3394472"/>
-          </a:xfrm>
-          <a:prstGeom prst="rect">
-            <a:avLst/>
-          </a:prstGeom>
-          <a:noFill/>
-          <a:ln>
-            <a:noFill/>
-          </a:ln>
-        </p:spPr>
-        <p:txBody>
-          <a:bodyPr spcFirstLastPara="1" wrap="square" lIns="91425" tIns="45700" rIns="91425" bIns="45700" anchor="t" anchorCtr="0">
-            <a:noAutofit/>
-          </a:bodyPr>
-          <a:lstStyle/>
-          <a:p>
-            <a:pPr marL="457200" marR="0" lvl="0" indent="-381000" algn="l" rtl="0">
-              <a:spcBef>
-                <a:spcPts val="0"/>
-              </a:spcBef>
-              <a:spcAft>
-                <a:spcPts val="0"/>
-              </a:spcAft>
-              <a:buSzPts val="2400"/>
-              <a:buAutoNum type="arabicPeriod"/>
-            </a:pPr>
-            <a:r>
-              <a:rPr lang="en-US" sz="2400"/>
-              <a:t>What is the problem being solved?</a:t>
-            </a:r>
-            <a:endParaRPr sz="2400"/>
-          </a:p>
-          <a:p>
-            <a:pPr marL="457200" marR="0" lvl="0" indent="-381000" algn="l" rtl="0">
-              <a:spcBef>
-                <a:spcPts val="0"/>
-              </a:spcBef>
-              <a:spcAft>
-                <a:spcPts val="0"/>
-              </a:spcAft>
-              <a:buSzPts val="2400"/>
-              <a:buAutoNum type="arabicPeriod"/>
-            </a:pPr>
-            <a:r>
-              <a:rPr lang="en-US" sz="2400"/>
-              <a:t>How do they solve it?</a:t>
-            </a:r>
-            <a:endParaRPr sz="2400"/>
-          </a:p>
-          <a:p>
-            <a:pPr marL="457200" marR="0" lvl="0" indent="-381000" algn="l" rtl="0">
-              <a:spcBef>
-                <a:spcPts val="0"/>
-              </a:spcBef>
-              <a:spcAft>
-                <a:spcPts val="0"/>
-              </a:spcAft>
-              <a:buSzPts val="2400"/>
-              <a:buAutoNum type="arabicPeriod"/>
-            </a:pPr>
-            <a:r>
-              <a:rPr lang="en-US" sz="2400"/>
-              <a:t>How do they evaluate their solution?</a:t>
-            </a:r>
-            <a:endParaRPr sz="2400"/>
-          </a:p>
-          <a:p>
-            <a:pPr marL="457200" marR="0" lvl="0" indent="-381000" algn="l" rtl="0">
-              <a:spcBef>
-                <a:spcPts val="0"/>
-              </a:spcBef>
-              <a:spcAft>
-                <a:spcPts val="0"/>
-              </a:spcAft>
-              <a:buSzPts val="2400"/>
-              <a:buAutoNum type="arabicPeriod"/>
-            </a:pPr>
-            <a:r>
-              <a:rPr lang="en-US" sz="2400"/>
-              <a:t>What is the punchline?</a:t>
-            </a:r>
-            <a:endParaRPr sz="2400"/>
-          </a:p>
-          <a:p>
-            <a:pPr marL="457200" marR="0" lvl="0" indent="-381000" algn="l" rtl="0">
-              <a:spcBef>
-                <a:spcPts val="0"/>
-              </a:spcBef>
-              <a:spcAft>
-                <a:spcPts val="0"/>
-              </a:spcAft>
-              <a:buSzPts val="2400"/>
-              <a:buAutoNum type="arabicPeriod"/>
-            </a:pPr>
-            <a:r>
-              <a:rPr lang="en-US" sz="2400"/>
-              <a:t>Who are they?</a:t>
-            </a:r>
-            <a:endParaRPr sz="2400"/>
-          </a:p>
-          <a:p>
-            <a:pPr marL="457200" marR="0" lvl="0" indent="-381000" algn="l" rtl="0">
-              <a:spcBef>
-                <a:spcPts val="0"/>
-              </a:spcBef>
-              <a:spcAft>
-                <a:spcPts val="0"/>
-              </a:spcAft>
-              <a:buSzPts val="2400"/>
-              <a:buAutoNum type="arabicPeriod"/>
-            </a:pPr>
-            <a:r>
-              <a:rPr lang="en-US" sz="2400"/>
-              <a:t>How does this relate to your synthesis paper?</a:t>
-            </a:r>
-            <a:endParaRPr sz="2400"/>
-          </a:p>
-          <a:p>
-            <a:pPr marL="342900" marR="0" lvl="0" indent="-139700" algn="l" rtl="0">
-              <a:spcBef>
-                <a:spcPts val="0"/>
-              </a:spcBef>
-              <a:spcAft>
-                <a:spcPts val="0"/>
-              </a:spcAft>
-              <a:buClr>
-                <a:srgbClr val="30302C"/>
-              </a:buClr>
-              <a:buSzPts val="3200"/>
-              <a:buFont typeface="Arial"/>
-              <a:buNone/>
-            </a:pPr>
-            <a:endParaRPr/>
-          </a:p>
-        </p:txBody>
-      </p:sp>
-    </p:spTree>
-  </p:cSld>
-  <p:clrMapOvr>
-    <a:masterClrMapping/>
-  </p:clrMapOvr>
-</p:sld>
-</file>
-
-<file path=ppt/slides/slide20.xml><?xml version="1.0" encoding="utf-8"?>
+<file path=ppt/slides/slide17.xml><?xml version="1.0" encoding="utf-8"?>
 <p:sld xmlns:a="http://schemas.openxmlformats.org/drawingml/2006/main" xmlns:r="http://schemas.openxmlformats.org/officeDocument/2006/relationships" xmlns:p="http://schemas.openxmlformats.org/presentationml/2006/main">
   <p:cSld>
     <p:spTree>
@@ -22644,7 +21634,7 @@
 </p:sld>
 </file>
 
-<file path=ppt/slides/slide21.xml><?xml version="1.0" encoding="utf-8"?>
+<file path=ppt/slides/slide18.xml><?xml version="1.0" encoding="utf-8"?>
 <p:sld xmlns:a="http://schemas.openxmlformats.org/drawingml/2006/main" xmlns:r="http://schemas.openxmlformats.org/officeDocument/2006/relationships" xmlns:p="http://schemas.openxmlformats.org/presentationml/2006/main">
   <p:cSld>
     <p:spTree>
@@ -23297,7 +22287,7 @@
 </p:sld>
 </file>
 
-<file path=ppt/slides/slide22.xml><?xml version="1.0" encoding="utf-8"?>
+<file path=ppt/slides/slide19.xml><?xml version="1.0" encoding="utf-8"?>
 <p:sld xmlns:a="http://schemas.openxmlformats.org/drawingml/2006/main" xmlns:r="http://schemas.openxmlformats.org/officeDocument/2006/relationships" xmlns:p="http://schemas.openxmlformats.org/presentationml/2006/main">
   <p:cSld>
     <p:spTree>
@@ -24236,7 +23226,286 @@
 </p:sld>
 </file>
 
-<file path=ppt/slides/slide23.xml><?xml version="1.0" encoding="utf-8"?>
+<file path=ppt/slides/slide2.xml><?xml version="1.0" encoding="utf-8"?>
+<p:sld xmlns:a="http://schemas.openxmlformats.org/drawingml/2006/main" xmlns:r="http://schemas.openxmlformats.org/officeDocument/2006/relationships" xmlns:p="http://schemas.openxmlformats.org/presentationml/2006/main">
+  <p:cSld>
+    <p:spTree>
+      <p:nvGrpSpPr>
+        <p:cNvPr id="1" name="Shape 110"/>
+        <p:cNvGrpSpPr/>
+        <p:nvPr/>
+      </p:nvGrpSpPr>
+      <p:grpSpPr>
+        <a:xfrm>
+          <a:off x="0" y="0"/>
+          <a:ext cx="0" cy="0"/>
+          <a:chOff x="0" y="0"/>
+          <a:chExt cx="0" cy="0"/>
+        </a:xfrm>
+      </p:grpSpPr>
+      <p:sp>
+        <p:nvSpPr>
+          <p:cNvPr id="111" name="Shape 111"/>
+          <p:cNvSpPr txBox="1">
+            <a:spLocks noGrp="1"/>
+          </p:cNvSpPr>
+          <p:nvPr>
+            <p:ph type="title"/>
+          </p:nvPr>
+        </p:nvSpPr>
+        <p:spPr>
+          <a:xfrm>
+            <a:off x="457200" y="628650"/>
+            <a:ext cx="8229600" cy="537000"/>
+          </a:xfrm>
+          <a:prstGeom prst="rect">
+            <a:avLst/>
+          </a:prstGeom>
+          <a:noFill/>
+          <a:ln>
+            <a:noFill/>
+          </a:ln>
+        </p:spPr>
+        <p:txBody>
+          <a:bodyPr spcFirstLastPara="1" wrap="square" lIns="91425" tIns="45700" rIns="91425" bIns="45700" anchor="ctr" anchorCtr="0">
+            <a:noAutofit/>
+          </a:bodyPr>
+          <a:lstStyle/>
+          <a:p>
+            <a:pPr marL="0" marR="0" lvl="0" indent="0" algn="ctr" rtl="0">
+              <a:spcBef>
+                <a:spcPts val="0"/>
+              </a:spcBef>
+              <a:spcAft>
+                <a:spcPts val="0"/>
+              </a:spcAft>
+              <a:buClr>
+                <a:srgbClr val="09347A"/>
+              </a:buClr>
+              <a:buSzPts val="3600"/>
+              <a:buFont typeface="Verdana"/>
+              <a:buNone/>
+            </a:pPr>
+            <a:r>
+              <a:rPr lang="en-US" sz="3000" dirty="0"/>
+              <a:t>Introduction</a:t>
+            </a:r>
+            <a:endParaRPr sz="3000" b="0" i="0" u="none" strike="noStrike" cap="none" dirty="0">
+              <a:solidFill>
+                <a:srgbClr val="09347A"/>
+              </a:solidFill>
+              <a:latin typeface="Verdana"/>
+              <a:ea typeface="Verdana"/>
+              <a:cs typeface="Verdana"/>
+              <a:sym typeface="Verdana"/>
+            </a:endParaRPr>
+          </a:p>
+        </p:txBody>
+      </p:sp>
+      <p:sp>
+        <p:nvSpPr>
+          <p:cNvPr id="112" name="Shape 112"/>
+          <p:cNvSpPr txBox="1">
+            <a:spLocks noGrp="1"/>
+          </p:cNvSpPr>
+          <p:nvPr>
+            <p:ph type="body" idx="1"/>
+          </p:nvPr>
+        </p:nvSpPr>
+        <p:spPr>
+          <a:xfrm>
+            <a:off x="457200" y="1200151"/>
+            <a:ext cx="8229600" cy="3394500"/>
+          </a:xfrm>
+          <a:prstGeom prst="rect">
+            <a:avLst/>
+          </a:prstGeom>
+          <a:noFill/>
+          <a:ln>
+            <a:noFill/>
+          </a:ln>
+        </p:spPr>
+        <p:txBody>
+          <a:bodyPr spcFirstLastPara="1" wrap="square" lIns="91425" tIns="45700" rIns="91425" bIns="45700" anchor="t" anchorCtr="0">
+            <a:noAutofit/>
+          </a:bodyPr>
+          <a:lstStyle/>
+          <a:p>
+            <a:pPr marL="457200" marR="0" lvl="0" indent="-381000" algn="l" rtl="0">
+              <a:spcBef>
+                <a:spcPts val="0"/>
+              </a:spcBef>
+              <a:spcAft>
+                <a:spcPts val="0"/>
+              </a:spcAft>
+              <a:buSzPts val="2400"/>
+              <a:buFont typeface="Times New Roman"/>
+              <a:buChar char="•"/>
+            </a:pPr>
+            <a:r>
+              <a:rPr lang="en-US" sz="2400" dirty="0">
+                <a:latin typeface="Times New Roman"/>
+                <a:ea typeface="Times New Roman"/>
+                <a:cs typeface="Times New Roman"/>
+                <a:sym typeface="Times New Roman"/>
+              </a:rPr>
+              <a:t>Isolation: virtual address spaces protects the memory of one process from others</a:t>
+            </a:r>
+            <a:endParaRPr sz="2400" dirty="0">
+              <a:latin typeface="Times New Roman"/>
+              <a:ea typeface="Times New Roman"/>
+              <a:cs typeface="Times New Roman"/>
+              <a:sym typeface="Times New Roman"/>
+            </a:endParaRPr>
+          </a:p>
+          <a:p>
+            <a:pPr marL="457200" marR="0" lvl="0" indent="-381000" algn="l" rtl="0">
+              <a:spcBef>
+                <a:spcPts val="0"/>
+              </a:spcBef>
+              <a:spcAft>
+                <a:spcPts val="0"/>
+              </a:spcAft>
+              <a:buSzPts val="2400"/>
+              <a:buFont typeface="Times New Roman"/>
+              <a:buChar char="•"/>
+            </a:pPr>
+            <a:r>
+              <a:rPr lang="en-US" sz="2400" dirty="0">
+                <a:latin typeface="Times New Roman"/>
+                <a:ea typeface="Times New Roman"/>
+                <a:cs typeface="Times New Roman"/>
+                <a:sym typeface="Times New Roman"/>
+              </a:rPr>
+              <a:t>One way to achieve this is with virtual machines</a:t>
+            </a:r>
+          </a:p>
+          <a:p>
+            <a:pPr marL="457200" marR="0" lvl="0" indent="-381000" algn="l" rtl="0">
+              <a:spcBef>
+                <a:spcPts val="0"/>
+              </a:spcBef>
+              <a:spcAft>
+                <a:spcPts val="0"/>
+              </a:spcAft>
+              <a:buSzPts val="2400"/>
+              <a:buFont typeface="Times New Roman"/>
+              <a:buChar char="•"/>
+            </a:pPr>
+            <a:r>
+              <a:rPr lang="en-US" sz="2400" dirty="0">
+                <a:latin typeface="Times New Roman"/>
+                <a:ea typeface="Times New Roman"/>
+                <a:cs typeface="Times New Roman"/>
+                <a:sym typeface="Times New Roman"/>
+              </a:rPr>
+              <a:t>Bitmaps in filesystems track </a:t>
+            </a:r>
+            <a:r>
+              <a:rPr lang="en-US" sz="2400" dirty="0" err="1">
+                <a:latin typeface="Times New Roman"/>
+                <a:ea typeface="Times New Roman"/>
+                <a:cs typeface="Times New Roman"/>
+                <a:sym typeface="Times New Roman"/>
+              </a:rPr>
+              <a:t>inodes</a:t>
+            </a:r>
+            <a:r>
+              <a:rPr lang="en-US" sz="2400" dirty="0">
+                <a:latin typeface="Times New Roman"/>
+                <a:ea typeface="Times New Roman"/>
+                <a:cs typeface="Times New Roman"/>
+                <a:sym typeface="Times New Roman"/>
+              </a:rPr>
+              <a:t> and data blocks in use</a:t>
+            </a:r>
+          </a:p>
+          <a:p>
+            <a:pPr marL="457200" marR="0" lvl="0" indent="-381000" algn="l" rtl="0">
+              <a:spcBef>
+                <a:spcPts val="0"/>
+              </a:spcBef>
+              <a:spcAft>
+                <a:spcPts val="0"/>
+              </a:spcAft>
+              <a:buSzPts val="2400"/>
+              <a:buFont typeface="Times New Roman"/>
+              <a:buChar char="•"/>
+            </a:pPr>
+            <a:r>
+              <a:rPr lang="en-US" sz="2400" i="1" dirty="0">
+                <a:latin typeface="Times New Roman"/>
+                <a:ea typeface="Times New Roman"/>
+                <a:cs typeface="Times New Roman"/>
+                <a:sym typeface="Times New Roman"/>
+              </a:rPr>
+              <a:t>Entanglement</a:t>
+            </a:r>
+            <a:r>
+              <a:rPr lang="en-US" sz="2400" dirty="0">
+                <a:latin typeface="Times New Roman"/>
+                <a:ea typeface="Times New Roman"/>
+                <a:cs typeface="Times New Roman"/>
+                <a:sym typeface="Times New Roman"/>
+              </a:rPr>
+              <a:t>: blocks from different files allocated in same bitmap</a:t>
+            </a:r>
+          </a:p>
+          <a:p>
+            <a:pPr marL="457200" marR="0" lvl="0" indent="-381000" algn="l" rtl="0">
+              <a:spcBef>
+                <a:spcPts val="0"/>
+              </a:spcBef>
+              <a:spcAft>
+                <a:spcPts val="0"/>
+              </a:spcAft>
+              <a:buSzPts val="2400"/>
+              <a:buFont typeface="Times New Roman"/>
+              <a:buChar char="•"/>
+            </a:pPr>
+            <a:r>
+              <a:rPr lang="en-US" sz="2400" dirty="0">
+                <a:latin typeface="Times New Roman"/>
+                <a:ea typeface="Times New Roman"/>
+                <a:cs typeface="Times New Roman"/>
+                <a:sym typeface="Times New Roman"/>
+              </a:rPr>
+              <a:t>Bitmap failure can adversely affect unrelated files (reliability)</a:t>
+            </a:r>
+          </a:p>
+          <a:p>
+            <a:pPr marL="457200" marR="0" lvl="0" indent="-381000" algn="l" rtl="0">
+              <a:spcBef>
+                <a:spcPts val="0"/>
+              </a:spcBef>
+              <a:spcAft>
+                <a:spcPts val="0"/>
+              </a:spcAft>
+              <a:buSzPts val="2400"/>
+              <a:buFont typeface="Times New Roman"/>
+              <a:buChar char="•"/>
+            </a:pPr>
+            <a:r>
+              <a:rPr lang="en-US" sz="2400" dirty="0">
+                <a:latin typeface="Times New Roman"/>
+                <a:ea typeface="Times New Roman"/>
+                <a:cs typeface="Times New Roman"/>
+                <a:sym typeface="Times New Roman"/>
+              </a:rPr>
+              <a:t>Ext3 includes all updates in one global transaction (performance)</a:t>
+            </a:r>
+          </a:p>
+        </p:txBody>
+      </p:sp>
+    </p:spTree>
+  </p:cSld>
+  <p:clrMapOvr>
+    <a:masterClrMapping/>
+  </p:clrMapOvr>
+</p:sld>
+</file>
+
+<file path=ppt/slides/slide20.xml><?xml version="1.0" encoding="utf-8"?>
 <p:sld xmlns:a="http://schemas.openxmlformats.org/drawingml/2006/main" xmlns:r="http://schemas.openxmlformats.org/officeDocument/2006/relationships" xmlns:p="http://schemas.openxmlformats.org/presentationml/2006/main">
   <p:cSld>
     <p:spTree>
@@ -24388,6 +23657,584 @@
 </p:sld>
 </file>
 
+<file path=ppt/slides/slide21.xml><?xml version="1.0" encoding="utf-8"?>
+<p:sld xmlns:a="http://schemas.openxmlformats.org/drawingml/2006/main" xmlns:r="http://schemas.openxmlformats.org/officeDocument/2006/relationships" xmlns:p="http://schemas.openxmlformats.org/presentationml/2006/main">
+  <p:cSld>
+    <p:spTree>
+      <p:nvGrpSpPr>
+        <p:cNvPr id="1" name="Shape 129"/>
+        <p:cNvGrpSpPr/>
+        <p:nvPr/>
+      </p:nvGrpSpPr>
+      <p:grpSpPr>
+        <a:xfrm>
+          <a:off x="0" y="0"/>
+          <a:ext cx="0" cy="0"/>
+          <a:chOff x="0" y="0"/>
+          <a:chExt cx="0" cy="0"/>
+        </a:xfrm>
+      </p:grpSpPr>
+      <p:sp>
+        <p:nvSpPr>
+          <p:cNvPr id="130" name="Shape 130"/>
+          <p:cNvSpPr txBox="1">
+            <a:spLocks noGrp="1"/>
+          </p:cNvSpPr>
+          <p:nvPr>
+            <p:ph type="title"/>
+          </p:nvPr>
+        </p:nvSpPr>
+        <p:spPr>
+          <a:xfrm>
+            <a:off x="457200" y="628650"/>
+            <a:ext cx="8229600" cy="537000"/>
+          </a:xfrm>
+          <a:prstGeom prst="rect">
+            <a:avLst/>
+          </a:prstGeom>
+          <a:noFill/>
+          <a:ln>
+            <a:noFill/>
+          </a:ln>
+        </p:spPr>
+        <p:txBody>
+          <a:bodyPr spcFirstLastPara="1" wrap="square" lIns="91425" tIns="45700" rIns="91425" bIns="45700" anchor="ctr" anchorCtr="0">
+            <a:noAutofit/>
+          </a:bodyPr>
+          <a:lstStyle/>
+          <a:p>
+            <a:pPr marL="0" marR="0" lvl="0" indent="0" algn="ctr" rtl="0">
+              <a:spcBef>
+                <a:spcPts val="0"/>
+              </a:spcBef>
+              <a:spcAft>
+                <a:spcPts val="0"/>
+              </a:spcAft>
+              <a:buClr>
+                <a:srgbClr val="09347A"/>
+              </a:buClr>
+              <a:buSzPts val="3600"/>
+              <a:buFont typeface="Verdana"/>
+              <a:buNone/>
+            </a:pPr>
+            <a:r>
+              <a:rPr lang="en-US" sz="3000" dirty="0"/>
+              <a:t>Case Studies</a:t>
+            </a:r>
+            <a:endParaRPr sz="3000" b="0" i="0" u="none" strike="noStrike" cap="none" dirty="0">
+              <a:solidFill>
+                <a:srgbClr val="09347A"/>
+              </a:solidFill>
+              <a:latin typeface="Verdana"/>
+              <a:ea typeface="Verdana"/>
+              <a:cs typeface="Verdana"/>
+              <a:sym typeface="Verdana"/>
+            </a:endParaRPr>
+          </a:p>
+        </p:txBody>
+      </p:sp>
+      <p:sp>
+        <p:nvSpPr>
+          <p:cNvPr id="131" name="Shape 131"/>
+          <p:cNvSpPr txBox="1">
+            <a:spLocks noGrp="1"/>
+          </p:cNvSpPr>
+          <p:nvPr>
+            <p:ph type="body" idx="1"/>
+          </p:nvPr>
+        </p:nvSpPr>
+        <p:spPr>
+          <a:xfrm>
+            <a:off x="457200" y="1200151"/>
+            <a:ext cx="8229600" cy="3394500"/>
+          </a:xfrm>
+          <a:prstGeom prst="rect">
+            <a:avLst/>
+          </a:prstGeom>
+          <a:noFill/>
+          <a:ln>
+            <a:noFill/>
+          </a:ln>
+        </p:spPr>
+        <p:txBody>
+          <a:bodyPr spcFirstLastPara="1" wrap="square" lIns="91425" tIns="45700" rIns="91425" bIns="45700" anchor="t" anchorCtr="0">
+            <a:noAutofit/>
+          </a:bodyPr>
+          <a:lstStyle/>
+          <a:p>
+            <a:pPr marR="0" lvl="0" indent="-457200" algn="l" rtl="0">
+              <a:spcBef>
+                <a:spcPts val="0"/>
+              </a:spcBef>
+              <a:spcAft>
+                <a:spcPts val="0"/>
+              </a:spcAft>
+              <a:buSzPct val="100000"/>
+              <a:buFont typeface="+mj-lt"/>
+              <a:buAutoNum type="arabicPeriod"/>
+            </a:pPr>
+            <a:endParaRPr lang="en-US" sz="2400" dirty="0">
+              <a:latin typeface="Times New Roman"/>
+              <a:ea typeface="Times New Roman"/>
+              <a:cs typeface="Times New Roman"/>
+              <a:sym typeface="Times New Roman"/>
+            </a:endParaRPr>
+          </a:p>
+          <a:p>
+            <a:pPr marR="0" lvl="0" indent="-457200" algn="l" rtl="0">
+              <a:spcBef>
+                <a:spcPts val="0"/>
+              </a:spcBef>
+              <a:spcAft>
+                <a:spcPts val="0"/>
+              </a:spcAft>
+              <a:buSzPct val="100000"/>
+              <a:buFont typeface="+mj-lt"/>
+              <a:buAutoNum type="arabicPeriod"/>
+            </a:pPr>
+            <a:r>
+              <a:rPr lang="en-US" sz="2400" dirty="0">
+                <a:latin typeface="Times New Roman"/>
+                <a:ea typeface="Times New Roman"/>
+                <a:cs typeface="Times New Roman"/>
+                <a:sym typeface="Times New Roman"/>
+              </a:rPr>
+              <a:t>Virtualized Filesystem</a:t>
+            </a:r>
+          </a:p>
+          <a:p>
+            <a:pPr lvl="1" indent="-457200">
+              <a:spcBef>
+                <a:spcPts val="0"/>
+              </a:spcBef>
+            </a:pPr>
+            <a:r>
+              <a:rPr lang="en-US" sz="2000" dirty="0" err="1">
+                <a:latin typeface="Times New Roman"/>
+                <a:ea typeface="Times New Roman"/>
+                <a:cs typeface="Times New Roman"/>
+                <a:sym typeface="Times New Roman"/>
+              </a:rPr>
+              <a:t>IceFS</a:t>
+            </a:r>
+            <a:r>
+              <a:rPr lang="en-US" sz="2000" dirty="0">
+                <a:latin typeface="Times New Roman"/>
+                <a:ea typeface="Times New Roman"/>
+                <a:cs typeface="Times New Roman"/>
+                <a:sym typeface="Times New Roman"/>
+              </a:rPr>
+              <a:t> as host file system for VMware environment</a:t>
+            </a:r>
+          </a:p>
+          <a:p>
+            <a:pPr marR="0" lvl="0" indent="-457200" algn="l" rtl="0">
+              <a:spcBef>
+                <a:spcPts val="0"/>
+              </a:spcBef>
+              <a:spcAft>
+                <a:spcPts val="0"/>
+              </a:spcAft>
+              <a:buFont typeface="+mj-lt"/>
+              <a:buAutoNum type="arabicPeriod"/>
+            </a:pPr>
+            <a:endParaRPr lang="en-US" sz="2400" dirty="0">
+              <a:latin typeface="Times New Roman"/>
+              <a:ea typeface="Times New Roman"/>
+              <a:cs typeface="Times New Roman"/>
+              <a:sym typeface="Times New Roman"/>
+            </a:endParaRPr>
+          </a:p>
+          <a:p>
+            <a:pPr marR="0" lvl="0" indent="-457200" algn="l" rtl="0">
+              <a:spcBef>
+                <a:spcPts val="0"/>
+              </a:spcBef>
+              <a:spcAft>
+                <a:spcPts val="0"/>
+              </a:spcAft>
+              <a:buFont typeface="+mj-lt"/>
+              <a:buAutoNum type="arabicPeriod"/>
+            </a:pPr>
+            <a:endParaRPr lang="en-US" sz="2400" dirty="0">
+              <a:latin typeface="Times New Roman"/>
+              <a:ea typeface="Times New Roman"/>
+              <a:cs typeface="Times New Roman"/>
+              <a:sym typeface="Times New Roman"/>
+            </a:endParaRPr>
+          </a:p>
+          <a:p>
+            <a:pPr marR="0" lvl="0" indent="-457200" algn="l" rtl="0">
+              <a:spcBef>
+                <a:spcPts val="0"/>
+              </a:spcBef>
+              <a:spcAft>
+                <a:spcPts val="0"/>
+              </a:spcAft>
+              <a:buSzPct val="100000"/>
+              <a:buFont typeface="+mj-lt"/>
+              <a:buAutoNum type="arabicPeriod"/>
+            </a:pPr>
+            <a:r>
+              <a:rPr lang="en-US" sz="2400" dirty="0">
+                <a:latin typeface="Times New Roman"/>
+                <a:ea typeface="Times New Roman"/>
+                <a:cs typeface="Times New Roman"/>
+                <a:sym typeface="Times New Roman"/>
+              </a:rPr>
+              <a:t>Distributed Filesystem</a:t>
+            </a:r>
+          </a:p>
+          <a:p>
+            <a:pPr lvl="1" indent="-457200">
+              <a:spcBef>
+                <a:spcPts val="0"/>
+              </a:spcBef>
+            </a:pPr>
+            <a:r>
+              <a:rPr lang="en-US" sz="2000" dirty="0" err="1">
+                <a:latin typeface="Times New Roman"/>
+                <a:ea typeface="Times New Roman"/>
+                <a:cs typeface="Times New Roman"/>
+                <a:sym typeface="Times New Roman"/>
+              </a:rPr>
+              <a:t>IceFS</a:t>
+            </a:r>
+            <a:r>
+              <a:rPr lang="en-US" sz="2000" dirty="0">
+                <a:latin typeface="Times New Roman"/>
+                <a:ea typeface="Times New Roman"/>
+                <a:cs typeface="Times New Roman"/>
+                <a:sym typeface="Times New Roman"/>
+              </a:rPr>
+              <a:t> as underlying filesystem for HDFS</a:t>
+            </a:r>
+            <a:endParaRPr sz="2000" dirty="0">
+              <a:latin typeface="Times New Roman"/>
+              <a:ea typeface="Times New Roman"/>
+              <a:cs typeface="Times New Roman"/>
+              <a:sym typeface="Times New Roman"/>
+            </a:endParaRPr>
+          </a:p>
+        </p:txBody>
+      </p:sp>
+    </p:spTree>
+    <p:extLst>
+      <p:ext uri="{BB962C8B-B14F-4D97-AF65-F5344CB8AC3E}">
+        <p14:creationId xmlns:p14="http://schemas.microsoft.com/office/powerpoint/2010/main" val="317053530"/>
+      </p:ext>
+    </p:extLst>
+  </p:cSld>
+  <p:clrMapOvr>
+    <a:masterClrMapping/>
+  </p:clrMapOvr>
+</p:sld>
+</file>
+
+<file path=ppt/slides/slide22.xml><?xml version="1.0" encoding="utf-8"?>
+<p:sld xmlns:a="http://schemas.openxmlformats.org/drawingml/2006/main" xmlns:r="http://schemas.openxmlformats.org/officeDocument/2006/relationships" xmlns:p="http://schemas.openxmlformats.org/presentationml/2006/main">
+  <p:cSld>
+    <p:spTree>
+      <p:nvGrpSpPr>
+        <p:cNvPr id="1" name="Shape 129"/>
+        <p:cNvGrpSpPr/>
+        <p:nvPr/>
+      </p:nvGrpSpPr>
+      <p:grpSpPr>
+        <a:xfrm>
+          <a:off x="0" y="0"/>
+          <a:ext cx="0" cy="0"/>
+          <a:chOff x="0" y="0"/>
+          <a:chExt cx="0" cy="0"/>
+        </a:xfrm>
+      </p:grpSpPr>
+      <p:sp>
+        <p:nvSpPr>
+          <p:cNvPr id="130" name="Shape 130"/>
+          <p:cNvSpPr txBox="1">
+            <a:spLocks noGrp="1"/>
+          </p:cNvSpPr>
+          <p:nvPr>
+            <p:ph type="title"/>
+          </p:nvPr>
+        </p:nvSpPr>
+        <p:spPr>
+          <a:xfrm>
+            <a:off x="457200" y="628650"/>
+            <a:ext cx="8229600" cy="537000"/>
+          </a:xfrm>
+          <a:prstGeom prst="rect">
+            <a:avLst/>
+          </a:prstGeom>
+          <a:noFill/>
+          <a:ln>
+            <a:noFill/>
+          </a:ln>
+        </p:spPr>
+        <p:txBody>
+          <a:bodyPr spcFirstLastPara="1" wrap="square" lIns="91425" tIns="45700" rIns="91425" bIns="45700" anchor="ctr" anchorCtr="0">
+            <a:noAutofit/>
+          </a:bodyPr>
+          <a:lstStyle/>
+          <a:p>
+            <a:pPr lvl="0">
+              <a:buSzPts val="3600"/>
+            </a:pPr>
+            <a:r>
+              <a:rPr lang="en-US" sz="3000" dirty="0"/>
+              <a:t>Fast Recovery</a:t>
+            </a:r>
+            <a:endParaRPr sz="3000" b="0" i="0" u="none" strike="noStrike" cap="none" dirty="0">
+              <a:solidFill>
+                <a:srgbClr val="09347A"/>
+              </a:solidFill>
+              <a:latin typeface="Verdana"/>
+              <a:ea typeface="Verdana"/>
+              <a:cs typeface="Verdana"/>
+              <a:sym typeface="Verdana"/>
+            </a:endParaRPr>
+          </a:p>
+        </p:txBody>
+      </p:sp>
+      <p:sp>
+        <p:nvSpPr>
+          <p:cNvPr id="131" name="Shape 131"/>
+          <p:cNvSpPr txBox="1">
+            <a:spLocks noGrp="1"/>
+          </p:cNvSpPr>
+          <p:nvPr>
+            <p:ph type="body" idx="1"/>
+          </p:nvPr>
+        </p:nvSpPr>
+        <p:spPr>
+          <a:xfrm>
+            <a:off x="457200" y="1200151"/>
+            <a:ext cx="8229600" cy="3394500"/>
+          </a:xfrm>
+          <a:prstGeom prst="rect">
+            <a:avLst/>
+          </a:prstGeom>
+          <a:noFill/>
+          <a:ln>
+            <a:noFill/>
+          </a:ln>
+        </p:spPr>
+        <p:txBody>
+          <a:bodyPr spcFirstLastPara="1" wrap="square" lIns="91425" tIns="45700" rIns="91425" bIns="45700" anchor="t" anchorCtr="0">
+            <a:noAutofit/>
+          </a:bodyPr>
+          <a:lstStyle/>
+          <a:p>
+            <a:pPr marL="342900" indent="-342900">
+              <a:spcBef>
+                <a:spcPts val="0"/>
+              </a:spcBef>
+              <a:buSzPct val="100000"/>
+            </a:pPr>
+            <a:endParaRPr lang="en-US" sz="2000" dirty="0">
+              <a:latin typeface="Times New Roman"/>
+              <a:ea typeface="Times New Roman"/>
+              <a:cs typeface="Times New Roman"/>
+              <a:sym typeface="Times New Roman"/>
+            </a:endParaRPr>
+          </a:p>
+        </p:txBody>
+      </p:sp>
+      <p:pic>
+        <p:nvPicPr>
+          <p:cNvPr id="3" name="Picture 2">
+            <a:extLst>
+              <a:ext uri="{FF2B5EF4-FFF2-40B4-BE49-F238E27FC236}">
+                <a16:creationId xmlns:a16="http://schemas.microsoft.com/office/drawing/2014/main" id="{EEED34AF-6499-AE41-BB38-02B8683191B9}"/>
+              </a:ext>
+            </a:extLst>
+          </p:cNvPr>
+          <p:cNvPicPr>
+            <a:picLocks noChangeAspect="1"/>
+          </p:cNvPicPr>
+          <p:nvPr/>
+        </p:nvPicPr>
+        <p:blipFill>
+          <a:blip r:embed="rId3"/>
+          <a:stretch>
+            <a:fillRect/>
+          </a:stretch>
+        </p:blipFill>
+        <p:spPr>
+          <a:xfrm>
+            <a:off x="2218817" y="1428455"/>
+            <a:ext cx="4706365" cy="3715045"/>
+          </a:xfrm>
+          <a:prstGeom prst="rect">
+            <a:avLst/>
+          </a:prstGeom>
+        </p:spPr>
+      </p:pic>
+    </p:spTree>
+    <p:extLst>
+      <p:ext uri="{BB962C8B-B14F-4D97-AF65-F5344CB8AC3E}">
+        <p14:creationId xmlns:p14="http://schemas.microsoft.com/office/powerpoint/2010/main" val="1761299749"/>
+      </p:ext>
+    </p:extLst>
+  </p:cSld>
+  <p:clrMapOvr>
+    <a:masterClrMapping/>
+  </p:clrMapOvr>
+</p:sld>
+</file>
+
+<file path=ppt/slides/slide23.xml><?xml version="1.0" encoding="utf-8"?>
+<p:sld xmlns:a="http://schemas.openxmlformats.org/drawingml/2006/main" xmlns:r="http://schemas.openxmlformats.org/officeDocument/2006/relationships" xmlns:p="http://schemas.openxmlformats.org/presentationml/2006/main">
+  <p:cSld>
+    <p:spTree>
+      <p:nvGrpSpPr>
+        <p:cNvPr id="1" name="Shape 129"/>
+        <p:cNvGrpSpPr/>
+        <p:nvPr/>
+      </p:nvGrpSpPr>
+      <p:grpSpPr>
+        <a:xfrm>
+          <a:off x="0" y="0"/>
+          <a:ext cx="0" cy="0"/>
+          <a:chOff x="0" y="0"/>
+          <a:chExt cx="0" cy="0"/>
+        </a:xfrm>
+      </p:grpSpPr>
+      <p:sp>
+        <p:nvSpPr>
+          <p:cNvPr id="130" name="Shape 130"/>
+          <p:cNvSpPr txBox="1">
+            <a:spLocks noGrp="1"/>
+          </p:cNvSpPr>
+          <p:nvPr>
+            <p:ph type="title"/>
+          </p:nvPr>
+        </p:nvSpPr>
+        <p:spPr>
+          <a:xfrm>
+            <a:off x="457200" y="628650"/>
+            <a:ext cx="8229600" cy="537000"/>
+          </a:xfrm>
+          <a:prstGeom prst="rect">
+            <a:avLst/>
+          </a:prstGeom>
+          <a:noFill/>
+          <a:ln>
+            <a:noFill/>
+          </a:ln>
+        </p:spPr>
+        <p:txBody>
+          <a:bodyPr spcFirstLastPara="1" wrap="square" lIns="91425" tIns="45700" rIns="91425" bIns="45700" anchor="ctr" anchorCtr="0">
+            <a:noAutofit/>
+          </a:bodyPr>
+          <a:lstStyle/>
+          <a:p>
+            <a:pPr lvl="0">
+              <a:buSzPts val="3600"/>
+            </a:pPr>
+            <a:r>
+              <a:rPr lang="en-US" sz="3000" dirty="0"/>
+              <a:t>Specialized Journaling</a:t>
+            </a:r>
+            <a:endParaRPr sz="3000" b="0" i="0" u="none" strike="noStrike" cap="none" dirty="0">
+              <a:solidFill>
+                <a:srgbClr val="09347A"/>
+              </a:solidFill>
+              <a:latin typeface="Verdana"/>
+              <a:ea typeface="Verdana"/>
+              <a:cs typeface="Verdana"/>
+              <a:sym typeface="Verdana"/>
+            </a:endParaRPr>
+          </a:p>
+        </p:txBody>
+      </p:sp>
+      <p:sp>
+        <p:nvSpPr>
+          <p:cNvPr id="131" name="Shape 131"/>
+          <p:cNvSpPr txBox="1">
+            <a:spLocks noGrp="1"/>
+          </p:cNvSpPr>
+          <p:nvPr>
+            <p:ph type="body" idx="1"/>
+          </p:nvPr>
+        </p:nvSpPr>
+        <p:spPr>
+          <a:xfrm>
+            <a:off x="457200" y="1200151"/>
+            <a:ext cx="8229600" cy="3394500"/>
+          </a:xfrm>
+          <a:prstGeom prst="rect">
+            <a:avLst/>
+          </a:prstGeom>
+          <a:noFill/>
+          <a:ln>
+            <a:noFill/>
+          </a:ln>
+        </p:spPr>
+        <p:txBody>
+          <a:bodyPr spcFirstLastPara="1" wrap="square" lIns="91425" tIns="45700" rIns="91425" bIns="45700" anchor="t" anchorCtr="0">
+            <a:noAutofit/>
+          </a:bodyPr>
+          <a:lstStyle/>
+          <a:p>
+            <a:pPr marL="342900" indent="-342900">
+              <a:spcBef>
+                <a:spcPts val="0"/>
+              </a:spcBef>
+              <a:buSzPct val="100000"/>
+            </a:pPr>
+            <a:endParaRPr lang="en-US" sz="2000" dirty="0">
+              <a:latin typeface="Times New Roman"/>
+              <a:ea typeface="Times New Roman"/>
+              <a:cs typeface="Times New Roman"/>
+              <a:sym typeface="Times New Roman"/>
+            </a:endParaRPr>
+          </a:p>
+        </p:txBody>
+      </p:sp>
+      <p:pic>
+        <p:nvPicPr>
+          <p:cNvPr id="2" name="Picture 1">
+            <a:extLst>
+              <a:ext uri="{FF2B5EF4-FFF2-40B4-BE49-F238E27FC236}">
+                <a16:creationId xmlns:a16="http://schemas.microsoft.com/office/drawing/2014/main" id="{DE031105-C817-3D4C-A01D-309588C0217F}"/>
+              </a:ext>
+            </a:extLst>
+          </p:cNvPr>
+          <p:cNvPicPr>
+            <a:picLocks noChangeAspect="1"/>
+          </p:cNvPicPr>
+          <p:nvPr/>
+        </p:nvPicPr>
+        <p:blipFill>
+          <a:blip r:embed="rId3"/>
+          <a:stretch>
+            <a:fillRect/>
+          </a:stretch>
+        </p:blipFill>
+        <p:spPr>
+          <a:xfrm>
+            <a:off x="2703228" y="1297172"/>
+            <a:ext cx="3737543" cy="3846328"/>
+          </a:xfrm>
+          <a:prstGeom prst="rect">
+            <a:avLst/>
+          </a:prstGeom>
+        </p:spPr>
+      </p:pic>
+    </p:spTree>
+    <p:extLst>
+      <p:ext uri="{BB962C8B-B14F-4D97-AF65-F5344CB8AC3E}">
+        <p14:creationId xmlns:p14="http://schemas.microsoft.com/office/powerpoint/2010/main" val="993856891"/>
+      </p:ext>
+    </p:extLst>
+  </p:cSld>
+  <p:clrMapOvr>
+    <a:masterClrMapping/>
+  </p:clrMapOvr>
+</p:sld>
+</file>
+
 <file path=ppt/slides/slide24.xml><?xml version="1.0" encoding="utf-8"?>
 <p:sld xmlns:a="http://schemas.openxmlformats.org/drawingml/2006/main" xmlns:r="http://schemas.openxmlformats.org/officeDocument/2006/relationships" xmlns:p="http://schemas.openxmlformats.org/presentationml/2006/main">
   <p:cSld>
@@ -24439,7 +24286,7 @@
             </a:pPr>
             <a:r>
               <a:rPr lang="en-US" sz="3000" dirty="0"/>
-              <a:t>Evaluation</a:t>
+              <a:t>Limitations</a:t>
             </a:r>
             <a:endParaRPr sz="3000" b="0" i="0" u="none" strike="noStrike" cap="none" dirty="0">
               <a:solidFill>
@@ -24502,7 +24349,7 @@
           <p:cNvPr id="3" name="Picture 2">
             <a:extLst>
               <a:ext uri="{FF2B5EF4-FFF2-40B4-BE49-F238E27FC236}">
-                <a16:creationId xmlns:a16="http://schemas.microsoft.com/office/drawing/2014/main" id="{EEED34AF-6499-AE41-BB38-02B8683191B9}"/>
+                <a16:creationId xmlns:a16="http://schemas.microsoft.com/office/drawing/2014/main" id="{AED99156-557D-A545-870E-41ECE3BE2A13}"/>
               </a:ext>
             </a:extLst>
           </p:cNvPr>
@@ -24519,8 +24366,8 @@
         </p:blipFill>
         <p:spPr>
           <a:xfrm>
-            <a:off x="2218817" y="1428455"/>
-            <a:ext cx="4706365" cy="3715045"/>
+            <a:off x="2190306" y="1723534"/>
+            <a:ext cx="5203899" cy="2871117"/>
           </a:xfrm>
           <a:prstGeom prst="rect">
             <a:avLst/>
@@ -24530,7 +24377,7 @@
     </p:spTree>
     <p:extLst>
       <p:ext uri="{BB962C8B-B14F-4D97-AF65-F5344CB8AC3E}">
-        <p14:creationId xmlns:p14="http://schemas.microsoft.com/office/powerpoint/2010/main" val="1761299749"/>
+        <p14:creationId xmlns:p14="http://schemas.microsoft.com/office/powerpoint/2010/main" val="1527572769"/>
       </p:ext>
     </p:extLst>
   </p:cSld>
@@ -24591,7 +24438,7 @@
             </a:pPr>
             <a:r>
               <a:rPr lang="en-US" sz="3000" dirty="0"/>
-              <a:t>Evaluation</a:t>
+              <a:t>Virtual Machines</a:t>
             </a:r>
             <a:endParaRPr sz="3000" b="0" i="0" u="none" strike="noStrike" cap="none" dirty="0">
               <a:solidFill>
@@ -24654,7 +24501,7 @@
           <p:cNvPr id="2" name="Picture 1">
             <a:extLst>
               <a:ext uri="{FF2B5EF4-FFF2-40B4-BE49-F238E27FC236}">
-                <a16:creationId xmlns:a16="http://schemas.microsoft.com/office/drawing/2014/main" id="{DE031105-C817-3D4C-A01D-309588C0217F}"/>
+                <a16:creationId xmlns:a16="http://schemas.microsoft.com/office/drawing/2014/main" id="{988E3F71-A2C4-3145-AB25-F3D6A5DCAA6C}"/>
               </a:ext>
             </a:extLst>
           </p:cNvPr>
@@ -24671,8 +24518,38 @@
         </p:blipFill>
         <p:spPr>
           <a:xfrm>
-            <a:off x="2703228" y="1297172"/>
-            <a:ext cx="3737543" cy="3846328"/>
+            <a:off x="4944603" y="1165650"/>
+            <a:ext cx="4045414" cy="3977850"/>
+          </a:xfrm>
+          <a:prstGeom prst="rect">
+            <a:avLst/>
+          </a:prstGeom>
+        </p:spPr>
+      </p:pic>
+      <p:pic>
+        <p:nvPicPr>
+          <p:cNvPr id="5" name="Picture 4">
+            <a:extLst>
+              <a:ext uri="{FF2B5EF4-FFF2-40B4-BE49-F238E27FC236}">
+                <a16:creationId xmlns:a16="http://schemas.microsoft.com/office/drawing/2014/main" id="{D7973F9B-BC3C-8A42-9965-CC54F888852A}"/>
+              </a:ext>
+            </a:extLst>
+          </p:cNvPr>
+          <p:cNvPicPr>
+            <a:picLocks noChangeAspect="1"/>
+          </p:cNvPicPr>
+          <p:nvPr/>
+        </p:nvPicPr>
+        <p:blipFill>
+          <a:blip r:embed="rId4"/>
+          <a:stretch>
+            <a:fillRect/>
+          </a:stretch>
+        </p:blipFill>
+        <p:spPr>
+          <a:xfrm>
+            <a:off x="63448" y="1301752"/>
+            <a:ext cx="4267200" cy="3327400"/>
           </a:xfrm>
           <a:prstGeom prst="rect">
             <a:avLst/>
@@ -24682,7 +24559,7 @@
     </p:spTree>
     <p:extLst>
       <p:ext uri="{BB962C8B-B14F-4D97-AF65-F5344CB8AC3E}">
-        <p14:creationId xmlns:p14="http://schemas.microsoft.com/office/powerpoint/2010/main" val="993856891"/>
+        <p14:creationId xmlns:p14="http://schemas.microsoft.com/office/powerpoint/2010/main" val="1839497683"/>
       </p:ext>
     </p:extLst>
   </p:cSld>
@@ -24743,7 +24620,7 @@
             </a:pPr>
             <a:r>
               <a:rPr lang="en-US" sz="3000" dirty="0"/>
-              <a:t>Evaluation</a:t>
+              <a:t>Distributed File System</a:t>
             </a:r>
             <a:endParaRPr sz="3000" b="0" i="0" u="none" strike="noStrike" cap="none" dirty="0">
               <a:solidFill>
@@ -24806,7 +24683,7 @@
           <p:cNvPr id="3" name="Picture 2">
             <a:extLst>
               <a:ext uri="{FF2B5EF4-FFF2-40B4-BE49-F238E27FC236}">
-                <a16:creationId xmlns:a16="http://schemas.microsoft.com/office/drawing/2014/main" id="{AED99156-557D-A545-870E-41ECE3BE2A13}"/>
+                <a16:creationId xmlns:a16="http://schemas.microsoft.com/office/drawing/2014/main" id="{C4B2EEEB-7E57-CD46-B2D1-3C0902D45A1E}"/>
               </a:ext>
             </a:extLst>
           </p:cNvPr>
@@ -24823,8 +24700,38 @@
         </p:blipFill>
         <p:spPr>
           <a:xfrm>
-            <a:off x="2190306" y="1723534"/>
-            <a:ext cx="5203899" cy="2871117"/>
+            <a:off x="4443589" y="1506170"/>
+            <a:ext cx="4592273" cy="3027361"/>
+          </a:xfrm>
+          <a:prstGeom prst="rect">
+            <a:avLst/>
+          </a:prstGeom>
+        </p:spPr>
+      </p:pic>
+      <p:pic>
+        <p:nvPicPr>
+          <p:cNvPr id="5" name="Picture 4">
+            <a:extLst>
+              <a:ext uri="{FF2B5EF4-FFF2-40B4-BE49-F238E27FC236}">
+                <a16:creationId xmlns:a16="http://schemas.microsoft.com/office/drawing/2014/main" id="{223D185A-2ED0-C141-B2BB-78A283A9F539}"/>
+              </a:ext>
+            </a:extLst>
+          </p:cNvPr>
+          <p:cNvPicPr>
+            <a:picLocks noChangeAspect="1"/>
+          </p:cNvPicPr>
+          <p:nvPr/>
+        </p:nvPicPr>
+        <p:blipFill>
+          <a:blip r:embed="rId4"/>
+          <a:stretch>
+            <a:fillRect/>
+          </a:stretch>
+        </p:blipFill>
+        <p:spPr>
+          <a:xfrm>
+            <a:off x="108138" y="1445051"/>
+            <a:ext cx="4165600" cy="3149600"/>
           </a:xfrm>
           <a:prstGeom prst="rect">
             <a:avLst/>
@@ -24834,7 +24741,7 @@
     </p:spTree>
     <p:extLst>
       <p:ext uri="{BB962C8B-B14F-4D97-AF65-F5344CB8AC3E}">
-        <p14:creationId xmlns:p14="http://schemas.microsoft.com/office/powerpoint/2010/main" val="1527572769"/>
+        <p14:creationId xmlns:p14="http://schemas.microsoft.com/office/powerpoint/2010/main" val="2017391425"/>
       </p:ext>
     </p:extLst>
   </p:cSld>
@@ -24895,311 +24802,7 @@
             </a:pPr>
             <a:r>
               <a:rPr lang="en-US" sz="3000" dirty="0"/>
-              <a:t>Evaluation</a:t>
-            </a:r>
-            <a:endParaRPr sz="3000" b="0" i="0" u="none" strike="noStrike" cap="none" dirty="0">
-              <a:solidFill>
-                <a:srgbClr val="09347A"/>
-              </a:solidFill>
-              <a:latin typeface="Verdana"/>
-              <a:ea typeface="Verdana"/>
-              <a:cs typeface="Verdana"/>
-              <a:sym typeface="Verdana"/>
-            </a:endParaRPr>
-          </a:p>
-        </p:txBody>
-      </p:sp>
-      <p:sp>
-        <p:nvSpPr>
-          <p:cNvPr id="131" name="Shape 131"/>
-          <p:cNvSpPr txBox="1">
-            <a:spLocks noGrp="1"/>
-          </p:cNvSpPr>
-          <p:nvPr>
-            <p:ph type="body" idx="1"/>
-          </p:nvPr>
-        </p:nvSpPr>
-        <p:spPr>
-          <a:xfrm>
-            <a:off x="457200" y="1200151"/>
-            <a:ext cx="8229600" cy="3394500"/>
-          </a:xfrm>
-          <a:prstGeom prst="rect">
-            <a:avLst/>
-          </a:prstGeom>
-          <a:noFill/>
-          <a:ln>
-            <a:noFill/>
-          </a:ln>
-        </p:spPr>
-        <p:txBody>
-          <a:bodyPr spcFirstLastPara="1" wrap="square" lIns="91425" tIns="45700" rIns="91425" bIns="45700" anchor="t" anchorCtr="0">
-            <a:noAutofit/>
-          </a:bodyPr>
-          <a:lstStyle/>
-          <a:p>
-            <a:pPr marL="342900" indent="-342900">
-              <a:spcBef>
-                <a:spcPts val="0"/>
-              </a:spcBef>
-              <a:buSzPct val="100000"/>
-            </a:pPr>
-            <a:endParaRPr lang="en-US" sz="2000" dirty="0">
-              <a:latin typeface="Times New Roman"/>
-              <a:ea typeface="Times New Roman"/>
-              <a:cs typeface="Times New Roman"/>
-              <a:sym typeface="Times New Roman"/>
-            </a:endParaRPr>
-          </a:p>
-        </p:txBody>
-      </p:sp>
-      <p:pic>
-        <p:nvPicPr>
-          <p:cNvPr id="2" name="Picture 1">
-            <a:extLst>
-              <a:ext uri="{FF2B5EF4-FFF2-40B4-BE49-F238E27FC236}">
-                <a16:creationId xmlns:a16="http://schemas.microsoft.com/office/drawing/2014/main" id="{988E3F71-A2C4-3145-AB25-F3D6A5DCAA6C}"/>
-              </a:ext>
-            </a:extLst>
-          </p:cNvPr>
-          <p:cNvPicPr>
-            <a:picLocks noChangeAspect="1"/>
-          </p:cNvPicPr>
-          <p:nvPr/>
-        </p:nvPicPr>
-        <p:blipFill>
-          <a:blip r:embed="rId3"/>
-          <a:stretch>
-            <a:fillRect/>
-          </a:stretch>
-        </p:blipFill>
-        <p:spPr>
-          <a:xfrm>
-            <a:off x="2599756" y="1165650"/>
-            <a:ext cx="4045414" cy="3977850"/>
-          </a:xfrm>
-          <a:prstGeom prst="rect">
-            <a:avLst/>
-          </a:prstGeom>
-        </p:spPr>
-      </p:pic>
-    </p:spTree>
-    <p:extLst>
-      <p:ext uri="{BB962C8B-B14F-4D97-AF65-F5344CB8AC3E}">
-        <p14:creationId xmlns:p14="http://schemas.microsoft.com/office/powerpoint/2010/main" val="1839497683"/>
-      </p:ext>
-    </p:extLst>
-  </p:cSld>
-  <p:clrMapOvr>
-    <a:masterClrMapping/>
-  </p:clrMapOvr>
-</p:sld>
-</file>
-
-<file path=ppt/slides/slide28.xml><?xml version="1.0" encoding="utf-8"?>
-<p:sld xmlns:a="http://schemas.openxmlformats.org/drawingml/2006/main" xmlns:r="http://schemas.openxmlformats.org/officeDocument/2006/relationships" xmlns:p="http://schemas.openxmlformats.org/presentationml/2006/main">
-  <p:cSld>
-    <p:spTree>
-      <p:nvGrpSpPr>
-        <p:cNvPr id="1" name="Shape 129"/>
-        <p:cNvGrpSpPr/>
-        <p:nvPr/>
-      </p:nvGrpSpPr>
-      <p:grpSpPr>
-        <a:xfrm>
-          <a:off x="0" y="0"/>
-          <a:ext cx="0" cy="0"/>
-          <a:chOff x="0" y="0"/>
-          <a:chExt cx="0" cy="0"/>
-        </a:xfrm>
-      </p:grpSpPr>
-      <p:sp>
-        <p:nvSpPr>
-          <p:cNvPr id="130" name="Shape 130"/>
-          <p:cNvSpPr txBox="1">
-            <a:spLocks noGrp="1"/>
-          </p:cNvSpPr>
-          <p:nvPr>
-            <p:ph type="title"/>
-          </p:nvPr>
-        </p:nvSpPr>
-        <p:spPr>
-          <a:xfrm>
-            <a:off x="457200" y="628650"/>
-            <a:ext cx="8229600" cy="537000"/>
-          </a:xfrm>
-          <a:prstGeom prst="rect">
-            <a:avLst/>
-          </a:prstGeom>
-          <a:noFill/>
-          <a:ln>
-            <a:noFill/>
-          </a:ln>
-        </p:spPr>
-        <p:txBody>
-          <a:bodyPr spcFirstLastPara="1" wrap="square" lIns="91425" tIns="45700" rIns="91425" bIns="45700" anchor="ctr" anchorCtr="0">
-            <a:noAutofit/>
-          </a:bodyPr>
-          <a:lstStyle/>
-          <a:p>
-            <a:pPr lvl="0">
-              <a:buSzPts val="3600"/>
-            </a:pPr>
-            <a:r>
-              <a:rPr lang="en-US" sz="3000" dirty="0"/>
-              <a:t>Evaluation</a:t>
-            </a:r>
-            <a:endParaRPr sz="3000" b="0" i="0" u="none" strike="noStrike" cap="none" dirty="0">
-              <a:solidFill>
-                <a:srgbClr val="09347A"/>
-              </a:solidFill>
-              <a:latin typeface="Verdana"/>
-              <a:ea typeface="Verdana"/>
-              <a:cs typeface="Verdana"/>
-              <a:sym typeface="Verdana"/>
-            </a:endParaRPr>
-          </a:p>
-        </p:txBody>
-      </p:sp>
-      <p:sp>
-        <p:nvSpPr>
-          <p:cNvPr id="131" name="Shape 131"/>
-          <p:cNvSpPr txBox="1">
-            <a:spLocks noGrp="1"/>
-          </p:cNvSpPr>
-          <p:nvPr>
-            <p:ph type="body" idx="1"/>
-          </p:nvPr>
-        </p:nvSpPr>
-        <p:spPr>
-          <a:xfrm>
-            <a:off x="457200" y="1200151"/>
-            <a:ext cx="8229600" cy="3394500"/>
-          </a:xfrm>
-          <a:prstGeom prst="rect">
-            <a:avLst/>
-          </a:prstGeom>
-          <a:noFill/>
-          <a:ln>
-            <a:noFill/>
-          </a:ln>
-        </p:spPr>
-        <p:txBody>
-          <a:bodyPr spcFirstLastPara="1" wrap="square" lIns="91425" tIns="45700" rIns="91425" bIns="45700" anchor="t" anchorCtr="0">
-            <a:noAutofit/>
-          </a:bodyPr>
-          <a:lstStyle/>
-          <a:p>
-            <a:pPr marL="342900" indent="-342900">
-              <a:spcBef>
-                <a:spcPts val="0"/>
-              </a:spcBef>
-              <a:buSzPct val="100000"/>
-            </a:pPr>
-            <a:endParaRPr lang="en-US" sz="2000" dirty="0">
-              <a:latin typeface="Times New Roman"/>
-              <a:ea typeface="Times New Roman"/>
-              <a:cs typeface="Times New Roman"/>
-              <a:sym typeface="Times New Roman"/>
-            </a:endParaRPr>
-          </a:p>
-        </p:txBody>
-      </p:sp>
-      <p:pic>
-        <p:nvPicPr>
-          <p:cNvPr id="3" name="Picture 2">
-            <a:extLst>
-              <a:ext uri="{FF2B5EF4-FFF2-40B4-BE49-F238E27FC236}">
-                <a16:creationId xmlns:a16="http://schemas.microsoft.com/office/drawing/2014/main" id="{C4B2EEEB-7E57-CD46-B2D1-3C0902D45A1E}"/>
-              </a:ext>
-            </a:extLst>
-          </p:cNvPr>
-          <p:cNvPicPr>
-            <a:picLocks noChangeAspect="1"/>
-          </p:cNvPicPr>
-          <p:nvPr/>
-        </p:nvPicPr>
-        <p:blipFill>
-          <a:blip r:embed="rId3"/>
-          <a:stretch>
-            <a:fillRect/>
-          </a:stretch>
-        </p:blipFill>
-        <p:spPr>
-          <a:xfrm>
-            <a:off x="1966420" y="1200151"/>
-            <a:ext cx="5211160" cy="3435349"/>
-          </a:xfrm>
-          <a:prstGeom prst="rect">
-            <a:avLst/>
-          </a:prstGeom>
-        </p:spPr>
-      </p:pic>
-    </p:spTree>
-    <p:extLst>
-      <p:ext uri="{BB962C8B-B14F-4D97-AF65-F5344CB8AC3E}">
-        <p14:creationId xmlns:p14="http://schemas.microsoft.com/office/powerpoint/2010/main" val="2017391425"/>
-      </p:ext>
-    </p:extLst>
-  </p:cSld>
-  <p:clrMapOvr>
-    <a:masterClrMapping/>
-  </p:clrMapOvr>
-</p:sld>
-</file>
-
-<file path=ppt/slides/slide29.xml><?xml version="1.0" encoding="utf-8"?>
-<p:sld xmlns:a="http://schemas.openxmlformats.org/drawingml/2006/main" xmlns:r="http://schemas.openxmlformats.org/officeDocument/2006/relationships" xmlns:p="http://schemas.openxmlformats.org/presentationml/2006/main">
-  <p:cSld>
-    <p:spTree>
-      <p:nvGrpSpPr>
-        <p:cNvPr id="1" name="Shape 129"/>
-        <p:cNvGrpSpPr/>
-        <p:nvPr/>
-      </p:nvGrpSpPr>
-      <p:grpSpPr>
-        <a:xfrm>
-          <a:off x="0" y="0"/>
-          <a:ext cx="0" cy="0"/>
-          <a:chOff x="0" y="0"/>
-          <a:chExt cx="0" cy="0"/>
-        </a:xfrm>
-      </p:grpSpPr>
-      <p:sp>
-        <p:nvSpPr>
-          <p:cNvPr id="130" name="Shape 130"/>
-          <p:cNvSpPr txBox="1">
-            <a:spLocks noGrp="1"/>
-          </p:cNvSpPr>
-          <p:nvPr>
-            <p:ph type="title"/>
-          </p:nvPr>
-        </p:nvSpPr>
-        <p:spPr>
-          <a:xfrm>
-            <a:off x="457200" y="628650"/>
-            <a:ext cx="8229600" cy="537000"/>
-          </a:xfrm>
-          <a:prstGeom prst="rect">
-            <a:avLst/>
-          </a:prstGeom>
-          <a:noFill/>
-          <a:ln>
-            <a:noFill/>
-          </a:ln>
-        </p:spPr>
-        <p:txBody>
-          <a:bodyPr spcFirstLastPara="1" wrap="square" lIns="91425" tIns="45700" rIns="91425" bIns="45700" anchor="ctr" anchorCtr="0">
-            <a:noAutofit/>
-          </a:bodyPr>
-          <a:lstStyle/>
-          <a:p>
-            <a:pPr lvl="0">
-              <a:buSzPts val="3600"/>
-            </a:pPr>
-            <a:r>
-              <a:rPr lang="en-US" sz="3000" dirty="0"/>
-              <a:t>Evaluation</a:t>
+              <a:t>Scalable Recovery</a:t>
             </a:r>
             <a:endParaRPr sz="3000" b="0" i="0" u="none" strike="noStrike" cap="none" dirty="0">
               <a:solidFill>
@@ -25300,6 +24903,287 @@
 </p:sld>
 </file>
 
+<file path=ppt/slides/slide28.xml><?xml version="1.0" encoding="utf-8"?>
+<p:sld xmlns:a="http://schemas.openxmlformats.org/drawingml/2006/main" xmlns:r="http://schemas.openxmlformats.org/officeDocument/2006/relationships" xmlns:p="http://schemas.openxmlformats.org/presentationml/2006/main">
+  <p:cSld>
+    <p:spTree>
+      <p:nvGrpSpPr>
+        <p:cNvPr id="1" name="Shape 142"/>
+        <p:cNvGrpSpPr/>
+        <p:nvPr/>
+      </p:nvGrpSpPr>
+      <p:grpSpPr>
+        <a:xfrm>
+          <a:off x="0" y="0"/>
+          <a:ext cx="0" cy="0"/>
+          <a:chOff x="0" y="0"/>
+          <a:chExt cx="0" cy="0"/>
+        </a:xfrm>
+      </p:grpSpPr>
+      <p:sp>
+        <p:nvSpPr>
+          <p:cNvPr id="143" name="Shape 143"/>
+          <p:cNvSpPr txBox="1">
+            <a:spLocks noGrp="1"/>
+          </p:cNvSpPr>
+          <p:nvPr>
+            <p:ph type="title"/>
+          </p:nvPr>
+        </p:nvSpPr>
+        <p:spPr>
+          <a:xfrm>
+            <a:off x="457200" y="628650"/>
+            <a:ext cx="8229600" cy="537000"/>
+          </a:xfrm>
+          <a:prstGeom prst="rect">
+            <a:avLst/>
+          </a:prstGeom>
+          <a:noFill/>
+          <a:ln>
+            <a:noFill/>
+          </a:ln>
+        </p:spPr>
+        <p:txBody>
+          <a:bodyPr spcFirstLastPara="1" wrap="square" lIns="91425" tIns="45700" rIns="91425" bIns="45700" anchor="ctr" anchorCtr="0">
+            <a:noAutofit/>
+          </a:bodyPr>
+          <a:lstStyle/>
+          <a:p>
+            <a:pPr marL="0" marR="0" lvl="0" indent="0" algn="ctr" rtl="0">
+              <a:spcBef>
+                <a:spcPts val="0"/>
+              </a:spcBef>
+              <a:spcAft>
+                <a:spcPts val="0"/>
+              </a:spcAft>
+              <a:buClr>
+                <a:srgbClr val="09347A"/>
+              </a:buClr>
+              <a:buSzPts val="3600"/>
+              <a:buFont typeface="Verdana"/>
+              <a:buNone/>
+            </a:pPr>
+            <a:r>
+              <a:rPr lang="en-US" sz="3000" dirty="0"/>
+              <a:t>Conclusion</a:t>
+            </a:r>
+            <a:endParaRPr sz="3000" b="0" i="0" u="none" strike="noStrike" cap="none" dirty="0">
+              <a:solidFill>
+                <a:srgbClr val="09347A"/>
+              </a:solidFill>
+              <a:latin typeface="Verdana"/>
+              <a:ea typeface="Verdana"/>
+              <a:cs typeface="Verdana"/>
+              <a:sym typeface="Verdana"/>
+            </a:endParaRPr>
+          </a:p>
+        </p:txBody>
+      </p:sp>
+      <p:sp>
+        <p:nvSpPr>
+          <p:cNvPr id="144" name="Shape 144"/>
+          <p:cNvSpPr txBox="1">
+            <a:spLocks noGrp="1"/>
+          </p:cNvSpPr>
+          <p:nvPr>
+            <p:ph type="body" idx="1"/>
+          </p:nvPr>
+        </p:nvSpPr>
+        <p:spPr>
+          <a:xfrm>
+            <a:off x="457200" y="1200151"/>
+            <a:ext cx="8229600" cy="3394500"/>
+          </a:xfrm>
+          <a:prstGeom prst="rect">
+            <a:avLst/>
+          </a:prstGeom>
+          <a:noFill/>
+          <a:ln>
+            <a:noFill/>
+          </a:ln>
+        </p:spPr>
+        <p:txBody>
+          <a:bodyPr spcFirstLastPara="1" wrap="square" lIns="91425" tIns="45700" rIns="91425" bIns="45700" anchor="t" anchorCtr="0">
+            <a:noAutofit/>
+          </a:bodyPr>
+          <a:lstStyle/>
+          <a:p>
+            <a:pPr marL="457200" marR="0" lvl="0" indent="-381000" algn="l" rtl="0">
+              <a:spcBef>
+                <a:spcPts val="0"/>
+              </a:spcBef>
+              <a:spcAft>
+                <a:spcPts val="0"/>
+              </a:spcAft>
+              <a:buSzPts val="2400"/>
+              <a:buFont typeface="Times New Roman"/>
+              <a:buChar char="•"/>
+            </a:pPr>
+            <a:endParaRPr lang="en-US" sz="2400" dirty="0">
+              <a:latin typeface="Times New Roman"/>
+              <a:ea typeface="Times New Roman"/>
+              <a:cs typeface="Times New Roman"/>
+              <a:sym typeface="Times New Roman"/>
+            </a:endParaRPr>
+          </a:p>
+          <a:p>
+            <a:pPr marL="457200" marR="0" lvl="0" indent="-381000" algn="l" rtl="0">
+              <a:spcBef>
+                <a:spcPts val="0"/>
+              </a:spcBef>
+              <a:spcAft>
+                <a:spcPts val="0"/>
+              </a:spcAft>
+              <a:buSzPts val="2400"/>
+              <a:buFont typeface="Times New Roman"/>
+              <a:buChar char="•"/>
+            </a:pPr>
+            <a:r>
+              <a:rPr lang="en-US" sz="2400" dirty="0">
+                <a:latin typeface="Times New Roman"/>
+                <a:ea typeface="Times New Roman"/>
+                <a:cs typeface="Times New Roman"/>
+                <a:sym typeface="Times New Roman"/>
+              </a:rPr>
+              <a:t>Existing filesystems lack physical isolation</a:t>
+            </a:r>
+            <a:endParaRPr sz="2400" dirty="0">
+              <a:latin typeface="Times New Roman"/>
+              <a:ea typeface="Times New Roman"/>
+              <a:cs typeface="Times New Roman"/>
+              <a:sym typeface="Times New Roman"/>
+            </a:endParaRPr>
+          </a:p>
+          <a:p>
+            <a:pPr marL="457200" marR="0" lvl="0" indent="-381000" algn="l" rtl="0">
+              <a:spcBef>
+                <a:spcPts val="0"/>
+              </a:spcBef>
+              <a:spcAft>
+                <a:spcPts val="0"/>
+              </a:spcAft>
+              <a:buSzPts val="2400"/>
+              <a:buFont typeface="Times New Roman"/>
+              <a:buChar char="•"/>
+            </a:pPr>
+            <a:r>
+              <a:rPr lang="en-US" sz="2400" dirty="0" err="1">
+                <a:latin typeface="Times New Roman"/>
+                <a:ea typeface="Times New Roman"/>
+                <a:cs typeface="Times New Roman"/>
+                <a:sym typeface="Times New Roman"/>
+              </a:rPr>
+              <a:t>IceFS</a:t>
+            </a:r>
+            <a:r>
+              <a:rPr lang="en-US" sz="2400" dirty="0">
+                <a:latin typeface="Times New Roman"/>
+                <a:ea typeface="Times New Roman"/>
+                <a:cs typeface="Times New Roman"/>
+                <a:sym typeface="Times New Roman"/>
+              </a:rPr>
+              <a:t> achieves isolation using cube abstraction</a:t>
+            </a:r>
+          </a:p>
+          <a:p>
+            <a:pPr marL="457200" marR="0" lvl="0" indent="-381000" algn="l" rtl="0">
+              <a:spcBef>
+                <a:spcPts val="0"/>
+              </a:spcBef>
+              <a:spcAft>
+                <a:spcPts val="0"/>
+              </a:spcAft>
+              <a:buSzPts val="2400"/>
+              <a:buFont typeface="Times New Roman"/>
+              <a:buChar char="•"/>
+            </a:pPr>
+            <a:r>
+              <a:rPr lang="en-US" sz="2400" dirty="0">
+                <a:latin typeface="Times New Roman"/>
+                <a:ea typeface="Times New Roman"/>
+                <a:cs typeface="Times New Roman"/>
+                <a:sym typeface="Times New Roman"/>
+              </a:rPr>
+              <a:t>No shared resources, access dependencies, or bundled transactions among cubes</a:t>
+            </a:r>
+          </a:p>
+          <a:p>
+            <a:pPr marL="457200" marR="0" lvl="0" indent="-381000" algn="l" rtl="0">
+              <a:spcBef>
+                <a:spcPts val="0"/>
+              </a:spcBef>
+              <a:spcAft>
+                <a:spcPts val="0"/>
+              </a:spcAft>
+              <a:buSzPts val="2400"/>
+              <a:buFont typeface="Times New Roman"/>
+              <a:buChar char="•"/>
+            </a:pPr>
+            <a:r>
+              <a:rPr lang="en-US" sz="2400" dirty="0">
+                <a:latin typeface="Times New Roman"/>
+                <a:ea typeface="Times New Roman"/>
+                <a:cs typeface="Times New Roman"/>
+                <a:sym typeface="Times New Roman"/>
+              </a:rPr>
+              <a:t>Localize failures that were previously global</a:t>
+            </a:r>
+          </a:p>
+          <a:p>
+            <a:pPr marL="457200" marR="0" lvl="0" indent="-381000" algn="l" rtl="0">
+              <a:spcBef>
+                <a:spcPts val="0"/>
+              </a:spcBef>
+              <a:spcAft>
+                <a:spcPts val="0"/>
+              </a:spcAft>
+              <a:buSzPts val="2400"/>
+              <a:buFont typeface="Times New Roman"/>
+              <a:buChar char="•"/>
+            </a:pPr>
+            <a:r>
+              <a:rPr lang="en-US" sz="2400" dirty="0">
+                <a:latin typeface="Times New Roman"/>
+                <a:ea typeface="Times New Roman"/>
+                <a:cs typeface="Times New Roman"/>
+                <a:sym typeface="Times New Roman"/>
+              </a:rPr>
+              <a:t>Demonstrated fault isolation and fast recovery in two case studies: VM server and HDFS data nodes</a:t>
+            </a:r>
+            <a:endParaRPr sz="2400" dirty="0">
+              <a:latin typeface="Times New Roman"/>
+              <a:ea typeface="Times New Roman"/>
+              <a:cs typeface="Times New Roman"/>
+              <a:sym typeface="Times New Roman"/>
+            </a:endParaRPr>
+          </a:p>
+          <a:p>
+            <a:pPr marL="0" marR="0" lvl="0" indent="0" algn="l" rtl="0">
+              <a:spcBef>
+                <a:spcPts val="0"/>
+              </a:spcBef>
+              <a:spcAft>
+                <a:spcPts val="0"/>
+              </a:spcAft>
+              <a:buNone/>
+            </a:pPr>
+            <a:endParaRPr sz="2400" dirty="0">
+              <a:latin typeface="Times New Roman"/>
+              <a:ea typeface="Times New Roman"/>
+              <a:cs typeface="Times New Roman"/>
+              <a:sym typeface="Times New Roman"/>
+            </a:endParaRPr>
+          </a:p>
+        </p:txBody>
+      </p:sp>
+    </p:spTree>
+  </p:cSld>
+  <p:clrMapOvr>
+    <a:masterClrMapping/>
+  </p:clrMapOvr>
+</p:sld>
+</file>
+
 <file path=ppt/slides/slide3.xml><?xml version="1.0" encoding="utf-8"?>
 <p:sld xmlns:a="http://schemas.openxmlformats.org/drawingml/2006/main" xmlns:r="http://schemas.openxmlformats.org/officeDocument/2006/relationships" xmlns:p="http://schemas.openxmlformats.org/presentationml/2006/main">
   <p:cSld>
@@ -25346,25 +25230,14 @@
           </a:bodyPr>
           <a:lstStyle/>
           <a:p>
-            <a:pPr marL="0" marR="0" lvl="0" indent="0" algn="ctr" rtl="0">
-              <a:spcBef>
-                <a:spcPts val="0"/>
-              </a:spcBef>
-              <a:spcAft>
-                <a:spcPts val="0"/>
-              </a:spcAft>
-              <a:buClr>
-                <a:srgbClr val="09347A"/>
-              </a:buClr>
+            <a:pPr lvl="0">
               <a:buSzPts val="3600"/>
-              <a:buFont typeface="Verdana"/>
-              <a:buNone/>
             </a:pPr>
             <a:r>
-              <a:rPr lang="en-US" sz="3000"/>
-              <a:t>What is the problem being solved?</a:t>
+              <a:rPr lang="en-US" sz="3000" dirty="0"/>
+              <a:t>Introduction</a:t>
             </a:r>
-            <a:endParaRPr sz="3000" b="0" i="0" u="none" strike="noStrike" cap="none">
+            <a:endParaRPr sz="3000" b="0" i="0" u="none" strike="noStrike" cap="none" dirty="0">
               <a:solidFill>
                 <a:srgbClr val="09347A"/>
               </a:solidFill>
@@ -25423,14 +25296,8 @@
                 <a:cs typeface="Times New Roman"/>
                 <a:sym typeface="Times New Roman"/>
               </a:rPr>
-              <a:t>Isolation: virtual address spaces protects the memory of one process from others</a:t>
+              <a:t>Central truth: logically independent entities can be physically dependent</a:t>
             </a:r>
-            <a:endParaRPr sz="2400" dirty="0">
-              <a:latin typeface="Times New Roman"/>
-              <a:ea typeface="Times New Roman"/>
-              <a:cs typeface="Times New Roman"/>
-              <a:sym typeface="Times New Roman"/>
-            </a:endParaRPr>
           </a:p>
           <a:p>
             <a:pPr marL="457200" marR="0" lvl="0" indent="-381000" algn="l" rtl="0">
@@ -25451,7 +25318,7 @@
                 <a:cs typeface="Times New Roman"/>
                 <a:sym typeface="Times New Roman"/>
               </a:rPr>
-              <a:t>One way to achieve this is with virtual machines</a:t>
+              <a:t>1 disk block failure can lead to global reliability problems</a:t>
             </a:r>
           </a:p>
           <a:p>
@@ -25473,56 +25340,7 @@
                 <a:cs typeface="Times New Roman"/>
                 <a:sym typeface="Times New Roman"/>
               </a:rPr>
-              <a:t>Bitmaps in filesystems track </a:t>
-            </a:r>
-            <a:r>
-              <a:rPr lang="en-US" sz="2400" dirty="0" err="1">
-                <a:latin typeface="Times New Roman"/>
-                <a:ea typeface="Times New Roman"/>
-                <a:cs typeface="Times New Roman"/>
-                <a:sym typeface="Times New Roman"/>
-              </a:rPr>
-              <a:t>inodes</a:t>
-            </a:r>
-            <a:r>
-              <a:rPr lang="en-US" sz="2400" dirty="0">
-                <a:latin typeface="Times New Roman"/>
-                <a:ea typeface="Times New Roman"/>
-                <a:cs typeface="Times New Roman"/>
-                <a:sym typeface="Times New Roman"/>
-              </a:rPr>
-              <a:t> and data blocks in use</a:t>
-            </a:r>
-          </a:p>
-          <a:p>
-            <a:pPr marL="457200" marR="0" lvl="0" indent="-381000" algn="l" rtl="0">
-              <a:spcBef>
-                <a:spcPts val="0"/>
-              </a:spcBef>
-              <a:spcAft>
-                <a:spcPts val="0"/>
-              </a:spcAft>
-              <a:buSzPts val="2400"/>
-              <a:buFont typeface="Times New Roman"/>
-              <a:buChar char="•"/>
-            </a:pPr>
-            <a:r>
-              <a:rPr lang="en-US" sz="2400" i="1" dirty="0">
-                <a:latin typeface="Times New Roman"/>
-                <a:ea typeface="Times New Roman"/>
-                <a:cs typeface="Times New Roman"/>
-                <a:sym typeface="Times New Roman"/>
-              </a:rPr>
-              <a:t>Entanglement</a:t>
-            </a:r>
-            <a:r>
-              <a:rPr lang="en-US" sz="2400" dirty="0">
-                <a:latin typeface="Times New Roman"/>
-                <a:ea typeface="Times New Roman"/>
-                <a:cs typeface="Times New Roman"/>
-                <a:sym typeface="Times New Roman"/>
-              </a:rPr>
-              <a:t>: blocks from different files allocated in same bitmap</a:t>
+              <a:t>Lack of disentanglement slows recovery times</a:t>
             </a:r>
           </a:p>
           <a:p>
@@ -25544,315 +25362,17 @@
                 <a:cs typeface="Times New Roman"/>
                 <a:sym typeface="Times New Roman"/>
               </a:rPr>
-              <a:t>Bitmap failure can adversely affect unrelated files (reliability)</a:t>
-            </a:r>
-          </a:p>
-          <a:p>
-            <a:pPr marL="457200" marR="0" lvl="0" indent="-381000" algn="l" rtl="0">
-              <a:spcBef>
-                <a:spcPts val="0"/>
-              </a:spcBef>
-              <a:spcAft>
-                <a:spcPts val="0"/>
-              </a:spcAft>
-              <a:buSzPts val="2400"/>
-              <a:buFont typeface="Times New Roman"/>
-              <a:buChar char="•"/>
-            </a:pPr>
-            <a:r>
-              <a:rPr lang="en-US" sz="2400" dirty="0">
-                <a:latin typeface="Times New Roman"/>
-                <a:ea typeface="Times New Roman"/>
-                <a:cs typeface="Times New Roman"/>
-                <a:sym typeface="Times New Roman"/>
-              </a:rPr>
-              <a:t>Ext3 includes all updates in one global transaction (performance)</a:t>
+              <a:t>Performance of unrelated tasks hindered by consistency mechanisms (e.g., journaling)</a:t>
             </a:r>
           </a:p>
         </p:txBody>
       </p:sp>
     </p:spTree>
-  </p:cSld>
-  <p:clrMapOvr>
-    <a:masterClrMapping/>
-  </p:clrMapOvr>
-</p:sld>
-</file>
-
-<file path=ppt/slides/slide30.xml><?xml version="1.0" encoding="utf-8"?>
-<p:sld xmlns:a="http://schemas.openxmlformats.org/drawingml/2006/main" xmlns:r="http://schemas.openxmlformats.org/officeDocument/2006/relationships" xmlns:p="http://schemas.openxmlformats.org/presentationml/2006/main">
-  <p:cSld>
-    <p:spTree>
-      <p:nvGrpSpPr>
-        <p:cNvPr id="1" name="Shape 142"/>
-        <p:cNvGrpSpPr/>
-        <p:nvPr/>
-      </p:nvGrpSpPr>
-      <p:grpSpPr>
-        <a:xfrm>
-          <a:off x="0" y="0"/>
-          <a:ext cx="0" cy="0"/>
-          <a:chOff x="0" y="0"/>
-          <a:chExt cx="0" cy="0"/>
-        </a:xfrm>
-      </p:grpSpPr>
-      <p:sp>
-        <p:nvSpPr>
-          <p:cNvPr id="143" name="Shape 143"/>
-          <p:cNvSpPr txBox="1">
-            <a:spLocks noGrp="1"/>
-          </p:cNvSpPr>
-          <p:nvPr>
-            <p:ph type="title"/>
-          </p:nvPr>
-        </p:nvSpPr>
-        <p:spPr>
-          <a:xfrm>
-            <a:off x="457200" y="628650"/>
-            <a:ext cx="8229600" cy="537000"/>
-          </a:xfrm>
-          <a:prstGeom prst="rect">
-            <a:avLst/>
-          </a:prstGeom>
-          <a:noFill/>
-          <a:ln>
-            <a:noFill/>
-          </a:ln>
-        </p:spPr>
-        <p:txBody>
-          <a:bodyPr spcFirstLastPara="1" wrap="square" lIns="91425" tIns="45700" rIns="91425" bIns="45700" anchor="ctr" anchorCtr="0">
-            <a:noAutofit/>
-          </a:bodyPr>
-          <a:lstStyle/>
-          <a:p>
-            <a:pPr marL="0" marR="0" lvl="0" indent="0" algn="ctr" rtl="0">
-              <a:spcBef>
-                <a:spcPts val="0"/>
-              </a:spcBef>
-              <a:spcAft>
-                <a:spcPts val="0"/>
-              </a:spcAft>
-              <a:buClr>
-                <a:srgbClr val="09347A"/>
-              </a:buClr>
-              <a:buSzPts val="3600"/>
-              <a:buFont typeface="Verdana"/>
-              <a:buNone/>
-            </a:pPr>
-            <a:r>
-              <a:rPr lang="en-US" sz="3000" dirty="0"/>
-              <a:t>Punchline</a:t>
-            </a:r>
-            <a:endParaRPr sz="3000" b="0" i="0" u="none" strike="noStrike" cap="none" dirty="0">
-              <a:solidFill>
-                <a:srgbClr val="09347A"/>
-              </a:solidFill>
-              <a:latin typeface="Verdana"/>
-              <a:ea typeface="Verdana"/>
-              <a:cs typeface="Verdana"/>
-              <a:sym typeface="Verdana"/>
-            </a:endParaRPr>
-          </a:p>
-        </p:txBody>
-      </p:sp>
-      <p:sp>
-        <p:nvSpPr>
-          <p:cNvPr id="144" name="Shape 144"/>
-          <p:cNvSpPr txBox="1">
-            <a:spLocks noGrp="1"/>
-          </p:cNvSpPr>
-          <p:nvPr>
-            <p:ph type="body" idx="1"/>
-          </p:nvPr>
-        </p:nvSpPr>
-        <p:spPr>
-          <a:xfrm>
-            <a:off x="457200" y="1200151"/>
-            <a:ext cx="8229600" cy="3394500"/>
-          </a:xfrm>
-          <a:prstGeom prst="rect">
-            <a:avLst/>
-          </a:prstGeom>
-          <a:noFill/>
-          <a:ln>
-            <a:noFill/>
-          </a:ln>
-        </p:spPr>
-        <p:txBody>
-          <a:bodyPr spcFirstLastPara="1" wrap="square" lIns="91425" tIns="45700" rIns="91425" bIns="45700" anchor="t" anchorCtr="0">
-            <a:noAutofit/>
-          </a:bodyPr>
-          <a:lstStyle/>
-          <a:p>
-            <a:pPr marL="457200" marR="0" lvl="0" indent="-381000" algn="l" rtl="0">
-              <a:spcBef>
-                <a:spcPts val="0"/>
-              </a:spcBef>
-              <a:spcAft>
-                <a:spcPts val="0"/>
-              </a:spcAft>
-              <a:buSzPts val="2400"/>
-              <a:buFont typeface="Times New Roman"/>
-              <a:buChar char="•"/>
-            </a:pPr>
-            <a:endParaRPr lang="en-US" sz="2400" dirty="0">
-              <a:latin typeface="Times New Roman"/>
-              <a:ea typeface="Times New Roman"/>
-              <a:cs typeface="Times New Roman"/>
-              <a:sym typeface="Times New Roman"/>
-            </a:endParaRPr>
-          </a:p>
-          <a:p>
-            <a:pPr marL="457200" marR="0" lvl="0" indent="-381000" algn="l" rtl="0">
-              <a:spcBef>
-                <a:spcPts val="0"/>
-              </a:spcBef>
-              <a:spcAft>
-                <a:spcPts val="0"/>
-              </a:spcAft>
-              <a:buSzPts val="2400"/>
-              <a:buFont typeface="Times New Roman"/>
-              <a:buChar char="•"/>
-            </a:pPr>
-            <a:r>
-              <a:rPr lang="en-US" sz="2400" dirty="0">
-                <a:latin typeface="Times New Roman"/>
-                <a:ea typeface="Times New Roman"/>
-                <a:cs typeface="Times New Roman"/>
-                <a:sym typeface="Times New Roman"/>
-              </a:rPr>
-              <a:t>Existing filesystems lack physical isolation</a:t>
-            </a:r>
-            <a:endParaRPr sz="2400" dirty="0">
-              <a:latin typeface="Times New Roman"/>
-              <a:ea typeface="Times New Roman"/>
-              <a:cs typeface="Times New Roman"/>
-              <a:sym typeface="Times New Roman"/>
-            </a:endParaRPr>
-          </a:p>
-          <a:p>
-            <a:pPr marL="457200" marR="0" lvl="0" indent="-381000" algn="l" rtl="0">
-              <a:spcBef>
-                <a:spcPts val="0"/>
-              </a:spcBef>
-              <a:spcAft>
-                <a:spcPts val="0"/>
-              </a:spcAft>
-              <a:buSzPts val="2400"/>
-              <a:buFont typeface="Times New Roman"/>
-              <a:buChar char="•"/>
-            </a:pPr>
-            <a:r>
-              <a:rPr lang="en-US" sz="2400" dirty="0" err="1">
-                <a:latin typeface="Times New Roman"/>
-                <a:ea typeface="Times New Roman"/>
-                <a:cs typeface="Times New Roman"/>
-                <a:sym typeface="Times New Roman"/>
-              </a:rPr>
-              <a:t>IceFS</a:t>
-            </a:r>
-            <a:r>
-              <a:rPr lang="en-US" sz="2400" dirty="0">
-                <a:latin typeface="Times New Roman"/>
-                <a:ea typeface="Times New Roman"/>
-                <a:cs typeface="Times New Roman"/>
-                <a:sym typeface="Times New Roman"/>
-              </a:rPr>
-              <a:t> achieves isolation using cube abstraction</a:t>
-            </a:r>
-          </a:p>
-          <a:p>
-            <a:pPr marL="457200" marR="0" lvl="0" indent="-381000" algn="l" rtl="0">
-              <a:spcBef>
-                <a:spcPts val="0"/>
-              </a:spcBef>
-              <a:spcAft>
-                <a:spcPts val="0"/>
-              </a:spcAft>
-              <a:buSzPts val="2400"/>
-              <a:buFont typeface="Times New Roman"/>
-              <a:buChar char="•"/>
-            </a:pPr>
-            <a:r>
-              <a:rPr lang="en-US" sz="2400" dirty="0">
-                <a:latin typeface="Times New Roman"/>
-                <a:ea typeface="Times New Roman"/>
-                <a:cs typeface="Times New Roman"/>
-                <a:sym typeface="Times New Roman"/>
-              </a:rPr>
-              <a:t>No shared resources, access dependencies, or bundled transactions among cubes</a:t>
-            </a:r>
-          </a:p>
-          <a:p>
-            <a:pPr marL="457200" marR="0" lvl="0" indent="-381000" algn="l" rtl="0">
-              <a:spcBef>
-                <a:spcPts val="0"/>
-              </a:spcBef>
-              <a:spcAft>
-                <a:spcPts val="0"/>
-              </a:spcAft>
-              <a:buSzPts val="2400"/>
-              <a:buFont typeface="Times New Roman"/>
-              <a:buChar char="•"/>
-            </a:pPr>
-            <a:r>
-              <a:rPr lang="en-US" sz="2400" dirty="0">
-                <a:latin typeface="Times New Roman"/>
-                <a:ea typeface="Times New Roman"/>
-                <a:cs typeface="Times New Roman"/>
-                <a:sym typeface="Times New Roman"/>
-              </a:rPr>
-              <a:t>Localize failures that were previously global</a:t>
-            </a:r>
-          </a:p>
-          <a:p>
-            <a:pPr marL="457200" marR="0" lvl="0" indent="-381000" algn="l" rtl="0">
-              <a:spcBef>
-                <a:spcPts val="0"/>
-              </a:spcBef>
-              <a:spcAft>
-                <a:spcPts val="0"/>
-              </a:spcAft>
-              <a:buSzPts val="2400"/>
-              <a:buFont typeface="Times New Roman"/>
-              <a:buChar char="•"/>
-            </a:pPr>
-            <a:r>
-              <a:rPr lang="en-US" sz="2400" dirty="0">
-                <a:latin typeface="Times New Roman"/>
-                <a:ea typeface="Times New Roman"/>
-                <a:cs typeface="Times New Roman"/>
-                <a:sym typeface="Times New Roman"/>
-              </a:rPr>
-              <a:t>Demonstrated fault isolation and fast recovery in two case studies: VM server and HDFS data nodes</a:t>
-            </a:r>
-            <a:endParaRPr sz="2400" dirty="0">
-              <a:latin typeface="Times New Roman"/>
-              <a:ea typeface="Times New Roman"/>
-              <a:cs typeface="Times New Roman"/>
-              <a:sym typeface="Times New Roman"/>
-            </a:endParaRPr>
-          </a:p>
-          <a:p>
-            <a:pPr marL="0" marR="0" lvl="0" indent="0" algn="l" rtl="0">
-              <a:spcBef>
-                <a:spcPts val="0"/>
-              </a:spcBef>
-              <a:spcAft>
-                <a:spcPts val="0"/>
-              </a:spcAft>
-              <a:buNone/>
-            </a:pPr>
-            <a:endParaRPr sz="2400" dirty="0">
-              <a:latin typeface="Times New Roman"/>
-              <a:ea typeface="Times New Roman"/>
-              <a:cs typeface="Times New Roman"/>
-              <a:sym typeface="Times New Roman"/>
-            </a:endParaRPr>
-          </a:p>
-        </p:txBody>
-      </p:sp>
-    </p:spTree>
+    <p:extLst>
+      <p:ext uri="{BB962C8B-B14F-4D97-AF65-F5344CB8AC3E}">
+        <p14:creationId xmlns:p14="http://schemas.microsoft.com/office/powerpoint/2010/main" val="1412497815"/>
+      </p:ext>
+    </p:extLst>
   </p:cSld>
   <p:clrMapOvr>
     <a:masterClrMapping/>
@@ -25921,213 +25441,6 @@
               <a:buNone/>
             </a:pPr>
             <a:r>
-              <a:rPr lang="en-US" sz="3000"/>
-              <a:t>What is the problem being solved?</a:t>
-            </a:r>
-            <a:endParaRPr sz="3000" b="0" i="0" u="none" strike="noStrike" cap="none">
-              <a:solidFill>
-                <a:srgbClr val="09347A"/>
-              </a:solidFill>
-              <a:latin typeface="Verdana"/>
-              <a:ea typeface="Verdana"/>
-              <a:cs typeface="Verdana"/>
-              <a:sym typeface="Verdana"/>
-            </a:endParaRPr>
-          </a:p>
-        </p:txBody>
-      </p:sp>
-      <p:sp>
-        <p:nvSpPr>
-          <p:cNvPr id="112" name="Shape 112"/>
-          <p:cNvSpPr txBox="1">
-            <a:spLocks noGrp="1"/>
-          </p:cNvSpPr>
-          <p:nvPr>
-            <p:ph type="body" idx="1"/>
-          </p:nvPr>
-        </p:nvSpPr>
-        <p:spPr>
-          <a:xfrm>
-            <a:off x="457200" y="1200151"/>
-            <a:ext cx="8229600" cy="3394500"/>
-          </a:xfrm>
-          <a:prstGeom prst="rect">
-            <a:avLst/>
-          </a:prstGeom>
-          <a:noFill/>
-          <a:ln>
-            <a:noFill/>
-          </a:ln>
-        </p:spPr>
-        <p:txBody>
-          <a:bodyPr spcFirstLastPara="1" wrap="square" lIns="91425" tIns="45700" rIns="91425" bIns="45700" anchor="t" anchorCtr="0">
-            <a:noAutofit/>
-          </a:bodyPr>
-          <a:lstStyle/>
-          <a:p>
-            <a:pPr marL="457200" marR="0" lvl="0" indent="-381000" algn="l" rtl="0">
-              <a:spcBef>
-                <a:spcPts val="0"/>
-              </a:spcBef>
-              <a:spcAft>
-                <a:spcPts val="0"/>
-              </a:spcAft>
-              <a:buSzPts val="2400"/>
-              <a:buFont typeface="Times New Roman"/>
-              <a:buChar char="•"/>
-            </a:pPr>
-            <a:r>
-              <a:rPr lang="en-US" sz="2400" dirty="0">
-                <a:latin typeface="Times New Roman"/>
-                <a:ea typeface="Times New Roman"/>
-                <a:cs typeface="Times New Roman"/>
-                <a:sym typeface="Times New Roman"/>
-              </a:rPr>
-              <a:t>Central truth: logically independent entities can be physically dependent</a:t>
-            </a:r>
-          </a:p>
-          <a:p>
-            <a:pPr marL="457200" marR="0" lvl="0" indent="-381000" algn="l" rtl="0">
-              <a:spcBef>
-                <a:spcPts val="0"/>
-              </a:spcBef>
-              <a:spcAft>
-                <a:spcPts val="0"/>
-              </a:spcAft>
-              <a:buSzPts val="2400"/>
-              <a:buFont typeface="Times New Roman"/>
-              <a:buChar char="•"/>
-            </a:pPr>
-            <a:r>
-              <a:rPr lang="en-US" sz="2400" dirty="0">
-                <a:latin typeface="Times New Roman"/>
-                <a:ea typeface="Times New Roman"/>
-                <a:cs typeface="Times New Roman"/>
-                <a:sym typeface="Times New Roman"/>
-              </a:rPr>
-              <a:t>1 disk block failure can lead to global reliability problems</a:t>
-            </a:r>
-          </a:p>
-          <a:p>
-            <a:pPr marL="457200" marR="0" lvl="0" indent="-381000" algn="l" rtl="0">
-              <a:spcBef>
-                <a:spcPts val="0"/>
-              </a:spcBef>
-              <a:spcAft>
-                <a:spcPts val="0"/>
-              </a:spcAft>
-              <a:buSzPts val="2400"/>
-              <a:buFont typeface="Times New Roman"/>
-              <a:buChar char="•"/>
-            </a:pPr>
-            <a:r>
-              <a:rPr lang="en-US" sz="2400" dirty="0">
-                <a:latin typeface="Times New Roman"/>
-                <a:ea typeface="Times New Roman"/>
-                <a:cs typeface="Times New Roman"/>
-                <a:sym typeface="Times New Roman"/>
-              </a:rPr>
-              <a:t>Lack of disentanglement slows recovery times</a:t>
-            </a:r>
-          </a:p>
-          <a:p>
-            <a:pPr marL="457200" marR="0" lvl="0" indent="-381000" algn="l" rtl="0">
-              <a:spcBef>
-                <a:spcPts val="0"/>
-              </a:spcBef>
-              <a:spcAft>
-                <a:spcPts val="0"/>
-              </a:spcAft>
-              <a:buSzPts val="2400"/>
-              <a:buFont typeface="Times New Roman"/>
-              <a:buChar char="•"/>
-            </a:pPr>
-            <a:r>
-              <a:rPr lang="en-US" sz="2400" dirty="0">
-                <a:latin typeface="Times New Roman"/>
-                <a:ea typeface="Times New Roman"/>
-                <a:cs typeface="Times New Roman"/>
-                <a:sym typeface="Times New Roman"/>
-              </a:rPr>
-              <a:t>Performance of unrelated tasks hindered by consistency mechanisms (e.g., journaling)</a:t>
-            </a:r>
-          </a:p>
-        </p:txBody>
-      </p:sp>
-    </p:spTree>
-    <p:extLst>
-      <p:ext uri="{BB962C8B-B14F-4D97-AF65-F5344CB8AC3E}">
-        <p14:creationId xmlns:p14="http://schemas.microsoft.com/office/powerpoint/2010/main" val="1412497815"/>
-      </p:ext>
-    </p:extLst>
-  </p:cSld>
-  <p:clrMapOvr>
-    <a:masterClrMapping/>
-  </p:clrMapOvr>
-</p:sld>
-</file>
-
-<file path=ppt/slides/slide5.xml><?xml version="1.0" encoding="utf-8"?>
-<p:sld xmlns:a="http://schemas.openxmlformats.org/drawingml/2006/main" xmlns:r="http://schemas.openxmlformats.org/officeDocument/2006/relationships" xmlns:p="http://schemas.openxmlformats.org/presentationml/2006/main">
-  <p:cSld>
-    <p:spTree>
-      <p:nvGrpSpPr>
-        <p:cNvPr id="1" name="Shape 110"/>
-        <p:cNvGrpSpPr/>
-        <p:nvPr/>
-      </p:nvGrpSpPr>
-      <p:grpSpPr>
-        <a:xfrm>
-          <a:off x="0" y="0"/>
-          <a:ext cx="0" cy="0"/>
-          <a:chOff x="0" y="0"/>
-          <a:chExt cx="0" cy="0"/>
-        </a:xfrm>
-      </p:grpSpPr>
-      <p:sp>
-        <p:nvSpPr>
-          <p:cNvPr id="111" name="Shape 111"/>
-          <p:cNvSpPr txBox="1">
-            <a:spLocks noGrp="1"/>
-          </p:cNvSpPr>
-          <p:nvPr>
-            <p:ph type="title"/>
-          </p:nvPr>
-        </p:nvSpPr>
-        <p:spPr>
-          <a:xfrm>
-            <a:off x="457200" y="628650"/>
-            <a:ext cx="8229600" cy="537000"/>
-          </a:xfrm>
-          <a:prstGeom prst="rect">
-            <a:avLst/>
-          </a:prstGeom>
-          <a:noFill/>
-          <a:ln>
-            <a:noFill/>
-          </a:ln>
-        </p:spPr>
-        <p:txBody>
-          <a:bodyPr spcFirstLastPara="1" wrap="square" lIns="91425" tIns="45700" rIns="91425" bIns="45700" anchor="ctr" anchorCtr="0">
-            <a:noAutofit/>
-          </a:bodyPr>
-          <a:lstStyle/>
-          <a:p>
-            <a:pPr marL="0" marR="0" lvl="0" indent="0" algn="ctr" rtl="0">
-              <a:spcBef>
-                <a:spcPts val="0"/>
-              </a:spcBef>
-              <a:spcAft>
-                <a:spcPts val="0"/>
-              </a:spcAft>
-              <a:buClr>
-                <a:srgbClr val="09347A"/>
-              </a:buClr>
-              <a:buSzPts val="3600"/>
-              <a:buFont typeface="Verdana"/>
-              <a:buNone/>
-            </a:pPr>
-            <a:r>
               <a:rPr lang="en-US" sz="3000" dirty="0"/>
               <a:t>Entanglement Problems</a:t>
             </a:r>
@@ -26183,6 +25496,25 @@
               <a:buFont typeface="+mj-lt"/>
               <a:buAutoNum type="arabicPeriod"/>
             </a:pPr>
+            <a:endParaRPr lang="en-US" sz="2400" dirty="0">
+              <a:latin typeface="Times New Roman"/>
+              <a:ea typeface="Times New Roman"/>
+              <a:cs typeface="Times New Roman"/>
+              <a:sym typeface="Times New Roman"/>
+            </a:endParaRPr>
+          </a:p>
+          <a:p>
+            <a:pPr marL="533400" marR="0" lvl="0" indent="-457200" algn="l" rtl="0">
+              <a:spcBef>
+                <a:spcPts val="0"/>
+              </a:spcBef>
+              <a:spcAft>
+                <a:spcPts val="0"/>
+              </a:spcAft>
+              <a:buSzPts val="2400"/>
+              <a:buFont typeface="+mj-lt"/>
+              <a:buAutoNum type="arabicPeriod"/>
+            </a:pPr>
             <a:r>
               <a:rPr lang="en-US" sz="2400" dirty="0">
                 <a:latin typeface="Times New Roman"/>
@@ -26290,7 +25622,7 @@
 </p:sld>
 </file>
 
-<file path=ppt/slides/slide6.xml><?xml version="1.0" encoding="utf-8"?>
+<file path=ppt/slides/slide5.xml><?xml version="1.0" encoding="utf-8"?>
 <p:sld xmlns:a="http://schemas.openxmlformats.org/drawingml/2006/main" xmlns:r="http://schemas.openxmlformats.org/officeDocument/2006/relationships" xmlns:p="http://schemas.openxmlformats.org/presentationml/2006/main">
   <p:cSld>
     <p:spTree>
@@ -26351,10 +25683,10 @@
               <a:buNone/>
             </a:pPr>
             <a:r>
-              <a:rPr lang="en-US" sz="3000"/>
-              <a:t>How do they solve it?</a:t>
+              <a:rPr lang="en-US" sz="3000" dirty="0"/>
+              <a:t>Solution</a:t>
             </a:r>
-            <a:endParaRPr sz="3000" b="0" i="0" u="none" strike="noStrike" cap="none">
+            <a:endParaRPr sz="3000" b="0" i="0" u="none" strike="noStrike" cap="none" dirty="0">
               <a:solidFill>
                 <a:srgbClr val="09347A"/>
               </a:solidFill>
@@ -26394,6 +25726,25 @@
             <a:noAutofit/>
           </a:bodyPr>
           <a:lstStyle/>
+          <a:p>
+            <a:pPr marL="457200" marR="0" lvl="0" indent="-381000" algn="l" rtl="0">
+              <a:spcBef>
+                <a:spcPts val="0"/>
+              </a:spcBef>
+              <a:spcAft>
+                <a:spcPts val="0"/>
+              </a:spcAft>
+              <a:buSzPts val="2400"/>
+              <a:buFont typeface="Times New Roman"/>
+              <a:buChar char="•"/>
+            </a:pPr>
+            <a:endParaRPr lang="en-US" sz="2400" dirty="0">
+              <a:latin typeface="Times New Roman"/>
+              <a:ea typeface="Times New Roman"/>
+              <a:cs typeface="Times New Roman"/>
+              <a:sym typeface="Times New Roman"/>
+            </a:endParaRPr>
+          </a:p>
           <a:p>
             <a:pPr marL="457200" marR="0" lvl="0" indent="-381000" algn="l" rtl="0">
               <a:spcBef>
@@ -26570,7 +25921,7 @@
 </p:sld>
 </file>
 
-<file path=ppt/slides/slide7.xml><?xml version="1.0" encoding="utf-8"?>
+<file path=ppt/slides/slide6.xml><?xml version="1.0" encoding="utf-8"?>
 <p:sld xmlns:a="http://schemas.openxmlformats.org/drawingml/2006/main" xmlns:r="http://schemas.openxmlformats.org/officeDocument/2006/relationships" xmlns:p="http://schemas.openxmlformats.org/presentationml/2006/main">
   <p:cSld>
     <p:spTree>
@@ -27121,7 +26472,7 @@
 </p:sld>
 </file>
 
-<file path=ppt/slides/slide8.xml><?xml version="1.0" encoding="utf-8"?>
+<file path=ppt/slides/slide7.xml><?xml version="1.0" encoding="utf-8"?>
 <p:sld xmlns:a="http://schemas.openxmlformats.org/drawingml/2006/main" xmlns:r="http://schemas.openxmlformats.org/officeDocument/2006/relationships" xmlns:p="http://schemas.openxmlformats.org/presentationml/2006/main">
   <p:cSld>
     <p:spTree>
@@ -27627,7 +26978,7 @@
 </p:sld>
 </file>
 
-<file path=ppt/slides/slide9.xml><?xml version="1.0" encoding="utf-8"?>
+<file path=ppt/slides/slide8.xml><?xml version="1.0" encoding="utf-8"?>
 <p:sld xmlns:a="http://schemas.openxmlformats.org/drawingml/2006/main" xmlns:r="http://schemas.openxmlformats.org/officeDocument/2006/relationships" xmlns:p="http://schemas.openxmlformats.org/presentationml/2006/main">
   <p:cSld>
     <p:spTree>
@@ -28005,6 +27356,168 @@
       </p:par>
     </p:tnLst>
   </p:timing>
+</p:sld>
+</file>
+
+<file path=ppt/slides/slide9.xml><?xml version="1.0" encoding="utf-8"?>
+<p:sld xmlns:a="http://schemas.openxmlformats.org/drawingml/2006/main" xmlns:r="http://schemas.openxmlformats.org/officeDocument/2006/relationships" xmlns:p="http://schemas.openxmlformats.org/presentationml/2006/main">
+  <p:cSld>
+    <p:spTree>
+      <p:nvGrpSpPr>
+        <p:cNvPr id="1" name="Shape 129"/>
+        <p:cNvGrpSpPr/>
+        <p:nvPr/>
+      </p:nvGrpSpPr>
+      <p:grpSpPr>
+        <a:xfrm>
+          <a:off x="0" y="0"/>
+          <a:ext cx="0" cy="0"/>
+          <a:chOff x="0" y="0"/>
+          <a:chExt cx="0" cy="0"/>
+        </a:xfrm>
+      </p:grpSpPr>
+      <p:sp>
+        <p:nvSpPr>
+          <p:cNvPr id="130" name="Shape 130"/>
+          <p:cNvSpPr txBox="1">
+            <a:spLocks noGrp="1"/>
+          </p:cNvSpPr>
+          <p:nvPr>
+            <p:ph type="title"/>
+          </p:nvPr>
+        </p:nvSpPr>
+        <p:spPr>
+          <a:xfrm>
+            <a:off x="457200" y="628650"/>
+            <a:ext cx="8229600" cy="537000"/>
+          </a:xfrm>
+          <a:prstGeom prst="rect">
+            <a:avLst/>
+          </a:prstGeom>
+          <a:noFill/>
+          <a:ln>
+            <a:noFill/>
+          </a:ln>
+        </p:spPr>
+        <p:txBody>
+          <a:bodyPr spcFirstLastPara="1" wrap="square" lIns="91425" tIns="45700" rIns="91425" bIns="45700" anchor="ctr" anchorCtr="0">
+            <a:noAutofit/>
+          </a:bodyPr>
+          <a:lstStyle/>
+          <a:p>
+            <a:pPr marL="0" marR="0" lvl="0" indent="0" algn="ctr" rtl="0">
+              <a:spcBef>
+                <a:spcPts val="0"/>
+              </a:spcBef>
+              <a:spcAft>
+                <a:spcPts val="0"/>
+              </a:spcAft>
+              <a:buClr>
+                <a:srgbClr val="09347A"/>
+              </a:buClr>
+              <a:buSzPts val="3600"/>
+              <a:buFont typeface="Verdana"/>
+              <a:buNone/>
+            </a:pPr>
+            <a:r>
+              <a:rPr lang="en-US" sz="3000" dirty="0"/>
+              <a:t>Motivation</a:t>
+            </a:r>
+            <a:endParaRPr sz="3000" b="0" i="0" u="none" strike="noStrike" cap="none" dirty="0">
+              <a:solidFill>
+                <a:srgbClr val="09347A"/>
+              </a:solidFill>
+              <a:latin typeface="Verdana"/>
+              <a:ea typeface="Verdana"/>
+              <a:cs typeface="Verdana"/>
+              <a:sym typeface="Verdana"/>
+            </a:endParaRPr>
+          </a:p>
+        </p:txBody>
+      </p:sp>
+      <p:sp>
+        <p:nvSpPr>
+          <p:cNvPr id="131" name="Shape 131"/>
+          <p:cNvSpPr txBox="1">
+            <a:spLocks noGrp="1"/>
+          </p:cNvSpPr>
+          <p:nvPr>
+            <p:ph type="body" idx="1"/>
+          </p:nvPr>
+        </p:nvSpPr>
+        <p:spPr>
+          <a:xfrm>
+            <a:off x="457200" y="1200151"/>
+            <a:ext cx="8229600" cy="3394500"/>
+          </a:xfrm>
+          <a:prstGeom prst="rect">
+            <a:avLst/>
+          </a:prstGeom>
+          <a:noFill/>
+          <a:ln>
+            <a:noFill/>
+          </a:ln>
+        </p:spPr>
+        <p:txBody>
+          <a:bodyPr spcFirstLastPara="1" wrap="square" lIns="91425" tIns="45700" rIns="91425" bIns="45700" anchor="t" anchorCtr="0">
+            <a:noAutofit/>
+          </a:bodyPr>
+          <a:lstStyle/>
+          <a:p>
+            <a:pPr marL="0" marR="0" lvl="0" indent="0" algn="l" rtl="0">
+              <a:spcBef>
+                <a:spcPts val="0"/>
+              </a:spcBef>
+              <a:spcAft>
+                <a:spcPts val="0"/>
+              </a:spcAft>
+              <a:buSzPct val="100000"/>
+              <a:buNone/>
+            </a:pPr>
+            <a:endParaRPr sz="2000" dirty="0">
+              <a:latin typeface="Times New Roman"/>
+              <a:ea typeface="Times New Roman"/>
+              <a:cs typeface="Times New Roman"/>
+              <a:sym typeface="Times New Roman"/>
+            </a:endParaRPr>
+          </a:p>
+        </p:txBody>
+      </p:sp>
+      <p:pic>
+        <p:nvPicPr>
+          <p:cNvPr id="2" name="Picture 1">
+            <a:extLst>
+              <a:ext uri="{FF2B5EF4-FFF2-40B4-BE49-F238E27FC236}">
+                <a16:creationId xmlns:a16="http://schemas.microsoft.com/office/drawing/2014/main" id="{EE67A38F-7695-A143-BE9F-DB27717DC5A4}"/>
+              </a:ext>
+            </a:extLst>
+          </p:cNvPr>
+          <p:cNvPicPr>
+            <a:picLocks noChangeAspect="1"/>
+          </p:cNvPicPr>
+          <p:nvPr/>
+        </p:nvPicPr>
+        <p:blipFill>
+          <a:blip r:embed="rId3"/>
+          <a:stretch>
+            <a:fillRect/>
+          </a:stretch>
+        </p:blipFill>
+        <p:spPr>
+          <a:xfrm>
+            <a:off x="2326740" y="1299740"/>
+            <a:ext cx="4923753" cy="3615467"/>
+          </a:xfrm>
+          <a:prstGeom prst="rect">
+            <a:avLst/>
+          </a:prstGeom>
+        </p:spPr>
+      </p:pic>
+    </p:spTree>
+  </p:cSld>
+  <p:clrMapOvr>
+    <a:masterClrMapping/>
+  </p:clrMapOvr>
 </p:sld>
 </file>
 
